--- a/udacity_ci_cd_presentation.pptx
+++ b/udacity_ci_cd_presentation.pptx
@@ -7,9 +7,8 @@
   <p:sldIdLst>
     <p:sldId id="257" r:id="rId5"/>
     <p:sldId id="262" r:id="rId6"/>
-    <p:sldId id="266" r:id="rId7"/>
-    <p:sldId id="267" r:id="rId8"/>
-    <p:sldId id="268" r:id="rId9"/>
+    <p:sldId id="267" r:id="rId7"/>
+    <p:sldId id="268" r:id="rId8"/>
   </p:sldIdLst>
   <p:sldSz cx="12192000" cy="6858000"/>
   <p:notesSz cx="6858000" cy="9144000"/>
@@ -2357,753 +2356,6 @@
 </dgm:colorsDef>
 </file>
 
-<file path=ppt/diagrams/colors4.xml><?xml version="1.0" encoding="utf-8"?>
-<dgm:colorsDef xmlns:dgm="http://schemas.openxmlformats.org/drawingml/2006/diagram" xmlns:a="http://schemas.openxmlformats.org/drawingml/2006/main" uniqueId="urn:microsoft.com/office/officeart/2005/8/colors/accent1_2">
-  <dgm:title val=""/>
-  <dgm:desc val=""/>
-  <dgm:catLst>
-    <dgm:cat type="accent1" pri="11200"/>
-  </dgm:catLst>
-  <dgm:styleLbl name="node0">
-    <dgm:fillClrLst meth="repeat">
-      <a:schemeClr val="accent1"/>
-    </dgm:fillClrLst>
-    <dgm:linClrLst meth="repeat">
-      <a:schemeClr val="lt1"/>
-    </dgm:linClrLst>
-    <dgm:effectClrLst/>
-    <dgm:txLinClrLst/>
-    <dgm:txFillClrLst/>
-    <dgm:txEffectClrLst/>
-  </dgm:styleLbl>
-  <dgm:styleLbl name="alignNode1">
-    <dgm:fillClrLst meth="repeat">
-      <a:schemeClr val="accent1"/>
-    </dgm:fillClrLst>
-    <dgm:linClrLst meth="repeat">
-      <a:schemeClr val="accent1"/>
-    </dgm:linClrLst>
-    <dgm:effectClrLst/>
-    <dgm:txLinClrLst/>
-    <dgm:txFillClrLst/>
-    <dgm:txEffectClrLst/>
-  </dgm:styleLbl>
-  <dgm:styleLbl name="node1">
-    <dgm:fillClrLst meth="repeat">
-      <a:schemeClr val="accent1"/>
-    </dgm:fillClrLst>
-    <dgm:linClrLst meth="repeat">
-      <a:schemeClr val="lt1"/>
-    </dgm:linClrLst>
-    <dgm:effectClrLst/>
-    <dgm:txLinClrLst/>
-    <dgm:txFillClrLst/>
-    <dgm:txEffectClrLst/>
-  </dgm:styleLbl>
-  <dgm:styleLbl name="lnNode1">
-    <dgm:fillClrLst meth="repeat">
-      <a:schemeClr val="accent1"/>
-    </dgm:fillClrLst>
-    <dgm:linClrLst meth="repeat">
-      <a:schemeClr val="lt1"/>
-    </dgm:linClrLst>
-    <dgm:effectClrLst/>
-    <dgm:txLinClrLst/>
-    <dgm:txFillClrLst/>
-    <dgm:txEffectClrLst/>
-  </dgm:styleLbl>
-  <dgm:styleLbl name="vennNode1">
-    <dgm:fillClrLst meth="repeat">
-      <a:schemeClr val="accent1">
-        <a:alpha val="50000"/>
-      </a:schemeClr>
-    </dgm:fillClrLst>
-    <dgm:linClrLst meth="repeat">
-      <a:schemeClr val="lt1"/>
-    </dgm:linClrLst>
-    <dgm:effectClrLst/>
-    <dgm:txLinClrLst/>
-    <dgm:txFillClrLst/>
-    <dgm:txEffectClrLst/>
-  </dgm:styleLbl>
-  <dgm:styleLbl name="node2">
-    <dgm:fillClrLst meth="repeat">
-      <a:schemeClr val="accent1"/>
-    </dgm:fillClrLst>
-    <dgm:linClrLst meth="repeat">
-      <a:schemeClr val="lt1"/>
-    </dgm:linClrLst>
-    <dgm:effectClrLst/>
-    <dgm:txLinClrLst/>
-    <dgm:txFillClrLst/>
-    <dgm:txEffectClrLst/>
-  </dgm:styleLbl>
-  <dgm:styleLbl name="node3">
-    <dgm:fillClrLst meth="repeat">
-      <a:schemeClr val="accent1"/>
-    </dgm:fillClrLst>
-    <dgm:linClrLst meth="repeat">
-      <a:schemeClr val="lt1"/>
-    </dgm:linClrLst>
-    <dgm:effectClrLst/>
-    <dgm:txLinClrLst/>
-    <dgm:txFillClrLst/>
-    <dgm:txEffectClrLst/>
-  </dgm:styleLbl>
-  <dgm:styleLbl name="node4">
-    <dgm:fillClrLst meth="repeat">
-      <a:schemeClr val="accent1"/>
-    </dgm:fillClrLst>
-    <dgm:linClrLst meth="repeat">
-      <a:schemeClr val="lt1"/>
-    </dgm:linClrLst>
-    <dgm:effectClrLst/>
-    <dgm:txLinClrLst/>
-    <dgm:txFillClrLst/>
-    <dgm:txEffectClrLst/>
-  </dgm:styleLbl>
-  <dgm:styleLbl name="fgImgPlace1">
-    <dgm:fillClrLst meth="repeat">
-      <a:schemeClr val="accent1">
-        <a:tint val="50000"/>
-      </a:schemeClr>
-    </dgm:fillClrLst>
-    <dgm:linClrLst meth="repeat">
-      <a:schemeClr val="lt1"/>
-    </dgm:linClrLst>
-    <dgm:effectClrLst/>
-    <dgm:txLinClrLst/>
-    <dgm:txFillClrLst meth="repeat">
-      <a:schemeClr val="lt1"/>
-    </dgm:txFillClrLst>
-    <dgm:txEffectClrLst/>
-  </dgm:styleLbl>
-  <dgm:styleLbl name="alignImgPlace1">
-    <dgm:fillClrLst meth="repeat">
-      <a:schemeClr val="accent1">
-        <a:tint val="50000"/>
-      </a:schemeClr>
-    </dgm:fillClrLst>
-    <dgm:linClrLst meth="repeat">
-      <a:schemeClr val="lt1"/>
-    </dgm:linClrLst>
-    <dgm:effectClrLst/>
-    <dgm:txLinClrLst/>
-    <dgm:txFillClrLst meth="repeat">
-      <a:schemeClr val="lt1"/>
-    </dgm:txFillClrLst>
-    <dgm:txEffectClrLst/>
-  </dgm:styleLbl>
-  <dgm:styleLbl name="bgImgPlace1">
-    <dgm:fillClrLst meth="repeat">
-      <a:schemeClr val="accent1">
-        <a:tint val="50000"/>
-      </a:schemeClr>
-    </dgm:fillClrLst>
-    <dgm:linClrLst meth="repeat">
-      <a:schemeClr val="lt1"/>
-    </dgm:linClrLst>
-    <dgm:effectClrLst/>
-    <dgm:txLinClrLst/>
-    <dgm:txFillClrLst meth="repeat">
-      <a:schemeClr val="lt1"/>
-    </dgm:txFillClrLst>
-    <dgm:txEffectClrLst/>
-  </dgm:styleLbl>
-  <dgm:styleLbl name="sibTrans2D1">
-    <dgm:fillClrLst meth="repeat">
-      <a:schemeClr val="accent1">
-        <a:tint val="60000"/>
-      </a:schemeClr>
-    </dgm:fillClrLst>
-    <dgm:linClrLst meth="repeat">
-      <a:schemeClr val="accent1">
-        <a:tint val="60000"/>
-      </a:schemeClr>
-    </dgm:linClrLst>
-    <dgm:effectClrLst/>
-    <dgm:txLinClrLst/>
-    <dgm:txFillClrLst/>
-    <dgm:txEffectClrLst/>
-  </dgm:styleLbl>
-  <dgm:styleLbl name="fgSibTrans2D1">
-    <dgm:fillClrLst meth="repeat">
-      <a:schemeClr val="accent1">
-        <a:tint val="60000"/>
-      </a:schemeClr>
-    </dgm:fillClrLst>
-    <dgm:linClrLst meth="repeat">
-      <a:schemeClr val="accent1">
-        <a:tint val="60000"/>
-      </a:schemeClr>
-    </dgm:linClrLst>
-    <dgm:effectClrLst/>
-    <dgm:txLinClrLst/>
-    <dgm:txFillClrLst/>
-    <dgm:txEffectClrLst/>
-  </dgm:styleLbl>
-  <dgm:styleLbl name="bgSibTrans2D1">
-    <dgm:fillClrLst meth="repeat">
-      <a:schemeClr val="accent1">
-        <a:tint val="60000"/>
-      </a:schemeClr>
-    </dgm:fillClrLst>
-    <dgm:linClrLst meth="repeat">
-      <a:schemeClr val="accent1">
-        <a:tint val="60000"/>
-      </a:schemeClr>
-    </dgm:linClrLst>
-    <dgm:effectClrLst/>
-    <dgm:txLinClrLst/>
-    <dgm:txFillClrLst/>
-    <dgm:txEffectClrLst/>
-  </dgm:styleLbl>
-  <dgm:styleLbl name="sibTrans1D1">
-    <dgm:fillClrLst meth="repeat">
-      <a:schemeClr val="accent1"/>
-    </dgm:fillClrLst>
-    <dgm:linClrLst meth="repeat">
-      <a:schemeClr val="accent1"/>
-    </dgm:linClrLst>
-    <dgm:effectClrLst/>
-    <dgm:txLinClrLst/>
-    <dgm:txFillClrLst meth="repeat">
-      <a:schemeClr val="tx1"/>
-    </dgm:txFillClrLst>
-    <dgm:txEffectClrLst/>
-  </dgm:styleLbl>
-  <dgm:styleLbl name="callout">
-    <dgm:fillClrLst meth="repeat">
-      <a:schemeClr val="accent1"/>
-    </dgm:fillClrLst>
-    <dgm:linClrLst meth="repeat">
-      <a:schemeClr val="accent1">
-        <a:tint val="50000"/>
-      </a:schemeClr>
-    </dgm:linClrLst>
-    <dgm:effectClrLst/>
-    <dgm:txLinClrLst/>
-    <dgm:txFillClrLst meth="repeat">
-      <a:schemeClr val="tx1"/>
-    </dgm:txFillClrLst>
-    <dgm:txEffectClrLst/>
-  </dgm:styleLbl>
-  <dgm:styleLbl name="asst0">
-    <dgm:fillClrLst meth="repeat">
-      <a:schemeClr val="accent1"/>
-    </dgm:fillClrLst>
-    <dgm:linClrLst meth="repeat">
-      <a:schemeClr val="lt1"/>
-    </dgm:linClrLst>
-    <dgm:effectClrLst/>
-    <dgm:txLinClrLst/>
-    <dgm:txFillClrLst/>
-    <dgm:txEffectClrLst/>
-  </dgm:styleLbl>
-  <dgm:styleLbl name="asst1">
-    <dgm:fillClrLst meth="repeat">
-      <a:schemeClr val="accent1"/>
-    </dgm:fillClrLst>
-    <dgm:linClrLst meth="repeat">
-      <a:schemeClr val="lt1"/>
-    </dgm:linClrLst>
-    <dgm:effectClrLst/>
-    <dgm:txLinClrLst/>
-    <dgm:txFillClrLst/>
-    <dgm:txEffectClrLst/>
-  </dgm:styleLbl>
-  <dgm:styleLbl name="asst2">
-    <dgm:fillClrLst meth="repeat">
-      <a:schemeClr val="accent1"/>
-    </dgm:fillClrLst>
-    <dgm:linClrLst meth="repeat">
-      <a:schemeClr val="lt1"/>
-    </dgm:linClrLst>
-    <dgm:effectClrLst/>
-    <dgm:txLinClrLst/>
-    <dgm:txFillClrLst/>
-    <dgm:txEffectClrLst/>
-  </dgm:styleLbl>
-  <dgm:styleLbl name="asst3">
-    <dgm:fillClrLst meth="repeat">
-      <a:schemeClr val="accent1"/>
-    </dgm:fillClrLst>
-    <dgm:linClrLst meth="repeat">
-      <a:schemeClr val="lt1"/>
-    </dgm:linClrLst>
-    <dgm:effectClrLst/>
-    <dgm:txLinClrLst/>
-    <dgm:txFillClrLst/>
-    <dgm:txEffectClrLst/>
-  </dgm:styleLbl>
-  <dgm:styleLbl name="asst4">
-    <dgm:fillClrLst meth="repeat">
-      <a:schemeClr val="accent1"/>
-    </dgm:fillClrLst>
-    <dgm:linClrLst meth="repeat">
-      <a:schemeClr val="lt1"/>
-    </dgm:linClrLst>
-    <dgm:effectClrLst/>
-    <dgm:txLinClrLst/>
-    <dgm:txFillClrLst/>
-    <dgm:txEffectClrLst/>
-  </dgm:styleLbl>
-  <dgm:styleLbl name="parChTrans2D1">
-    <dgm:fillClrLst meth="repeat">
-      <a:schemeClr val="accent1">
-        <a:tint val="60000"/>
-      </a:schemeClr>
-    </dgm:fillClrLst>
-    <dgm:linClrLst meth="repeat">
-      <a:schemeClr val="accent1">
-        <a:tint val="60000"/>
-      </a:schemeClr>
-    </dgm:linClrLst>
-    <dgm:effectClrLst/>
-    <dgm:txLinClrLst/>
-    <dgm:txFillClrLst meth="repeat">
-      <a:schemeClr val="lt1"/>
-    </dgm:txFillClrLst>
-    <dgm:txEffectClrLst/>
-  </dgm:styleLbl>
-  <dgm:styleLbl name="parChTrans2D2">
-    <dgm:fillClrLst meth="repeat">
-      <a:schemeClr val="accent1"/>
-    </dgm:fillClrLst>
-    <dgm:linClrLst meth="repeat">
-      <a:schemeClr val="accent1"/>
-    </dgm:linClrLst>
-    <dgm:effectClrLst/>
-    <dgm:txLinClrLst/>
-    <dgm:txFillClrLst meth="repeat">
-      <a:schemeClr val="lt1"/>
-    </dgm:txFillClrLst>
-    <dgm:txEffectClrLst/>
-  </dgm:styleLbl>
-  <dgm:styleLbl name="parChTrans2D3">
-    <dgm:fillClrLst meth="repeat">
-      <a:schemeClr val="accent1"/>
-    </dgm:fillClrLst>
-    <dgm:linClrLst meth="repeat">
-      <a:schemeClr val="accent1"/>
-    </dgm:linClrLst>
-    <dgm:effectClrLst/>
-    <dgm:txLinClrLst/>
-    <dgm:txFillClrLst meth="repeat">
-      <a:schemeClr val="lt1"/>
-    </dgm:txFillClrLst>
-    <dgm:txEffectClrLst/>
-  </dgm:styleLbl>
-  <dgm:styleLbl name="parChTrans2D4">
-    <dgm:fillClrLst meth="repeat">
-      <a:schemeClr val="accent1"/>
-    </dgm:fillClrLst>
-    <dgm:linClrLst meth="repeat">
-      <a:schemeClr val="accent1"/>
-    </dgm:linClrLst>
-    <dgm:effectClrLst/>
-    <dgm:txLinClrLst/>
-    <dgm:txFillClrLst meth="repeat">
-      <a:schemeClr val="lt1"/>
-    </dgm:txFillClrLst>
-    <dgm:txEffectClrLst/>
-  </dgm:styleLbl>
-  <dgm:styleLbl name="parChTrans1D1">
-    <dgm:fillClrLst meth="repeat">
-      <a:schemeClr val="accent1"/>
-    </dgm:fillClrLst>
-    <dgm:linClrLst meth="repeat">
-      <a:schemeClr val="accent1">
-        <a:shade val="60000"/>
-      </a:schemeClr>
-    </dgm:linClrLst>
-    <dgm:effectClrLst/>
-    <dgm:txLinClrLst/>
-    <dgm:txFillClrLst meth="repeat">
-      <a:schemeClr val="tx1"/>
-    </dgm:txFillClrLst>
-    <dgm:txEffectClrLst/>
-  </dgm:styleLbl>
-  <dgm:styleLbl name="parChTrans1D2">
-    <dgm:fillClrLst meth="repeat">
-      <a:schemeClr val="accent1"/>
-    </dgm:fillClrLst>
-    <dgm:linClrLst meth="repeat">
-      <a:schemeClr val="accent1">
-        <a:shade val="60000"/>
-      </a:schemeClr>
-    </dgm:linClrLst>
-    <dgm:effectClrLst/>
-    <dgm:txLinClrLst/>
-    <dgm:txFillClrLst meth="repeat">
-      <a:schemeClr val="tx1"/>
-    </dgm:txFillClrLst>
-    <dgm:txEffectClrLst/>
-  </dgm:styleLbl>
-  <dgm:styleLbl name="parChTrans1D3">
-    <dgm:fillClrLst meth="repeat">
-      <a:schemeClr val="accent1"/>
-    </dgm:fillClrLst>
-    <dgm:linClrLst meth="repeat">
-      <a:schemeClr val="accent1">
-        <a:shade val="80000"/>
-      </a:schemeClr>
-    </dgm:linClrLst>
-    <dgm:effectClrLst/>
-    <dgm:txLinClrLst/>
-    <dgm:txFillClrLst meth="repeat">
-      <a:schemeClr val="tx1"/>
-    </dgm:txFillClrLst>
-    <dgm:txEffectClrLst/>
-  </dgm:styleLbl>
-  <dgm:styleLbl name="parChTrans1D4">
-    <dgm:fillClrLst meth="repeat">
-      <a:schemeClr val="accent1"/>
-    </dgm:fillClrLst>
-    <dgm:linClrLst meth="repeat">
-      <a:schemeClr val="accent1">
-        <a:shade val="80000"/>
-      </a:schemeClr>
-    </dgm:linClrLst>
-    <dgm:effectClrLst/>
-    <dgm:txLinClrLst/>
-    <dgm:txFillClrLst meth="repeat">
-      <a:schemeClr val="tx1"/>
-    </dgm:txFillClrLst>
-    <dgm:txEffectClrLst/>
-  </dgm:styleLbl>
-  <dgm:styleLbl name="fgAcc1">
-    <dgm:fillClrLst meth="repeat">
-      <a:schemeClr val="lt1">
-        <a:alpha val="90000"/>
-      </a:schemeClr>
-    </dgm:fillClrLst>
-    <dgm:linClrLst meth="repeat">
-      <a:schemeClr val="accent1"/>
-    </dgm:linClrLst>
-    <dgm:effectClrLst/>
-    <dgm:txLinClrLst/>
-    <dgm:txFillClrLst meth="repeat">
-      <a:schemeClr val="dk1"/>
-    </dgm:txFillClrLst>
-    <dgm:txEffectClrLst/>
-  </dgm:styleLbl>
-  <dgm:styleLbl name="conFgAcc1">
-    <dgm:fillClrLst meth="repeat">
-      <a:schemeClr val="lt1">
-        <a:alpha val="90000"/>
-      </a:schemeClr>
-    </dgm:fillClrLst>
-    <dgm:linClrLst meth="repeat">
-      <a:schemeClr val="accent1"/>
-    </dgm:linClrLst>
-    <dgm:effectClrLst/>
-    <dgm:txLinClrLst/>
-    <dgm:txFillClrLst meth="repeat">
-      <a:schemeClr val="dk1"/>
-    </dgm:txFillClrLst>
-    <dgm:txEffectClrLst/>
-  </dgm:styleLbl>
-  <dgm:styleLbl name="alignAcc1">
-    <dgm:fillClrLst meth="repeat">
-      <a:schemeClr val="lt1">
-        <a:alpha val="90000"/>
-      </a:schemeClr>
-    </dgm:fillClrLst>
-    <dgm:linClrLst meth="repeat">
-      <a:schemeClr val="accent1"/>
-    </dgm:linClrLst>
-    <dgm:effectClrLst/>
-    <dgm:txLinClrLst/>
-    <dgm:txFillClrLst meth="repeat">
-      <a:schemeClr val="dk1"/>
-    </dgm:txFillClrLst>
-    <dgm:txEffectClrLst/>
-  </dgm:styleLbl>
-  <dgm:styleLbl name="trAlignAcc1">
-    <dgm:fillClrLst meth="repeat">
-      <a:schemeClr val="lt1">
-        <a:alpha val="40000"/>
-      </a:schemeClr>
-    </dgm:fillClrLst>
-    <dgm:linClrLst meth="repeat">
-      <a:schemeClr val="accent1"/>
-    </dgm:linClrLst>
-    <dgm:effectClrLst/>
-    <dgm:txLinClrLst/>
-    <dgm:txFillClrLst meth="repeat">
-      <a:schemeClr val="dk1"/>
-    </dgm:txFillClrLst>
-    <dgm:txEffectClrLst/>
-  </dgm:styleLbl>
-  <dgm:styleLbl name="bgAcc1">
-    <dgm:fillClrLst meth="repeat">
-      <a:schemeClr val="lt1">
-        <a:alpha val="90000"/>
-      </a:schemeClr>
-    </dgm:fillClrLst>
-    <dgm:linClrLst meth="repeat">
-      <a:schemeClr val="accent1"/>
-    </dgm:linClrLst>
-    <dgm:effectClrLst/>
-    <dgm:txLinClrLst/>
-    <dgm:txFillClrLst meth="repeat">
-      <a:schemeClr val="dk1"/>
-    </dgm:txFillClrLst>
-    <dgm:txEffectClrLst/>
-  </dgm:styleLbl>
-  <dgm:styleLbl name="solidFgAcc1">
-    <dgm:fillClrLst meth="repeat">
-      <a:schemeClr val="lt1"/>
-    </dgm:fillClrLst>
-    <dgm:linClrLst meth="repeat">
-      <a:schemeClr val="accent1"/>
-    </dgm:linClrLst>
-    <dgm:effectClrLst/>
-    <dgm:txLinClrLst/>
-    <dgm:txFillClrLst meth="repeat">
-      <a:schemeClr val="dk1"/>
-    </dgm:txFillClrLst>
-    <dgm:txEffectClrLst/>
-  </dgm:styleLbl>
-  <dgm:styleLbl name="solidAlignAcc1">
-    <dgm:fillClrLst meth="repeat">
-      <a:schemeClr val="lt1"/>
-    </dgm:fillClrLst>
-    <dgm:linClrLst meth="repeat">
-      <a:schemeClr val="accent1"/>
-    </dgm:linClrLst>
-    <dgm:effectClrLst/>
-    <dgm:txLinClrLst/>
-    <dgm:txFillClrLst meth="repeat">
-      <a:schemeClr val="dk1"/>
-    </dgm:txFillClrLst>
-    <dgm:txEffectClrLst/>
-  </dgm:styleLbl>
-  <dgm:styleLbl name="solidBgAcc1">
-    <dgm:fillClrLst meth="repeat">
-      <a:schemeClr val="lt1"/>
-    </dgm:fillClrLst>
-    <dgm:linClrLst meth="repeat">
-      <a:schemeClr val="accent1"/>
-    </dgm:linClrLst>
-    <dgm:effectClrLst/>
-    <dgm:txLinClrLst/>
-    <dgm:txFillClrLst meth="repeat">
-      <a:schemeClr val="dk1"/>
-    </dgm:txFillClrLst>
-    <dgm:txEffectClrLst/>
-  </dgm:styleLbl>
-  <dgm:styleLbl name="fgAccFollowNode1">
-    <dgm:fillClrLst meth="repeat">
-      <a:schemeClr val="accent1">
-        <a:alpha val="90000"/>
-        <a:tint val="40000"/>
-      </a:schemeClr>
-    </dgm:fillClrLst>
-    <dgm:linClrLst meth="repeat">
-      <a:schemeClr val="accent1">
-        <a:alpha val="90000"/>
-        <a:tint val="40000"/>
-      </a:schemeClr>
-    </dgm:linClrLst>
-    <dgm:effectClrLst/>
-    <dgm:txLinClrLst/>
-    <dgm:txFillClrLst meth="repeat">
-      <a:schemeClr val="dk1"/>
-    </dgm:txFillClrLst>
-    <dgm:txEffectClrLst/>
-  </dgm:styleLbl>
-  <dgm:styleLbl name="alignAccFollowNode1">
-    <dgm:fillClrLst meth="repeat">
-      <a:schemeClr val="accent1">
-        <a:alpha val="90000"/>
-        <a:tint val="40000"/>
-      </a:schemeClr>
-    </dgm:fillClrLst>
-    <dgm:linClrLst meth="repeat">
-      <a:schemeClr val="accent1">
-        <a:alpha val="90000"/>
-        <a:tint val="40000"/>
-      </a:schemeClr>
-    </dgm:linClrLst>
-    <dgm:effectClrLst/>
-    <dgm:txLinClrLst/>
-    <dgm:txFillClrLst meth="repeat">
-      <a:schemeClr val="dk1"/>
-    </dgm:txFillClrLst>
-    <dgm:txEffectClrLst/>
-  </dgm:styleLbl>
-  <dgm:styleLbl name="bgAccFollowNode1">
-    <dgm:fillClrLst meth="repeat">
-      <a:schemeClr val="accent1">
-        <a:alpha val="90000"/>
-        <a:tint val="40000"/>
-      </a:schemeClr>
-    </dgm:fillClrLst>
-    <dgm:linClrLst meth="repeat">
-      <a:schemeClr val="accent1">
-        <a:alpha val="90000"/>
-        <a:tint val="40000"/>
-      </a:schemeClr>
-    </dgm:linClrLst>
-    <dgm:effectClrLst/>
-    <dgm:txLinClrLst/>
-    <dgm:txFillClrLst meth="repeat">
-      <a:schemeClr val="dk1"/>
-    </dgm:txFillClrLst>
-    <dgm:txEffectClrLst/>
-  </dgm:styleLbl>
-  <dgm:styleLbl name="fgAcc0">
-    <dgm:fillClrLst meth="repeat">
-      <a:schemeClr val="lt1">
-        <a:alpha val="90000"/>
-      </a:schemeClr>
-    </dgm:fillClrLst>
-    <dgm:linClrLst meth="repeat">
-      <a:schemeClr val="accent1"/>
-    </dgm:linClrLst>
-    <dgm:effectClrLst/>
-    <dgm:txLinClrLst/>
-    <dgm:txFillClrLst meth="repeat">
-      <a:schemeClr val="dk1"/>
-    </dgm:txFillClrLst>
-    <dgm:txEffectClrLst/>
-  </dgm:styleLbl>
-  <dgm:styleLbl name="fgAcc2">
-    <dgm:fillClrLst meth="repeat">
-      <a:schemeClr val="lt1">
-        <a:alpha val="90000"/>
-      </a:schemeClr>
-    </dgm:fillClrLst>
-    <dgm:linClrLst meth="repeat">
-      <a:schemeClr val="accent1"/>
-    </dgm:linClrLst>
-    <dgm:effectClrLst/>
-    <dgm:txLinClrLst/>
-    <dgm:txFillClrLst meth="repeat">
-      <a:schemeClr val="dk1"/>
-    </dgm:txFillClrLst>
-    <dgm:txEffectClrLst/>
-  </dgm:styleLbl>
-  <dgm:styleLbl name="fgAcc3">
-    <dgm:fillClrLst meth="repeat">
-      <a:schemeClr val="lt1">
-        <a:alpha val="90000"/>
-      </a:schemeClr>
-    </dgm:fillClrLst>
-    <dgm:linClrLst meth="repeat">
-      <a:schemeClr val="accent1"/>
-    </dgm:linClrLst>
-    <dgm:effectClrLst/>
-    <dgm:txLinClrLst/>
-    <dgm:txFillClrLst meth="repeat">
-      <a:schemeClr val="dk1"/>
-    </dgm:txFillClrLst>
-    <dgm:txEffectClrLst/>
-  </dgm:styleLbl>
-  <dgm:styleLbl name="fgAcc4">
-    <dgm:fillClrLst meth="repeat">
-      <a:schemeClr val="lt1">
-        <a:alpha val="90000"/>
-      </a:schemeClr>
-    </dgm:fillClrLst>
-    <dgm:linClrLst meth="repeat">
-      <a:schemeClr val="accent1"/>
-    </dgm:linClrLst>
-    <dgm:effectClrLst/>
-    <dgm:txLinClrLst/>
-    <dgm:txFillClrLst meth="repeat">
-      <a:schemeClr val="dk1"/>
-    </dgm:txFillClrLst>
-    <dgm:txEffectClrLst/>
-  </dgm:styleLbl>
-  <dgm:styleLbl name="bgShp">
-    <dgm:fillClrLst meth="repeat">
-      <a:schemeClr val="accent1">
-        <a:tint val="40000"/>
-      </a:schemeClr>
-    </dgm:fillClrLst>
-    <dgm:linClrLst meth="repeat">
-      <a:schemeClr val="accent1"/>
-    </dgm:linClrLst>
-    <dgm:effectClrLst/>
-    <dgm:txLinClrLst/>
-    <dgm:txFillClrLst meth="repeat">
-      <a:schemeClr val="dk1"/>
-    </dgm:txFillClrLst>
-    <dgm:txEffectClrLst/>
-  </dgm:styleLbl>
-  <dgm:styleLbl name="dkBgShp">
-    <dgm:fillClrLst meth="repeat">
-      <a:schemeClr val="accent1">
-        <a:shade val="80000"/>
-      </a:schemeClr>
-    </dgm:fillClrLst>
-    <dgm:linClrLst meth="repeat">
-      <a:schemeClr val="accent1"/>
-    </dgm:linClrLst>
-    <dgm:effectClrLst/>
-    <dgm:txLinClrLst/>
-    <dgm:txFillClrLst meth="repeat">
-      <a:schemeClr val="lt1"/>
-    </dgm:txFillClrLst>
-    <dgm:txEffectClrLst/>
-  </dgm:styleLbl>
-  <dgm:styleLbl name="trBgShp">
-    <dgm:fillClrLst meth="repeat">
-      <a:schemeClr val="accent1">
-        <a:tint val="50000"/>
-        <a:alpha val="40000"/>
-      </a:schemeClr>
-    </dgm:fillClrLst>
-    <dgm:linClrLst meth="repeat">
-      <a:schemeClr val="accent1"/>
-    </dgm:linClrLst>
-    <dgm:effectClrLst/>
-    <dgm:txLinClrLst/>
-    <dgm:txFillClrLst meth="repeat">
-      <a:schemeClr val="lt1"/>
-    </dgm:txFillClrLst>
-    <dgm:txEffectClrLst/>
-  </dgm:styleLbl>
-  <dgm:styleLbl name="fgShp">
-    <dgm:fillClrLst meth="repeat">
-      <a:schemeClr val="accent1">
-        <a:tint val="60000"/>
-      </a:schemeClr>
-    </dgm:fillClrLst>
-    <dgm:linClrLst meth="repeat">
-      <a:schemeClr val="lt1"/>
-    </dgm:linClrLst>
-    <dgm:effectClrLst/>
-    <dgm:txLinClrLst/>
-    <dgm:txFillClrLst meth="repeat">
-      <a:schemeClr val="dk1"/>
-    </dgm:txFillClrLst>
-    <dgm:txEffectClrLst/>
-  </dgm:styleLbl>
-  <dgm:styleLbl name="revTx">
-    <dgm:fillClrLst meth="repeat">
-      <a:schemeClr val="lt1">
-        <a:alpha val="0"/>
-      </a:schemeClr>
-    </dgm:fillClrLst>
-    <dgm:linClrLst meth="repeat">
-      <a:schemeClr val="dk1">
-        <a:alpha val="0"/>
-      </a:schemeClr>
-    </dgm:linClrLst>
-    <dgm:effectClrLst/>
-    <dgm:txLinClrLst/>
-    <dgm:txFillClrLst meth="repeat">
-      <a:schemeClr val="tx1"/>
-    </dgm:txFillClrLst>
-    <dgm:txEffectClrLst/>
-  </dgm:styleLbl>
-</dgm:colorsDef>
-</file>
-
 <file path=ppt/diagrams/data1.xml><?xml version="1.0" encoding="utf-8"?>
 <dgm:dataModel xmlns:dgm="http://schemas.openxmlformats.org/drawingml/2006/diagram" xmlns:a="http://schemas.openxmlformats.org/drawingml/2006/main">
   <dgm:ptLst>
@@ -3126,8 +2378,8 @@
         <a:lstStyle/>
         <a:p>
           <a:r>
-            <a:rPr lang="en-US"/>
-            <a:t>1. A large portion of IT budget is spent on undifferentiated engineering</a:t>
+            <a:rPr lang="en-US" dirty="0"/>
+            <a:t>1. Budget is spent on non-deliverable work</a:t>
           </a:r>
         </a:p>
       </dgm:t>
@@ -3162,8 +2414,8 @@
         <a:lstStyle/>
         <a:p>
           <a:r>
-            <a:rPr lang="en-US"/>
-            <a:t>2. Delayed (and even unrealized) revenue</a:t>
+            <a:rPr lang="en-US" dirty="0"/>
+            <a:t>2. Delayed Delivery</a:t>
           </a:r>
         </a:p>
       </dgm:t>
@@ -3190,42 +2442,6 @@
         </a:p>
       </dgm:t>
     </dgm:pt>
-    <dgm:pt modelId="{FF387CD1-5AC8-4365-952B-73DF98BC781C}">
-      <dgm:prSet/>
-      <dgm:spPr/>
-      <dgm:t>
-        <a:bodyPr/>
-        <a:lstStyle/>
-        <a:p>
-          <a:r>
-            <a:rPr lang="en-US"/>
-            <a:t>This is the impact of lost opportunity costs. When there are too many dependencies, too many handoffs, and too many manual tasks, it causes delays between when code is written and when the business gets value from that code. In worst cases, code is written and the business never gets any value from it at all. Code can sit in limbo waiting for others to manually test it, and by the time it’s finally reviewed it’s already irrelevant. The opportunity cost essentially doubles: Engineers were paid to work on code that never deployed, and the business loses out on revenue the code could have generated.</a:t>
-          </a:r>
-        </a:p>
-      </dgm:t>
-    </dgm:pt>
-    <dgm:pt modelId="{A36C3CA1-D430-4714-8C45-FBEDA6CB8D6A}" type="parTrans" cxnId="{0E033685-D825-4A8E-A5AC-E48FF259A5C3}">
-      <dgm:prSet/>
-      <dgm:spPr/>
-      <dgm:t>
-        <a:bodyPr/>
-        <a:lstStyle/>
-        <a:p>
-          <a:endParaRPr lang="en-US"/>
-        </a:p>
-      </dgm:t>
-    </dgm:pt>
-    <dgm:pt modelId="{853E0519-7CAD-4C57-B5CF-6F477C50CC02}" type="sibTrans" cxnId="{0E033685-D825-4A8E-A5AC-E48FF259A5C3}">
-      <dgm:prSet/>
-      <dgm:spPr/>
-      <dgm:t>
-        <a:bodyPr/>
-        <a:lstStyle/>
-        <a:p>
-          <a:endParaRPr lang="en-US"/>
-        </a:p>
-      </dgm:t>
-    </dgm:pt>
     <dgm:pt modelId="{9145580E-0EB4-4E8B-B077-26BE4AE9F466}">
       <dgm:prSet/>
       <dgm:spPr/>
@@ -3234,8 +2450,8 @@
         <a:lstStyle/>
         <a:p>
           <a:r>
-            <a:rPr lang="en-US"/>
-            <a:t>3. Lower developer productivity, lower developer happiness, and less reliable software</a:t>
+            <a:rPr lang="en-US" dirty="0"/>
+            <a:t>3. Lower developer productivity &amp; retention</a:t>
           </a:r>
         </a:p>
       </dgm:t>
@@ -3270,8 +2486,8 @@
         <a:lstStyle/>
         <a:p>
           <a:r>
-            <a:rPr lang="en-US"/>
-            <a:t>Downtime = lost revenue. To avoid that dreaded downtime, developers are spending time working on infrastructure and configuration, and they’re also not spending that time delivering business logic. In both cases, they’re being less productive and working outside of their core competencies. Developer hiring and retention will inevitably suffer. Uptime and resiliency are also affected because people who aren’t domain experts are put in charge of determining infrastructure. It’s a self-fulfilling prophecy.</a:t>
+            <a:rPr lang="en-US" dirty="0"/>
+            <a:t>Developer hiring and retention will inevitably suffer as a result of developers focus being away from code related to business logic. </a:t>
           </a:r>
         </a:p>
       </dgm:t>
@@ -3298,7 +2514,7 @@
         </a:p>
       </dgm:t>
     </dgm:pt>
-    <dgm:pt modelId="{D9884BD8-22F3-4BC0-8F76-15A64AE16F01}">
+    <dgm:pt modelId="{1DC7F014-EF89-4769-BDBD-7E675AF8598C}">
       <dgm:prSet/>
       <dgm:spPr/>
       <dgm:t>
@@ -3307,12 +2523,12 @@
         <a:p>
           <a:r>
             <a:rPr lang="en-US" dirty="0"/>
-            <a:t>Opportunity costs play a much larger role in the development process than we realize. Organizations can only afford so many engineers at one time, and systems that require extensive maintenance means fewer engineers are working on revenue-generating projects. This will lead to slower innovation and slower growth in the long term. Undifferentiated engineering means too many individuals are having to focus on one thing – maintenance.</a:t>
+            <a:t>When thee are too many dependencies across teams and manual tasks delays and mistakes inevitably come into play.</a:t>
           </a:r>
         </a:p>
       </dgm:t>
     </dgm:pt>
-    <dgm:pt modelId="{D7374CDF-2E88-47B1-9336-8885E1D89F57}" type="sibTrans" cxnId="{788A0D70-FBAF-489A-A213-09C271BD52FD}">
+    <dgm:pt modelId="{C785258F-C938-488D-A231-2B20AA012A6B}" type="parTrans" cxnId="{5C840D18-3F91-47D1-B3AA-ED6D5A8A5403}">
       <dgm:prSet/>
       <dgm:spPr/>
       <dgm:t>
@@ -3323,7 +2539,115 @@
         </a:p>
       </dgm:t>
     </dgm:pt>
-    <dgm:pt modelId="{C9AA87CD-0A81-40C6-8F8A-16040AFCB3CF}" type="parTrans" cxnId="{788A0D70-FBAF-489A-A213-09C271BD52FD}">
+    <dgm:pt modelId="{3991CF43-35B1-418B-A1FF-1ABB839EEEA5}" type="sibTrans" cxnId="{5C840D18-3F91-47D1-B3AA-ED6D5A8A5403}">
+      <dgm:prSet/>
+      <dgm:spPr/>
+      <dgm:t>
+        <a:bodyPr/>
+        <a:lstStyle/>
+        <a:p>
+          <a:endParaRPr lang="en-US"/>
+        </a:p>
+      </dgm:t>
+    </dgm:pt>
+    <dgm:pt modelId="{327344A0-FE77-438F-8E37-3ACFD438617E}">
+      <dgm:prSet/>
+      <dgm:spPr/>
+      <dgm:t>
+        <a:bodyPr/>
+        <a:lstStyle/>
+        <a:p>
+          <a:r>
+            <a:rPr lang="en-US" dirty="0"/>
+            <a:t>This results is net new features for clients being delayed as well as any bug fixes being implemented asap. </a:t>
+          </a:r>
+        </a:p>
+      </dgm:t>
+    </dgm:pt>
+    <dgm:pt modelId="{71283054-FAAD-487A-9640-1389C8EA9DFE}" type="parTrans" cxnId="{C0372D73-4926-4634-B85C-078D91112231}">
+      <dgm:prSet/>
+      <dgm:spPr/>
+      <dgm:t>
+        <a:bodyPr/>
+        <a:lstStyle/>
+        <a:p>
+          <a:endParaRPr lang="en-US"/>
+        </a:p>
+      </dgm:t>
+    </dgm:pt>
+    <dgm:pt modelId="{8DBEF198-F38B-4F85-88C6-68810D56F203}" type="sibTrans" cxnId="{C0372D73-4926-4634-B85C-078D91112231}">
+      <dgm:prSet/>
+      <dgm:spPr/>
+      <dgm:t>
+        <a:bodyPr/>
+        <a:lstStyle/>
+        <a:p>
+          <a:endParaRPr lang="en-US"/>
+        </a:p>
+      </dgm:t>
+    </dgm:pt>
+    <dgm:pt modelId="{3CE4F3D5-244D-473C-949F-98659CDDFE44}">
+      <dgm:prSet/>
+      <dgm:spPr/>
+      <dgm:t>
+        <a:bodyPr/>
+        <a:lstStyle/>
+        <a:p>
+          <a:r>
+            <a:rPr lang="en-US" dirty="0"/>
+            <a:t>The more time our engineers spend performing tasks to get their code into production is less time spent creating deliverable work for clients</a:t>
+          </a:r>
+        </a:p>
+      </dgm:t>
+    </dgm:pt>
+    <dgm:pt modelId="{617608D0-CC85-4381-BF2A-DDF3268ACFB0}" type="parTrans" cxnId="{338AB7EF-1CDD-433A-BC7B-DDA9D8C50F01}">
+      <dgm:prSet/>
+      <dgm:spPr/>
+      <dgm:t>
+        <a:bodyPr/>
+        <a:lstStyle/>
+        <a:p>
+          <a:endParaRPr lang="en-US"/>
+        </a:p>
+      </dgm:t>
+    </dgm:pt>
+    <dgm:pt modelId="{F19ADA4B-1849-4BAE-BCD2-8D314E1ABBCA}" type="sibTrans" cxnId="{338AB7EF-1CDD-433A-BC7B-DDA9D8C50F01}">
+      <dgm:prSet/>
+      <dgm:spPr/>
+      <dgm:t>
+        <a:bodyPr/>
+        <a:lstStyle/>
+        <a:p>
+          <a:endParaRPr lang="en-US"/>
+        </a:p>
+      </dgm:t>
+    </dgm:pt>
+    <dgm:pt modelId="{BCB94731-9A60-466E-850C-558901E30182}">
+      <dgm:prSet/>
+      <dgm:spPr/>
+      <dgm:t>
+        <a:bodyPr/>
+        <a:lstStyle/>
+        <a:p>
+          <a:r>
+            <a:rPr lang="en-US" dirty="0"/>
+            <a:t>This is even more prevalent in smaller teams where our lead engineers usually become the go to people to resolve integration and deployment issues, which is valuable time away from development</a:t>
+          </a:r>
+        </a:p>
+      </dgm:t>
+    </dgm:pt>
+    <dgm:pt modelId="{B3294826-3327-4A4A-AB55-7D93F91F4BE4}" type="parTrans" cxnId="{C9BF5E9F-FDE1-4C2C-9213-DB39FBC6F630}">
+      <dgm:prSet/>
+      <dgm:spPr/>
+      <dgm:t>
+        <a:bodyPr/>
+        <a:lstStyle/>
+        <a:p>
+          <a:endParaRPr lang="en-US"/>
+        </a:p>
+      </dgm:t>
+    </dgm:pt>
+    <dgm:pt modelId="{C19ACC08-478B-4D67-91C1-7C523A0EAA8A}" type="sibTrans" cxnId="{C9BF5E9F-FDE1-4C2C-9213-DB39FBC6F630}">
       <dgm:prSet/>
       <dgm:spPr/>
       <dgm:t>
@@ -3420,18 +2744,22 @@
     </dgm:pt>
   </dgm:ptLst>
   <dgm:cxnLst>
-    <dgm:cxn modelId="{E2D6432B-6B16-4C98-86E5-F053641DEE3E}" type="presOf" srcId="{FF387CD1-5AC8-4365-952B-73DF98BC781C}" destId="{8F869265-DE61-4935-9953-AB57C698016C}" srcOrd="0" destOrd="0" presId="urn:microsoft.com/office/officeart/2005/8/layout/hList1"/>
+    <dgm:cxn modelId="{5C840D18-3F91-47D1-B3AA-ED6D5A8A5403}" srcId="{85B87ABD-9505-4C2F-977B-F2589DD5DDE3}" destId="{1DC7F014-EF89-4769-BDBD-7E675AF8598C}" srcOrd="0" destOrd="0" parTransId="{C785258F-C938-488D-A231-2B20AA012A6B}" sibTransId="{3991CF43-35B1-418B-A1FF-1ABB839EEEA5}"/>
     <dgm:cxn modelId="{678FCC2E-E6A3-4DB9-ADAB-DD43CA1EF2F4}" type="presOf" srcId="{1687C481-BEC8-4676-BDB8-765E9BD06B11}" destId="{1B277E51-7B1E-4476-9A01-F90EF2AE7532}" srcOrd="0" destOrd="0" presId="urn:microsoft.com/office/officeart/2005/8/layout/hList1"/>
     <dgm:cxn modelId="{AE9B313E-31A7-481A-BA6C-FB9379EA12F1}" srcId="{9145580E-0EB4-4E8B-B077-26BE4AE9F466}" destId="{9D09BE02-BE9F-40F0-9CFB-A259FDEE38BB}" srcOrd="0" destOrd="0" parTransId="{65A8F6A1-C90D-42D0-92EE-74F401933932}" sibTransId="{018652A0-2169-4190-B863-705863CE3429}"/>
+    <dgm:cxn modelId="{F802413F-3D75-493A-B14F-8F63E0098C02}" type="presOf" srcId="{327344A0-FE77-438F-8E37-3ACFD438617E}" destId="{8F869265-DE61-4935-9953-AB57C698016C}" srcOrd="0" destOrd="1" presId="urn:microsoft.com/office/officeart/2005/8/layout/hList1"/>
     <dgm:cxn modelId="{55C96862-52B2-44D8-9C9C-C27C65868980}" type="presOf" srcId="{3C81012C-AE7A-4812-92C2-0E35DB1E51DD}" destId="{204595C4-901D-443F-A08B-CDE8BA952F16}" srcOrd="0" destOrd="0" presId="urn:microsoft.com/office/officeart/2005/8/layout/hList1"/>
     <dgm:cxn modelId="{0C01D145-3654-4ED9-9DE8-A8F907A3B46B}" type="presOf" srcId="{9D09BE02-BE9F-40F0-9CFB-A259FDEE38BB}" destId="{925A07FE-1A42-4160-9A00-49E46FEA842C}" srcOrd="0" destOrd="0" presId="urn:microsoft.com/office/officeart/2005/8/layout/hList1"/>
     <dgm:cxn modelId="{84908568-622E-4CDA-851F-FD826D40E73E}" srcId="{3C81012C-AE7A-4812-92C2-0E35DB1E51DD}" destId="{1687C481-BEC8-4676-BDB8-765E9BD06B11}" srcOrd="0" destOrd="0" parTransId="{9FA19999-07B1-4508-8310-03AFA8EA1959}" sibTransId="{29366AE9-4B61-4515-9527-39953DA0F78F}"/>
-    <dgm:cxn modelId="{51D0C54E-1DE9-4F61-893C-A62235F0234D}" type="presOf" srcId="{D9884BD8-22F3-4BC0-8F76-15A64AE16F01}" destId="{C7E026C8-AB38-48A5-82B8-D7C2A9A394E2}" srcOrd="0" destOrd="0" presId="urn:microsoft.com/office/officeart/2005/8/layout/hList1"/>
-    <dgm:cxn modelId="{788A0D70-FBAF-489A-A213-09C271BD52FD}" srcId="{1687C481-BEC8-4676-BDB8-765E9BD06B11}" destId="{D9884BD8-22F3-4BC0-8F76-15A64AE16F01}" srcOrd="0" destOrd="0" parTransId="{C9AA87CD-0A81-40C6-8F8A-16040AFCB3CF}" sibTransId="{D7374CDF-2E88-47B1-9336-8885E1D89F57}"/>
-    <dgm:cxn modelId="{0E033685-D825-4A8E-A5AC-E48FF259A5C3}" srcId="{85B87ABD-9505-4C2F-977B-F2589DD5DDE3}" destId="{FF387CD1-5AC8-4365-952B-73DF98BC781C}" srcOrd="0" destOrd="0" parTransId="{A36C3CA1-D430-4714-8C45-FBEDA6CB8D6A}" sibTransId="{853E0519-7CAD-4C57-B5CF-6F477C50CC02}"/>
+    <dgm:cxn modelId="{C0372D73-4926-4634-B85C-078D91112231}" srcId="{85B87ABD-9505-4C2F-977B-F2589DD5DDE3}" destId="{327344A0-FE77-438F-8E37-3ACFD438617E}" srcOrd="1" destOrd="0" parTransId="{71283054-FAAD-487A-9640-1389C8EA9DFE}" sibTransId="{8DBEF198-F38B-4F85-88C6-68810D56F203}"/>
     <dgm:cxn modelId="{08CB218F-131F-4FD0-A4A5-8D05C8C2B8C5}" srcId="{3C81012C-AE7A-4812-92C2-0E35DB1E51DD}" destId="{9145580E-0EB4-4E8B-B077-26BE4AE9F466}" srcOrd="2" destOrd="0" parTransId="{530D1D43-C84C-4080-973C-DB40049F06DE}" sibTransId="{97A6D5E6-F19E-451D-8BB7-DDFDC74FE78A}"/>
+    <dgm:cxn modelId="{C9BF5E9F-FDE1-4C2C-9213-DB39FBC6F630}" srcId="{1687C481-BEC8-4676-BDB8-765E9BD06B11}" destId="{BCB94731-9A60-466E-850C-558901E30182}" srcOrd="1" destOrd="0" parTransId="{B3294826-3327-4A4A-AB55-7D93F91F4BE4}" sibTransId="{C19ACC08-478B-4D67-91C1-7C523A0EAA8A}"/>
     <dgm:cxn modelId="{72479CC0-721B-4650-A039-376FDEF22F63}" type="presOf" srcId="{9145580E-0EB4-4E8B-B077-26BE4AE9F466}" destId="{58195BF2-E3F4-44CD-9DBA-ABC83B227D94}" srcOrd="0" destOrd="0" presId="urn:microsoft.com/office/officeart/2005/8/layout/hList1"/>
+    <dgm:cxn modelId="{252FCDC5-B50B-4D64-8CE6-E6B1AA4B134E}" type="presOf" srcId="{1DC7F014-EF89-4769-BDBD-7E675AF8598C}" destId="{8F869265-DE61-4935-9953-AB57C698016C}" srcOrd="0" destOrd="0" presId="urn:microsoft.com/office/officeart/2005/8/layout/hList1"/>
     <dgm:cxn modelId="{4DC9BDD5-4AE4-4013-BC26-583BADC33B23}" srcId="{3C81012C-AE7A-4812-92C2-0E35DB1E51DD}" destId="{85B87ABD-9505-4C2F-977B-F2589DD5DDE3}" srcOrd="1" destOrd="0" parTransId="{7372C256-D723-4964-9A97-EF008261E1EE}" sibTransId="{916FF8DA-6EA6-4E75-8370-5C0AA7834FDA}"/>
+    <dgm:cxn modelId="{0066FFE6-2755-4D47-8486-61D658D5B080}" type="presOf" srcId="{3CE4F3D5-244D-473C-949F-98659CDDFE44}" destId="{C7E026C8-AB38-48A5-82B8-D7C2A9A394E2}" srcOrd="0" destOrd="0" presId="urn:microsoft.com/office/officeart/2005/8/layout/hList1"/>
+    <dgm:cxn modelId="{1A8824E9-A0EB-40D8-A444-39394EFC1084}" type="presOf" srcId="{BCB94731-9A60-466E-850C-558901E30182}" destId="{C7E026C8-AB38-48A5-82B8-D7C2A9A394E2}" srcOrd="0" destOrd="1" presId="urn:microsoft.com/office/officeart/2005/8/layout/hList1"/>
+    <dgm:cxn modelId="{338AB7EF-1CDD-433A-BC7B-DDA9D8C50F01}" srcId="{1687C481-BEC8-4676-BDB8-765E9BD06B11}" destId="{3CE4F3D5-244D-473C-949F-98659CDDFE44}" srcOrd="0" destOrd="0" parTransId="{617608D0-CC85-4381-BF2A-DDF3268ACFB0}" sibTransId="{F19ADA4B-1849-4BAE-BCD2-8D314E1ABBCA}"/>
     <dgm:cxn modelId="{3409BEFC-B02E-4ECE-8BC2-95E7288B781C}" type="presOf" srcId="{85B87ABD-9505-4C2F-977B-F2589DD5DDE3}" destId="{FC5CC6B9-3B95-4541-9C02-03ADBEAA3BF4}" srcOrd="0" destOrd="0" presId="urn:microsoft.com/office/officeart/2005/8/layout/hList1"/>
     <dgm:cxn modelId="{FF0DBE61-0383-4530-996B-396F4F186753}" type="presParOf" srcId="{204595C4-901D-443F-A08B-CDE8BA952F16}" destId="{74052DA5-96E2-4412-ADAD-7817B166A208}" srcOrd="0" destOrd="0" presId="urn:microsoft.com/office/officeart/2005/8/layout/hList1"/>
     <dgm:cxn modelId="{A93ECB45-9535-4778-83AA-8A2E38E97E84}" type="presParOf" srcId="{74052DA5-96E2-4412-ADAD-7817B166A208}" destId="{1B277E51-7B1E-4476-9A01-F90EF2AE7532}" srcOrd="0" destOrd="0" presId="urn:microsoft.com/office/officeart/2005/8/layout/hList1"/>
@@ -3458,359 +2786,8 @@
 <file path=ppt/diagrams/data2.xml><?xml version="1.0" encoding="utf-8"?>
 <dgm:dataModel xmlns:dgm="http://schemas.openxmlformats.org/drawingml/2006/diagram" xmlns:a="http://schemas.openxmlformats.org/drawingml/2006/main">
   <dgm:ptLst>
-    <dgm:pt modelId="{C5884CF8-0E76-46D3-96BD-32B8232DD884}" type="doc">
-      <dgm:prSet loTypeId="urn:microsoft.com/office/officeart/2005/8/layout/hList1" loCatId="list" qsTypeId="urn:microsoft.com/office/officeart/2005/8/quickstyle/simple2" qsCatId="simple" csTypeId="urn:microsoft.com/office/officeart/2005/8/colors/accent1_2" csCatId="accent1"/>
-      <dgm:spPr/>
-      <dgm:t>
-        <a:bodyPr/>
-        <a:lstStyle/>
-        <a:p>
-          <a:endParaRPr lang="en-US"/>
-        </a:p>
-      </dgm:t>
-    </dgm:pt>
-    <dgm:pt modelId="{D53CB774-1AF3-459A-9B50-F9EC73188D47}">
-      <dgm:prSet/>
-      <dgm:spPr/>
-      <dgm:t>
-        <a:bodyPr/>
-        <a:lstStyle/>
-        <a:p>
-          <a:r>
-            <a:rPr lang="en-US"/>
-            <a:t>1. More engineers are working on the app instead of maintenance</a:t>
-          </a:r>
-        </a:p>
-      </dgm:t>
-    </dgm:pt>
-    <dgm:pt modelId="{28E64B76-343B-46C2-9F72-02529D58EDA3}" type="parTrans" cxnId="{AFCAFED4-FA88-4E78-8345-A6B46FD6406D}">
-      <dgm:prSet/>
-      <dgm:spPr/>
-      <dgm:t>
-        <a:bodyPr/>
-        <a:lstStyle/>
-        <a:p>
-          <a:endParaRPr lang="en-US"/>
-        </a:p>
-      </dgm:t>
-    </dgm:pt>
-    <dgm:pt modelId="{AC56A34C-898F-4EF3-ABE3-DBE55375EB4C}" type="sibTrans" cxnId="{AFCAFED4-FA88-4E78-8345-A6B46FD6406D}">
-      <dgm:prSet/>
-      <dgm:spPr/>
-      <dgm:t>
-        <a:bodyPr/>
-        <a:lstStyle/>
-        <a:p>
-          <a:endParaRPr lang="en-US"/>
-        </a:p>
-      </dgm:t>
-    </dgm:pt>
-    <dgm:pt modelId="{27B8F548-61B6-4807-93A1-9D63F839FEF7}">
-      <dgm:prSet/>
-      <dgm:spPr/>
-      <dgm:t>
-        <a:bodyPr/>
-        <a:lstStyle/>
-        <a:p>
-          <a:r>
-            <a:rPr lang="en-US"/>
-            <a:t>The organization has the right amount of developers devoted to driving business value and spends more time on innovation instead of undifferentiated heavy lifting. Less of the budget is spent on activities that don’t generate revenue.</a:t>
-          </a:r>
-        </a:p>
-      </dgm:t>
-    </dgm:pt>
-    <dgm:pt modelId="{D7F6D3EC-03BE-4816-9E2D-74239EFD2465}" type="parTrans" cxnId="{F2BB962E-6E83-40FC-A4D8-C64BFF401377}">
-      <dgm:prSet/>
-      <dgm:spPr/>
-      <dgm:t>
-        <a:bodyPr/>
-        <a:lstStyle/>
-        <a:p>
-          <a:endParaRPr lang="en-US"/>
-        </a:p>
-      </dgm:t>
-    </dgm:pt>
-    <dgm:pt modelId="{C1226D2B-338A-44AC-AE8C-C2BC5FF40D00}" type="sibTrans" cxnId="{F2BB962E-6E83-40FC-A4D8-C64BFF401377}">
-      <dgm:prSet/>
-      <dgm:spPr/>
-      <dgm:t>
-        <a:bodyPr/>
-        <a:lstStyle/>
-        <a:p>
-          <a:endParaRPr lang="en-US"/>
-        </a:p>
-      </dgm:t>
-    </dgm:pt>
-    <dgm:pt modelId="{36B7B91D-D712-4485-8898-F37C2AD801FA}">
-      <dgm:prSet/>
-      <dgm:spPr/>
-      <dgm:t>
-        <a:bodyPr/>
-        <a:lstStyle/>
-        <a:p>
-          <a:r>
-            <a:rPr lang="en-US"/>
-            <a:t>2. Developers see their code in production quickly</a:t>
-          </a:r>
-        </a:p>
-      </dgm:t>
-    </dgm:pt>
-    <dgm:pt modelId="{79735AD4-756D-4126-B08D-F4A0E1074ADD}" type="parTrans" cxnId="{49509275-AD06-4055-8327-A4CA11499E53}">
-      <dgm:prSet/>
-      <dgm:spPr/>
-      <dgm:t>
-        <a:bodyPr/>
-        <a:lstStyle/>
-        <a:p>
-          <a:endParaRPr lang="en-US"/>
-        </a:p>
-      </dgm:t>
-    </dgm:pt>
-    <dgm:pt modelId="{8D1D4308-3E72-4D40-9ED6-4572CBC71342}" type="sibTrans" cxnId="{49509275-AD06-4055-8327-A4CA11499E53}">
-      <dgm:prSet/>
-      <dgm:spPr/>
-      <dgm:t>
-        <a:bodyPr/>
-        <a:lstStyle/>
-        <a:p>
-          <a:endParaRPr lang="en-US"/>
-        </a:p>
-      </dgm:t>
-    </dgm:pt>
-    <dgm:pt modelId="{633C4119-256D-4B13-ACC3-9C15B06613F3}">
-      <dgm:prSet/>
-      <dgm:spPr/>
-      <dgm:t>
-        <a:bodyPr/>
-        <a:lstStyle/>
-        <a:p>
-          <a:r>
-            <a:rPr lang="en-US"/>
-            <a:t>Infrastructure and deployment are fully automated. Everyone loves to see the output of their work, developers especially, and the business gets to see the benefits of this code right away. Deploying smaller chunks of code is less risky when developers can take advantage of test automation, so they have less overhead and coordination with a QA team forced to test manually.</a:t>
-          </a:r>
-        </a:p>
-      </dgm:t>
-    </dgm:pt>
-    <dgm:pt modelId="{DAC5FF32-C87C-4C3E-B4EB-1088E5E9AD07}" type="parTrans" cxnId="{EFCA58A0-A7E8-404E-9B40-B0D6277D8E2C}">
-      <dgm:prSet/>
-      <dgm:spPr/>
-      <dgm:t>
-        <a:bodyPr/>
-        <a:lstStyle/>
-        <a:p>
-          <a:endParaRPr lang="en-US"/>
-        </a:p>
-      </dgm:t>
-    </dgm:pt>
-    <dgm:pt modelId="{EF2EFC8A-B825-47C8-ADE0-1790A04A72E2}" type="sibTrans" cxnId="{EFCA58A0-A7E8-404E-9B40-B0D6277D8E2C}">
-      <dgm:prSet/>
-      <dgm:spPr/>
-      <dgm:t>
-        <a:bodyPr/>
-        <a:lstStyle/>
-        <a:p>
-          <a:endParaRPr lang="en-US"/>
-        </a:p>
-      </dgm:t>
-    </dgm:pt>
-    <dgm:pt modelId="{3A2DBD1A-AEBC-4F84-A6BA-9B26DAA7DA50}">
-      <dgm:prSet/>
-      <dgm:spPr/>
-      <dgm:t>
-        <a:bodyPr/>
-        <a:lstStyle/>
-        <a:p>
-          <a:r>
-            <a:rPr lang="en-US"/>
-            <a:t>3. Developers are focused on solving business problems </a:t>
-          </a:r>
-        </a:p>
-      </dgm:t>
-    </dgm:pt>
-    <dgm:pt modelId="{B3FFB1B5-36D3-48DB-A458-25F83B605BF7}" type="parTrans" cxnId="{FC1550B6-7DCE-4DE1-94AF-41221637303A}">
-      <dgm:prSet/>
-      <dgm:spPr/>
-      <dgm:t>
-        <a:bodyPr/>
-        <a:lstStyle/>
-        <a:p>
-          <a:endParaRPr lang="en-US"/>
-        </a:p>
-      </dgm:t>
-    </dgm:pt>
-    <dgm:pt modelId="{8BB5DA11-4C3A-4D9C-BA13-4EDDD260C500}" type="sibTrans" cxnId="{FC1550B6-7DCE-4DE1-94AF-41221637303A}">
-      <dgm:prSet/>
-      <dgm:spPr/>
-      <dgm:t>
-        <a:bodyPr/>
-        <a:lstStyle/>
-        <a:p>
-          <a:endParaRPr lang="en-US"/>
-        </a:p>
-      </dgm:t>
-    </dgm:pt>
-    <dgm:pt modelId="{193656E5-17E6-4539-9B9D-8C7B2603EF5C}">
-      <dgm:prSet/>
-      <dgm:spPr/>
-      <dgm:t>
-        <a:bodyPr/>
-        <a:lstStyle/>
-        <a:p>
-          <a:r>
-            <a:rPr lang="en-US"/>
-            <a:t>Code is written to be environment and cloud agnostic. Development teams own the uptime of their own services, but they are fully supported by the ops team. Ops owns the infrastructure, dev owns the service, and both teams can work according to their strengths</a:t>
-          </a:r>
-        </a:p>
-      </dgm:t>
-    </dgm:pt>
-    <dgm:pt modelId="{A914D26B-3C6A-4A43-AD8A-9065B7043777}" type="parTrans" cxnId="{3B2A24BC-5982-4352-A99C-EDDA89869B84}">
-      <dgm:prSet/>
-      <dgm:spPr/>
-      <dgm:t>
-        <a:bodyPr/>
-        <a:lstStyle/>
-        <a:p>
-          <a:endParaRPr lang="en-US"/>
-        </a:p>
-      </dgm:t>
-    </dgm:pt>
-    <dgm:pt modelId="{8E458DB5-D6C1-477B-A020-4970D9486AEA}" type="sibTrans" cxnId="{3B2A24BC-5982-4352-A99C-EDDA89869B84}">
-      <dgm:prSet/>
-      <dgm:spPr/>
-      <dgm:t>
-        <a:bodyPr/>
-        <a:lstStyle/>
-        <a:p>
-          <a:endParaRPr lang="en-US"/>
-        </a:p>
-      </dgm:t>
-    </dgm:pt>
-    <dgm:pt modelId="{F1F4C54B-67D5-44E2-9606-B80311C2F911}" type="pres">
-      <dgm:prSet presAssocID="{C5884CF8-0E76-46D3-96BD-32B8232DD884}" presName="Name0" presStyleCnt="0">
-        <dgm:presLayoutVars>
-          <dgm:dir/>
-          <dgm:animLvl val="lvl"/>
-          <dgm:resizeHandles val="exact"/>
-        </dgm:presLayoutVars>
-      </dgm:prSet>
-      <dgm:spPr/>
-    </dgm:pt>
-    <dgm:pt modelId="{6BD175AB-C0D5-4B61-A891-1C19960ECBCC}" type="pres">
-      <dgm:prSet presAssocID="{D53CB774-1AF3-459A-9B50-F9EC73188D47}" presName="composite" presStyleCnt="0"/>
-      <dgm:spPr/>
-    </dgm:pt>
-    <dgm:pt modelId="{BF31C0B9-4DD8-40DE-8EE1-86BAE96BEA54}" type="pres">
-      <dgm:prSet presAssocID="{D53CB774-1AF3-459A-9B50-F9EC73188D47}" presName="parTx" presStyleLbl="alignNode1" presStyleIdx="0" presStyleCnt="3">
-        <dgm:presLayoutVars>
-          <dgm:chMax val="0"/>
-          <dgm:chPref val="0"/>
-          <dgm:bulletEnabled val="1"/>
-        </dgm:presLayoutVars>
-      </dgm:prSet>
-      <dgm:spPr/>
-    </dgm:pt>
-    <dgm:pt modelId="{D6F57729-D55B-4C45-B89B-CAFADE459B92}" type="pres">
-      <dgm:prSet presAssocID="{D53CB774-1AF3-459A-9B50-F9EC73188D47}" presName="desTx" presStyleLbl="alignAccFollowNode1" presStyleIdx="0" presStyleCnt="3">
-        <dgm:presLayoutVars>
-          <dgm:bulletEnabled val="1"/>
-        </dgm:presLayoutVars>
-      </dgm:prSet>
-      <dgm:spPr/>
-    </dgm:pt>
-    <dgm:pt modelId="{30CD8BCF-B2AC-47C8-B335-A3475B3989D5}" type="pres">
-      <dgm:prSet presAssocID="{AC56A34C-898F-4EF3-ABE3-DBE55375EB4C}" presName="space" presStyleCnt="0"/>
-      <dgm:spPr/>
-    </dgm:pt>
-    <dgm:pt modelId="{B64B7648-9FA6-44C2-801A-6695A652D8F6}" type="pres">
-      <dgm:prSet presAssocID="{36B7B91D-D712-4485-8898-F37C2AD801FA}" presName="composite" presStyleCnt="0"/>
-      <dgm:spPr/>
-    </dgm:pt>
-    <dgm:pt modelId="{B7E5C7E3-2644-49F2-89B3-BBEA14C1E88B}" type="pres">
-      <dgm:prSet presAssocID="{36B7B91D-D712-4485-8898-F37C2AD801FA}" presName="parTx" presStyleLbl="alignNode1" presStyleIdx="1" presStyleCnt="3">
-        <dgm:presLayoutVars>
-          <dgm:chMax val="0"/>
-          <dgm:chPref val="0"/>
-          <dgm:bulletEnabled val="1"/>
-        </dgm:presLayoutVars>
-      </dgm:prSet>
-      <dgm:spPr/>
-    </dgm:pt>
-    <dgm:pt modelId="{AC9DBCC6-702C-49C3-A82E-E9C1A83C6205}" type="pres">
-      <dgm:prSet presAssocID="{36B7B91D-D712-4485-8898-F37C2AD801FA}" presName="desTx" presStyleLbl="alignAccFollowNode1" presStyleIdx="1" presStyleCnt="3">
-        <dgm:presLayoutVars>
-          <dgm:bulletEnabled val="1"/>
-        </dgm:presLayoutVars>
-      </dgm:prSet>
-      <dgm:spPr/>
-    </dgm:pt>
-    <dgm:pt modelId="{03F162D1-A72F-4A33-A394-A7EBB120FB86}" type="pres">
-      <dgm:prSet presAssocID="{8D1D4308-3E72-4D40-9ED6-4572CBC71342}" presName="space" presStyleCnt="0"/>
-      <dgm:spPr/>
-    </dgm:pt>
-    <dgm:pt modelId="{C22ECA92-A08C-4F95-A14A-FF632E9F6140}" type="pres">
-      <dgm:prSet presAssocID="{3A2DBD1A-AEBC-4F84-A6BA-9B26DAA7DA50}" presName="composite" presStyleCnt="0"/>
-      <dgm:spPr/>
-    </dgm:pt>
-    <dgm:pt modelId="{C7CB6F9D-69E3-46D5-BCE8-16F5286CA3BD}" type="pres">
-      <dgm:prSet presAssocID="{3A2DBD1A-AEBC-4F84-A6BA-9B26DAA7DA50}" presName="parTx" presStyleLbl="alignNode1" presStyleIdx="2" presStyleCnt="3">
-        <dgm:presLayoutVars>
-          <dgm:chMax val="0"/>
-          <dgm:chPref val="0"/>
-          <dgm:bulletEnabled val="1"/>
-        </dgm:presLayoutVars>
-      </dgm:prSet>
-      <dgm:spPr/>
-    </dgm:pt>
-    <dgm:pt modelId="{4772AB2E-73F5-4866-91BD-76F7A317CECC}" type="pres">
-      <dgm:prSet presAssocID="{3A2DBD1A-AEBC-4F84-A6BA-9B26DAA7DA50}" presName="desTx" presStyleLbl="alignAccFollowNode1" presStyleIdx="2" presStyleCnt="3">
-        <dgm:presLayoutVars>
-          <dgm:bulletEnabled val="1"/>
-        </dgm:presLayoutVars>
-      </dgm:prSet>
-      <dgm:spPr/>
-    </dgm:pt>
-  </dgm:ptLst>
-  <dgm:cxnLst>
-    <dgm:cxn modelId="{D1195D27-D17E-4C46-A3EB-AE5E486930EF}" type="presOf" srcId="{D53CB774-1AF3-459A-9B50-F9EC73188D47}" destId="{BF31C0B9-4DD8-40DE-8EE1-86BAE96BEA54}" srcOrd="0" destOrd="0" presId="urn:microsoft.com/office/officeart/2005/8/layout/hList1"/>
-    <dgm:cxn modelId="{F2BB962E-6E83-40FC-A4D8-C64BFF401377}" srcId="{D53CB774-1AF3-459A-9B50-F9EC73188D47}" destId="{27B8F548-61B6-4807-93A1-9D63F839FEF7}" srcOrd="0" destOrd="0" parTransId="{D7F6D3EC-03BE-4816-9E2D-74239EFD2465}" sibTransId="{C1226D2B-338A-44AC-AE8C-C2BC5FF40D00}"/>
-    <dgm:cxn modelId="{0B58F72E-AF0A-4A71-A6E0-9675DBF984EA}" type="presOf" srcId="{633C4119-256D-4B13-ACC3-9C15B06613F3}" destId="{AC9DBCC6-702C-49C3-A82E-E9C1A83C6205}" srcOrd="0" destOrd="0" presId="urn:microsoft.com/office/officeart/2005/8/layout/hList1"/>
-    <dgm:cxn modelId="{14BCF333-F045-4D54-BCE1-B6A4C2C9E5B5}" type="presOf" srcId="{27B8F548-61B6-4807-93A1-9D63F839FEF7}" destId="{D6F57729-D55B-4C45-B89B-CAFADE459B92}" srcOrd="0" destOrd="0" presId="urn:microsoft.com/office/officeart/2005/8/layout/hList1"/>
-    <dgm:cxn modelId="{D565EC45-5917-4972-9EC0-22A508B2E57F}" type="presOf" srcId="{C5884CF8-0E76-46D3-96BD-32B8232DD884}" destId="{F1F4C54B-67D5-44E2-9606-B80311C2F911}" srcOrd="0" destOrd="0" presId="urn:microsoft.com/office/officeart/2005/8/layout/hList1"/>
-    <dgm:cxn modelId="{49509275-AD06-4055-8327-A4CA11499E53}" srcId="{C5884CF8-0E76-46D3-96BD-32B8232DD884}" destId="{36B7B91D-D712-4485-8898-F37C2AD801FA}" srcOrd="1" destOrd="0" parTransId="{79735AD4-756D-4126-B08D-F4A0E1074ADD}" sibTransId="{8D1D4308-3E72-4D40-9ED6-4572CBC71342}"/>
-    <dgm:cxn modelId="{EFCA58A0-A7E8-404E-9B40-B0D6277D8E2C}" srcId="{36B7B91D-D712-4485-8898-F37C2AD801FA}" destId="{633C4119-256D-4B13-ACC3-9C15B06613F3}" srcOrd="0" destOrd="0" parTransId="{DAC5FF32-C87C-4C3E-B4EB-1088E5E9AD07}" sibTransId="{EF2EFC8A-B825-47C8-ADE0-1790A04A72E2}"/>
-    <dgm:cxn modelId="{8FDF95A5-1151-403C-A1D0-D46E02E8B7C9}" type="presOf" srcId="{193656E5-17E6-4539-9B9D-8C7B2603EF5C}" destId="{4772AB2E-73F5-4866-91BD-76F7A317CECC}" srcOrd="0" destOrd="0" presId="urn:microsoft.com/office/officeart/2005/8/layout/hList1"/>
-    <dgm:cxn modelId="{34335EAA-EC8E-4869-B2B3-87048F70DC8A}" type="presOf" srcId="{3A2DBD1A-AEBC-4F84-A6BA-9B26DAA7DA50}" destId="{C7CB6F9D-69E3-46D5-BCE8-16F5286CA3BD}" srcOrd="0" destOrd="0" presId="urn:microsoft.com/office/officeart/2005/8/layout/hList1"/>
-    <dgm:cxn modelId="{FC1550B6-7DCE-4DE1-94AF-41221637303A}" srcId="{C5884CF8-0E76-46D3-96BD-32B8232DD884}" destId="{3A2DBD1A-AEBC-4F84-A6BA-9B26DAA7DA50}" srcOrd="2" destOrd="0" parTransId="{B3FFB1B5-36D3-48DB-A458-25F83B605BF7}" sibTransId="{8BB5DA11-4C3A-4D9C-BA13-4EDDD260C500}"/>
-    <dgm:cxn modelId="{3B2A24BC-5982-4352-A99C-EDDA89869B84}" srcId="{3A2DBD1A-AEBC-4F84-A6BA-9B26DAA7DA50}" destId="{193656E5-17E6-4539-9B9D-8C7B2603EF5C}" srcOrd="0" destOrd="0" parTransId="{A914D26B-3C6A-4A43-AD8A-9065B7043777}" sibTransId="{8E458DB5-D6C1-477B-A020-4970D9486AEA}"/>
-    <dgm:cxn modelId="{AFCAFED4-FA88-4E78-8345-A6B46FD6406D}" srcId="{C5884CF8-0E76-46D3-96BD-32B8232DD884}" destId="{D53CB774-1AF3-459A-9B50-F9EC73188D47}" srcOrd="0" destOrd="0" parTransId="{28E64B76-343B-46C2-9F72-02529D58EDA3}" sibTransId="{AC56A34C-898F-4EF3-ABE3-DBE55375EB4C}"/>
-    <dgm:cxn modelId="{B7E48CE8-8A9D-4192-A207-C8F3BC7DB0C8}" type="presOf" srcId="{36B7B91D-D712-4485-8898-F37C2AD801FA}" destId="{B7E5C7E3-2644-49F2-89B3-BBEA14C1E88B}" srcOrd="0" destOrd="0" presId="urn:microsoft.com/office/officeart/2005/8/layout/hList1"/>
-    <dgm:cxn modelId="{BA2A0AD5-EE1C-4C75-BDA0-A16BEB588EF5}" type="presParOf" srcId="{F1F4C54B-67D5-44E2-9606-B80311C2F911}" destId="{6BD175AB-C0D5-4B61-A891-1C19960ECBCC}" srcOrd="0" destOrd="0" presId="urn:microsoft.com/office/officeart/2005/8/layout/hList1"/>
-    <dgm:cxn modelId="{6F2612E0-9072-4770-B9DB-F3F7650A028A}" type="presParOf" srcId="{6BD175AB-C0D5-4B61-A891-1C19960ECBCC}" destId="{BF31C0B9-4DD8-40DE-8EE1-86BAE96BEA54}" srcOrd="0" destOrd="0" presId="urn:microsoft.com/office/officeart/2005/8/layout/hList1"/>
-    <dgm:cxn modelId="{4CB74005-0379-4CED-ABA7-2013DA309607}" type="presParOf" srcId="{6BD175AB-C0D5-4B61-A891-1C19960ECBCC}" destId="{D6F57729-D55B-4C45-B89B-CAFADE459B92}" srcOrd="1" destOrd="0" presId="urn:microsoft.com/office/officeart/2005/8/layout/hList1"/>
-    <dgm:cxn modelId="{4ED8DACF-3924-4FCB-A719-63BB1C508FFA}" type="presParOf" srcId="{F1F4C54B-67D5-44E2-9606-B80311C2F911}" destId="{30CD8BCF-B2AC-47C8-B335-A3475B3989D5}" srcOrd="1" destOrd="0" presId="urn:microsoft.com/office/officeart/2005/8/layout/hList1"/>
-    <dgm:cxn modelId="{3B853575-A7DF-448F-A4EF-3FA3EF6887D7}" type="presParOf" srcId="{F1F4C54B-67D5-44E2-9606-B80311C2F911}" destId="{B64B7648-9FA6-44C2-801A-6695A652D8F6}" srcOrd="2" destOrd="0" presId="urn:microsoft.com/office/officeart/2005/8/layout/hList1"/>
-    <dgm:cxn modelId="{D37C3822-7E58-4D25-B95F-5502DEFB04E9}" type="presParOf" srcId="{B64B7648-9FA6-44C2-801A-6695A652D8F6}" destId="{B7E5C7E3-2644-49F2-89B3-BBEA14C1E88B}" srcOrd="0" destOrd="0" presId="urn:microsoft.com/office/officeart/2005/8/layout/hList1"/>
-    <dgm:cxn modelId="{178E5B00-04F7-4661-B03B-66B103235389}" type="presParOf" srcId="{B64B7648-9FA6-44C2-801A-6695A652D8F6}" destId="{AC9DBCC6-702C-49C3-A82E-E9C1A83C6205}" srcOrd="1" destOrd="0" presId="urn:microsoft.com/office/officeart/2005/8/layout/hList1"/>
-    <dgm:cxn modelId="{CF51F12D-4574-4011-8FF8-8CC5E8FD0E29}" type="presParOf" srcId="{F1F4C54B-67D5-44E2-9606-B80311C2F911}" destId="{03F162D1-A72F-4A33-A394-A7EBB120FB86}" srcOrd="3" destOrd="0" presId="urn:microsoft.com/office/officeart/2005/8/layout/hList1"/>
-    <dgm:cxn modelId="{965E5798-72C2-4C4C-8613-D51213FB1F96}" type="presParOf" srcId="{F1F4C54B-67D5-44E2-9606-B80311C2F911}" destId="{C22ECA92-A08C-4F95-A14A-FF632E9F6140}" srcOrd="4" destOrd="0" presId="urn:microsoft.com/office/officeart/2005/8/layout/hList1"/>
-    <dgm:cxn modelId="{645E2A7F-17E9-48BB-80D5-772E9524FCB9}" type="presParOf" srcId="{C22ECA92-A08C-4F95-A14A-FF632E9F6140}" destId="{C7CB6F9D-69E3-46D5-BCE8-16F5286CA3BD}" srcOrd="0" destOrd="0" presId="urn:microsoft.com/office/officeart/2005/8/layout/hList1"/>
-    <dgm:cxn modelId="{5628A3DC-1279-4BFE-84E7-FF5167C4F5D6}" type="presParOf" srcId="{C22ECA92-A08C-4F95-A14A-FF632E9F6140}" destId="{4772AB2E-73F5-4866-91BD-76F7A317CECC}" srcOrd="1" destOrd="0" presId="urn:microsoft.com/office/officeart/2005/8/layout/hList1"/>
-  </dgm:cxnLst>
-  <dgm:bg/>
-  <dgm:whole/>
-  <dgm:extLst>
-    <a:ext uri="http://schemas.microsoft.com/office/drawing/2008/diagram">
-      <dsp:dataModelExt xmlns:dsp="http://schemas.microsoft.com/office/drawing/2008/diagram" relId="rId6" minVer="http://schemas.openxmlformats.org/drawingml/2006/diagram"/>
-    </a:ext>
-  </dgm:extLst>
-</dgm:dataModel>
-</file>
-
-<file path=ppt/diagrams/data3.xml><?xml version="1.0" encoding="utf-8"?>
-<dgm:dataModel xmlns:dgm="http://schemas.openxmlformats.org/drawingml/2006/diagram" xmlns:a="http://schemas.openxmlformats.org/drawingml/2006/main">
-  <dgm:ptLst>
     <dgm:pt modelId="{4531BFAC-B07D-457D-AEFB-EB046A812C15}" type="doc">
-      <dgm:prSet loTypeId="urn:microsoft.com/office/officeart/2005/8/layout/hList1" loCatId="list" qsTypeId="urn:microsoft.com/office/officeart/2005/8/quickstyle/simple2" qsCatId="simple" csTypeId="urn:microsoft.com/office/officeart/2005/8/colors/accent1_2" csCatId="accent1"/>
+      <dgm:prSet loTypeId="urn:microsoft.com/office/officeart/2005/8/layout/hList1" loCatId="list" qsTypeId="urn:microsoft.com/office/officeart/2005/8/quickstyle/simple2" qsCatId="simple" csTypeId="urn:microsoft.com/office/officeart/2005/8/colors/accent1_2" csCatId="accent1" phldr="1"/>
       <dgm:spPr/>
       <dgm:t>
         <a:bodyPr/>
@@ -3864,8 +2841,16 @@
         <a:lstStyle/>
         <a:p>
           <a:r>
-            <a:rPr lang="en-US"/>
-            <a:t>Two identical companies: One implements CI/CD technology and the other doesn’t. Who do you think deploys applications faster? While this seems like a silly comparison, because of course the company with more automation deploys faster, there are organizations out there still convinced they don’t need CI/CD because they’re not looking at their competition. Organizations that understand the importance of CI/CD are setting the pace of innovation for everyone else.</a:t>
+            <a:rPr lang="en-US" dirty="0"/>
+            <a:t>The  more automation involved in the </a:t>
+          </a:r>
+          <a:r>
+            <a:rPr lang="en-US" dirty="0" err="1"/>
+            <a:t>intgegration</a:t>
+          </a:r>
+          <a:r>
+            <a:rPr lang="en-US" dirty="0"/>
+            <a:t> and deployment of code means faster turnaround times to get new business ideas into the hands of client</a:t>
           </a:r>
         </a:p>
       </dgm:t>
@@ -3900,8 +2885,16 @@
         <a:lstStyle/>
         <a:p>
           <a:r>
-            <a:rPr lang="en-US"/>
-            <a:t>2. Code in production is making money instead of sitting in a queue waiting to be deployed</a:t>
+            <a:rPr lang="en-US" dirty="0"/>
+            <a:t>2. Separation </a:t>
+          </a:r>
+          <a:r>
+            <a:rPr lang="en-US" dirty="0" err="1"/>
+            <a:t>fo</a:t>
+          </a:r>
+          <a:r>
+            <a:rPr lang="en-US" dirty="0"/>
+            <a:t> deployments from releases</a:t>
           </a:r>
         </a:p>
       </dgm:t>
@@ -3936,8 +2929,16 @@
         <a:lstStyle/>
         <a:p>
           <a:r>
-            <a:rPr lang="en-US"/>
-            <a:t>Organizations that have implemented CI/CD are making revenue on the features they deploy, not waiting for a manual check to see if the code is up to par. They already know the code is good because they have tests that are automated, and continuous delivery means that code can be deployed at any time. They’ve removed human error and delays from the process.</a:t>
+            <a:rPr lang="en-US" dirty="0"/>
+            <a:t>With good automation we can facilitate business </a:t>
+          </a:r>
+          <a:r>
+            <a:rPr lang="en-US" dirty="0" err="1"/>
+            <a:t>stakeholderto</a:t>
+          </a:r>
+          <a:r>
+            <a:rPr lang="en-US" dirty="0"/>
+            <a:t> rollout features when they are ready and teston a group of users prior to rollout</a:t>
           </a:r>
         </a:p>
       </dgm:t>
@@ -4008,7 +3009,7 @@
         <a:lstStyle/>
         <a:p>
           <a:r>
-            <a:rPr lang="en-US"/>
+            <a:rPr lang="en-US" dirty="0"/>
             <a:t>Engineers that can focus on what they’re best at will be happier and more productive, and that has a far-reaching impact. Turnover can be expensive and disruptive. A good CI/CD strategy means engineers can work on important projects and not worry about time-consuming manual tasks. They can also work confidently knowing that errors are caught automatically, not right before deployment. This kind of cooperative engineering culture inevitably attracts talent.</a:t>
           </a:r>
         </a:p>
@@ -4080,9 +3081,14 @@
         <a:lstStyle/>
         <a:p>
           <a:r>
-            <a:rPr lang="en-US"/>
-            <a:t>Dev can focus on dev. Ops can focus on ops. Bad code rarely makes it to production because testing is automated. Developers can focus on the code rather than the production environment, and operations doesn’t have to feel like a gatekeeper or a barrier. Both teams can work to their strengths, and automated handoffs make for seamless processes. This kind of cooperation makes DevOps possible.</a:t>
+            <a:rPr lang="en-US" dirty="0"/>
+            <a:t>Dev can focus on dev. Ops can focus on ops. Bad code rarely makes it to production because testing is automated. Developers can focus on the code rather than the production environment, and operations doesn’t have to feel like a gatekeeper or a </a:t>
           </a:r>
+          <a:r>
+            <a:rPr lang="en-US" dirty="0" err="1"/>
+            <a:t>barrie</a:t>
+          </a:r>
+          <a:endParaRPr lang="en-US" dirty="0"/>
         </a:p>
       </dgm:t>
     </dgm:pt>
@@ -4263,11 +3269,11 @@
 </dgm:dataModel>
 </file>
 
-<file path=ppt/diagrams/data4.xml><?xml version="1.0" encoding="utf-8"?>
+<file path=ppt/diagrams/data3.xml><?xml version="1.0" encoding="utf-8"?>
 <dgm:dataModel xmlns:dgm="http://schemas.openxmlformats.org/drawingml/2006/diagram" xmlns:a="http://schemas.openxmlformats.org/drawingml/2006/main">
   <dgm:ptLst>
     <dgm:pt modelId="{90CA0E80-E46F-4F95-88E3-BBDB1275F54A}" type="doc">
-      <dgm:prSet loTypeId="urn:microsoft.com/office/officeart/2005/8/layout/hList1" loCatId="list" qsTypeId="urn:microsoft.com/office/officeart/2005/8/quickstyle/simple5" qsCatId="simple" csTypeId="urn:microsoft.com/office/officeart/2005/8/colors/accent1_2" csCatId="accent1"/>
+      <dgm:prSet loTypeId="urn:microsoft.com/office/officeart/2005/8/layout/hList1" loCatId="list" qsTypeId="urn:microsoft.com/office/officeart/2005/8/quickstyle/simple5" qsCatId="simple" csTypeId="urn:microsoft.com/office/officeart/2005/8/colors/accent1_2" csCatId="accent1" phldr="1"/>
       <dgm:spPr/>
       <dgm:t>
         <a:bodyPr/>
@@ -4321,8 +3327,8 @@
         <a:lstStyle/>
         <a:p>
           <a:r>
-            <a:rPr lang="en-US"/>
-            <a:t>Cycle time is the speed at which a DevOps team can deliver a functional application, from the moment work begins to when it is providing value to an end user. See how the team at Axway was able to achieve a 26x faster DevOps cycle with GitLab.</a:t>
+            <a:rPr lang="en-US" dirty="0"/>
+            <a:t>Cycle time is the speed at which a DevOps team can deliver a functional application, from the moment work begins to when it is providing value to an end user. </a:t>
           </a:r>
         </a:p>
       </dgm:t>
@@ -4465,7 +3471,7 @@
         <a:lstStyle/>
         <a:p>
           <a:r>
-            <a:rPr lang="en-US"/>
+            <a:rPr lang="en-US" dirty="0"/>
             <a:t>Uptime is one of the biggest priorities for the ops team, and with a good CI/CD strategy that automates different processes, they should be able to focus more on that goal. Likewise, error rates and infrastructure costs can be easily measured once CI/CD is put in place. Operations goals are a key indicator of process success.</a:t>
           </a:r>
         </a:p>
@@ -4537,8 +3543,8 @@
         <a:lstStyle/>
         <a:p>
           <a:r>
-            <a:rPr lang="en-US"/>
-            <a:t>Happy developers stick around, so looking at retention rates is a reliable way to gauge how well new </a:t>
+            <a:rPr lang="en-US" dirty="0"/>
+            <a:t>Developers who are able to focus on their primary role, writing code, are much more likely to stick around.</a:t>
           </a:r>
         </a:p>
       </dgm:t>
@@ -4565,7 +3571,7 @@
         </a:p>
       </dgm:t>
     </dgm:pt>
-    <dgm:pt modelId="{CB33B37E-3D97-4A3B-8229-3B5C0E72E5DA}">
+    <dgm:pt modelId="{4D306959-2012-4685-8396-E8F0C19AF2B6}">
       <dgm:prSet/>
       <dgm:spPr/>
       <dgm:t>
@@ -4573,33 +3579,27 @@
         <a:lstStyle/>
         <a:p>
           <a:r>
-            <a:rPr lang="en-US"/>
-            <a:t>processes and applications are working for the team. It might be tough for developers to speak up if they don’t like how things are going, but looking at retention rates can be one step in identifying potential problems.The benefits of a good CI/CD strategy are felt throughout an organization: From HR to operations, teams work better and achieve goals. In such a competitive development landscape, having the right CI/CD in place gives any company an edge.</a:t>
+            <a:rPr lang="en-US" dirty="0"/>
+            <a:t>Building a time with a high retention ate allows us to delivery bigger </a:t>
+          </a:r>
+          <a:r>
+            <a:rPr lang="en-US" dirty="0" err="1"/>
+            <a:t>andbetter</a:t>
+          </a:r>
+          <a:r>
+            <a:rPr lang="en-US" dirty="0"/>
+            <a:t> features as we have a team with years of experience in our product and product domain.</a:t>
           </a:r>
         </a:p>
       </dgm:t>
     </dgm:pt>
-    <dgm:pt modelId="{07A3233F-E927-40B6-B337-912A16F83E8F}" type="parTrans" cxnId="{227CBE52-032F-4727-B323-A9BEFCB02ED1}">
+    <dgm:pt modelId="{6D07832E-E743-4F46-9DC3-FC9442910589}" type="parTrans" cxnId="{15C13855-95FC-4784-AE14-ED0B542B8038}">
       <dgm:prSet/>
       <dgm:spPr/>
-      <dgm:t>
-        <a:bodyPr/>
-        <a:lstStyle/>
-        <a:p>
-          <a:endParaRPr lang="en-US"/>
-        </a:p>
-      </dgm:t>
     </dgm:pt>
-    <dgm:pt modelId="{95DB0858-1E51-42B3-AE5D-B4D48D4E492E}" type="sibTrans" cxnId="{227CBE52-032F-4727-B323-A9BEFCB02ED1}">
+    <dgm:pt modelId="{76A4D309-BCA2-4F71-AAE0-697D67B51139}" type="sibTrans" cxnId="{15C13855-95FC-4784-AE14-ED0B542B8038}">
       <dgm:prSet/>
       <dgm:spPr/>
-      <dgm:t>
-        <a:bodyPr/>
-        <a:lstStyle/>
-        <a:p>
-          <a:endParaRPr lang="en-US"/>
-        </a:p>
-      </dgm:t>
     </dgm:pt>
     <dgm:pt modelId="{00E0958B-AF99-4A4D-94C6-3C5FE8B59667}" type="pres">
       <dgm:prSet presAssocID="{90CA0E80-E46F-4F95-88E3-BBDB1275F54A}" presName="Name0" presStyleCnt="0">
@@ -4716,17 +3716,17 @@
     <dgm:cxn modelId="{42E25504-22A9-42AA-9BEA-632B6F1EC1EC}" type="presOf" srcId="{90CA0E80-E46F-4F95-88E3-BBDB1275F54A}" destId="{00E0958B-AF99-4A4D-94C6-3C5FE8B59667}" srcOrd="0" destOrd="0" presId="urn:microsoft.com/office/officeart/2005/8/layout/hList1"/>
     <dgm:cxn modelId="{F5B12320-E9FD-40A8-A8A5-CE02CA636A5D}" srcId="{A8815E52-0D8D-4088-AA6A-88B6B515831C}" destId="{2BE7C493-9BE1-409D-A61F-7795D8E9677A}" srcOrd="0" destOrd="0" parTransId="{058CE888-C951-4767-B2B5-E90D7F378FE4}" sibTransId="{F8B2045A-F027-4AE4-800E-AC991BBE20AA}"/>
     <dgm:cxn modelId="{FD00DD2E-FB3C-4014-8DA5-4306C6F9369C}" srcId="{EFA59150-8269-467A-8640-A1AAE0EE19A7}" destId="{13F06786-0CCA-45DC-9E6F-8FD0C0A55A40}" srcOrd="0" destOrd="0" parTransId="{A4EC9A94-5F67-4AF5-BCFA-3831387DB13F}" sibTransId="{D08392F3-265B-48ED-9AFF-3E8CD0CF966E}"/>
+    <dgm:cxn modelId="{4ADE9335-0FEB-404D-90B2-FCCA3FFE0614}" type="presOf" srcId="{4D306959-2012-4685-8396-E8F0C19AF2B6}" destId="{1B8644D2-EA15-45CB-B632-29DC791EAF74}" srcOrd="0" destOrd="1" presId="urn:microsoft.com/office/officeart/2005/8/layout/hList1"/>
     <dgm:cxn modelId="{FFD8D545-39BE-433C-B2C3-D4634E5F773D}" srcId="{90CA0E80-E46F-4F95-88E3-BBDB1275F54A}" destId="{E5165503-46AA-4F6C-82C0-C2D9E2585E91}" srcOrd="1" destOrd="0" parTransId="{5813530D-9969-405D-9D3F-7FF76B6F6CF6}" sibTransId="{586137B4-9CE1-421B-95DD-2B8CB45E3609}"/>
     <dgm:cxn modelId="{09E6F56C-978E-4EF4-BEE0-9C38613BDD5C}" type="presOf" srcId="{13F06786-0CCA-45DC-9E6F-8FD0C0A55A40}" destId="{7A19D3A2-EC14-4A74-8B0F-F96A29B6946B}" srcOrd="0" destOrd="0" presId="urn:microsoft.com/office/officeart/2005/8/layout/hList1"/>
     <dgm:cxn modelId="{1F89AF71-D52C-47B3-83C9-41A89E9A1F28}" type="presOf" srcId="{E5165503-46AA-4F6C-82C0-C2D9E2585E91}" destId="{F51312B4-F4C6-42AA-876C-1DC0D6741447}" srcOrd="0" destOrd="0" presId="urn:microsoft.com/office/officeart/2005/8/layout/hList1"/>
-    <dgm:cxn modelId="{227CBE52-032F-4727-B323-A9BEFCB02ED1}" srcId="{9BA0C744-0A2D-4991-8028-46D905E120C8}" destId="{CB33B37E-3D97-4A3B-8229-3B5C0E72E5DA}" srcOrd="1" destOrd="0" parTransId="{07A3233F-E927-40B6-B337-912A16F83E8F}" sibTransId="{95DB0858-1E51-42B3-AE5D-B4D48D4E492E}"/>
+    <dgm:cxn modelId="{15C13855-95FC-4784-AE14-ED0B542B8038}" srcId="{9BA0C744-0A2D-4991-8028-46D905E120C8}" destId="{4D306959-2012-4685-8396-E8F0C19AF2B6}" srcOrd="1" destOrd="0" parTransId="{6D07832E-E743-4F46-9DC3-FC9442910589}" sibTransId="{76A4D309-BCA2-4F71-AAE0-697D67B51139}"/>
     <dgm:cxn modelId="{C8F26191-3DF2-42D5-BFF5-E98DA7A7F046}" type="presOf" srcId="{60AFA037-9BB0-47E2-94D1-737462A14D83}" destId="{1B8644D2-EA15-45CB-B632-29DC791EAF74}" srcOrd="0" destOrd="0" presId="urn:microsoft.com/office/officeart/2005/8/layout/hList1"/>
     <dgm:cxn modelId="{308C7295-E93B-4163-AEE9-3D28A11650DE}" srcId="{90CA0E80-E46F-4F95-88E3-BBDB1275F54A}" destId="{EFA59150-8269-467A-8640-A1AAE0EE19A7}" srcOrd="0" destOrd="0" parTransId="{DF3E5A14-D877-4C67-8262-C86C9346FF09}" sibTransId="{5FD8DB1E-FE3C-4C10-BD5A-3C06BBCB7F5A}"/>
     <dgm:cxn modelId="{BE2AC895-D6F5-4714-9D68-3B36466F538F}" type="presOf" srcId="{EFA59150-8269-467A-8640-A1AAE0EE19A7}" destId="{8D59501B-4582-49E2-883B-64A314609971}" srcOrd="0" destOrd="0" presId="urn:microsoft.com/office/officeart/2005/8/layout/hList1"/>
     <dgm:cxn modelId="{B5789699-A64F-414C-AAB4-145D7E5EB054}" type="presOf" srcId="{9BA0C744-0A2D-4991-8028-46D905E120C8}" destId="{9129F087-4D4B-4554-874C-BC34DA60F5DA}" srcOrd="0" destOrd="0" presId="urn:microsoft.com/office/officeart/2005/8/layout/hList1"/>
     <dgm:cxn modelId="{3D18ACA3-F78E-4D59-AE1F-EE13C4833A90}" srcId="{E5165503-46AA-4F6C-82C0-C2D9E2585E91}" destId="{FF4BBBB3-31B7-4C5F-A33D-02D161721EC0}" srcOrd="0" destOrd="0" parTransId="{2AF8C2E7-99B9-421B-A6D4-D890D65B0EBE}" sibTransId="{C8195ED2-688B-4EF4-B824-6640C56525DC}"/>
     <dgm:cxn modelId="{54B229C2-16A4-46C0-8889-EAB66577D3F1}" srcId="{90CA0E80-E46F-4F95-88E3-BBDB1275F54A}" destId="{A8815E52-0D8D-4088-AA6A-88B6B515831C}" srcOrd="2" destOrd="0" parTransId="{858BA28D-3659-442A-B3DD-C416C7A0C1E5}" sibTransId="{17B8001D-287C-4B51-9C52-B4BCFD92F148}"/>
-    <dgm:cxn modelId="{B080EFD4-2B9F-40A8-B081-99F3386FFC71}" type="presOf" srcId="{CB33B37E-3D97-4A3B-8229-3B5C0E72E5DA}" destId="{1B8644D2-EA15-45CB-B632-29DC791EAF74}" srcOrd="0" destOrd="1" presId="urn:microsoft.com/office/officeart/2005/8/layout/hList1"/>
     <dgm:cxn modelId="{14E6E0E3-BA78-4753-82CD-C37836A6EC51}" srcId="{90CA0E80-E46F-4F95-88E3-BBDB1275F54A}" destId="{9BA0C744-0A2D-4991-8028-46D905E120C8}" srcOrd="3" destOrd="0" parTransId="{6EAB703F-CD9B-4AA4-A785-0253E8E1FB00}" sibTransId="{C5BDD6A6-2E48-4546-A4DE-6B6ADC2B0B29}"/>
     <dgm:cxn modelId="{277E2EE8-07EA-43FB-87DF-D554A3F6C4A1}" type="presOf" srcId="{FF4BBBB3-31B7-4C5F-A33D-02D161721EC0}" destId="{92BFDA70-A88E-4A27-B087-0188CF84B1AF}" srcOrd="0" destOrd="0" presId="urn:microsoft.com/office/officeart/2005/8/layout/hList1"/>
     <dgm:cxn modelId="{26127DF3-1C92-4290-9579-C4E811B6B61B}" type="presOf" srcId="{A8815E52-0D8D-4088-AA6A-88B6B515831C}" destId="{092A5867-F39B-48C3-81CE-2898F58B0AFD}" srcOrd="0" destOrd="0" presId="urn:microsoft.com/office/officeart/2005/8/layout/hList1"/>
@@ -4773,8 +3773,8 @@
       </dsp:nvSpPr>
       <dsp:spPr>
         <a:xfrm>
-          <a:off x="3143" y="93393"/>
-          <a:ext cx="3064668" cy="624122"/>
+          <a:off x="3143" y="246841"/>
+          <a:ext cx="3064668" cy="556041"/>
         </a:xfrm>
         <a:prstGeom prst="rect">
           <a:avLst/>
@@ -4815,12 +3815,12 @@
         </a:fontRef>
       </dsp:style>
       <dsp:txBody>
-        <a:bodyPr spcFirstLastPara="0" vert="horz" wrap="square" lIns="85344" tIns="48768" rIns="85344" bIns="48768" numCol="1" spcCol="1270" anchor="ctr" anchorCtr="0">
+        <a:bodyPr spcFirstLastPara="0" vert="horz" wrap="square" lIns="106680" tIns="60960" rIns="106680" bIns="60960" numCol="1" spcCol="1270" anchor="ctr" anchorCtr="0">
           <a:noAutofit/>
         </a:bodyPr>
         <a:lstStyle/>
         <a:p>
-          <a:pPr marL="0" lvl="0" indent="0" algn="ctr" defTabSz="533400">
+          <a:pPr marL="0" lvl="0" indent="0" algn="ctr" defTabSz="666750">
             <a:lnSpc>
               <a:spcPct val="90000"/>
             </a:lnSpc>
@@ -4833,14 +3833,14 @@
             <a:buNone/>
           </a:pPr>
           <a:r>
-            <a:rPr lang="en-US" sz="1200" kern="1200"/>
-            <a:t>1. A large portion of IT budget is spent on undifferentiated engineering</a:t>
+            <a:rPr lang="en-US" sz="1500" kern="1200" dirty="0"/>
+            <a:t>1. Budget is spent on non-deliverable work</a:t>
           </a:r>
         </a:p>
       </dsp:txBody>
       <dsp:txXfrm>
-        <a:off x="3143" y="93393"/>
-        <a:ext cx="3064668" cy="624122"/>
+        <a:off x="3143" y="246841"/>
+        <a:ext cx="3064668" cy="556041"/>
       </dsp:txXfrm>
     </dsp:sp>
     <dsp:sp modelId="{C7E026C8-AB38-48A5-82B8-D7C2A9A394E2}">
@@ -4850,8 +3850,8 @@
       </dsp:nvSpPr>
       <dsp:spPr>
         <a:xfrm>
-          <a:off x="3143" y="717515"/>
-          <a:ext cx="3064668" cy="3038715"/>
+          <a:off x="3143" y="802882"/>
+          <a:ext cx="3064668" cy="2799900"/>
         </a:xfrm>
         <a:prstGeom prst="rect">
           <a:avLst/>
@@ -4894,12 +3894,12 @@
         <a:fontRef idx="minor"/>
       </dsp:style>
       <dsp:txBody>
-        <a:bodyPr spcFirstLastPara="0" vert="horz" wrap="square" lIns="64008" tIns="64008" rIns="85344" bIns="96012" numCol="1" spcCol="1270" anchor="t" anchorCtr="0">
+        <a:bodyPr spcFirstLastPara="0" vert="horz" wrap="square" lIns="80010" tIns="80010" rIns="106680" bIns="120015" numCol="1" spcCol="1270" anchor="t" anchorCtr="0">
           <a:noAutofit/>
         </a:bodyPr>
         <a:lstStyle/>
         <a:p>
-          <a:pPr marL="114300" lvl="1" indent="-114300" algn="l" defTabSz="533400">
+          <a:pPr marL="114300" lvl="1" indent="-114300" algn="l" defTabSz="666750">
             <a:lnSpc>
               <a:spcPct val="90000"/>
             </a:lnSpc>
@@ -4912,14 +3912,32 @@
             <a:buChar char="•"/>
           </a:pPr>
           <a:r>
-            <a:rPr lang="en-US" sz="1200" kern="1200" dirty="0"/>
-            <a:t>Opportunity costs play a much larger role in the development process than we realize. Organizations can only afford so many engineers at one time, and systems that require extensive maintenance means fewer engineers are working on revenue-generating projects. This will lead to slower innovation and slower growth in the long term. Undifferentiated engineering means too many individuals are having to focus on one thing – maintenance.</a:t>
+            <a:rPr lang="en-US" sz="1500" kern="1200" dirty="0"/>
+            <a:t>The more time our engineers spend performing tasks to get their code into production is less time spent creating deliverable work for clients</a:t>
+          </a:r>
+        </a:p>
+        <a:p>
+          <a:pPr marL="114300" lvl="1" indent="-114300" algn="l" defTabSz="666750">
+            <a:lnSpc>
+              <a:spcPct val="90000"/>
+            </a:lnSpc>
+            <a:spcBef>
+              <a:spcPct val="0"/>
+            </a:spcBef>
+            <a:spcAft>
+              <a:spcPct val="15000"/>
+            </a:spcAft>
+            <a:buChar char="•"/>
+          </a:pPr>
+          <a:r>
+            <a:rPr lang="en-US" sz="1500" kern="1200" dirty="0"/>
+            <a:t>This is even more prevalent in smaller teams where our lead engineers usually become the go to people to resolve integration and deployment issues, which is valuable time away from development</a:t>
           </a:r>
         </a:p>
       </dsp:txBody>
       <dsp:txXfrm>
-        <a:off x="3143" y="717515"/>
-        <a:ext cx="3064668" cy="3038715"/>
+        <a:off x="3143" y="802882"/>
+        <a:ext cx="3064668" cy="2799900"/>
       </dsp:txXfrm>
     </dsp:sp>
     <dsp:sp modelId="{FC5CC6B9-3B95-4541-9C02-03ADBEAA3BF4}">
@@ -4929,8 +3947,8 @@
       </dsp:nvSpPr>
       <dsp:spPr>
         <a:xfrm>
-          <a:off x="3496865" y="93393"/>
-          <a:ext cx="3064668" cy="624122"/>
+          <a:off x="3496865" y="246841"/>
+          <a:ext cx="3064668" cy="556041"/>
         </a:xfrm>
         <a:prstGeom prst="rect">
           <a:avLst/>
@@ -4971,12 +3989,12 @@
         </a:fontRef>
       </dsp:style>
       <dsp:txBody>
-        <a:bodyPr spcFirstLastPara="0" vert="horz" wrap="square" lIns="85344" tIns="48768" rIns="85344" bIns="48768" numCol="1" spcCol="1270" anchor="ctr" anchorCtr="0">
+        <a:bodyPr spcFirstLastPara="0" vert="horz" wrap="square" lIns="106680" tIns="60960" rIns="106680" bIns="60960" numCol="1" spcCol="1270" anchor="ctr" anchorCtr="0">
           <a:noAutofit/>
         </a:bodyPr>
         <a:lstStyle/>
         <a:p>
-          <a:pPr marL="0" lvl="0" indent="0" algn="ctr" defTabSz="533400">
+          <a:pPr marL="0" lvl="0" indent="0" algn="ctr" defTabSz="666750">
             <a:lnSpc>
               <a:spcPct val="90000"/>
             </a:lnSpc>
@@ -4989,14 +4007,14 @@
             <a:buNone/>
           </a:pPr>
           <a:r>
-            <a:rPr lang="en-US" sz="1200" kern="1200"/>
-            <a:t>2. Delayed (and even unrealized) revenue</a:t>
+            <a:rPr lang="en-US" sz="1500" kern="1200" dirty="0"/>
+            <a:t>2. Delayed Delivery</a:t>
           </a:r>
         </a:p>
       </dsp:txBody>
       <dsp:txXfrm>
-        <a:off x="3496865" y="93393"/>
-        <a:ext cx="3064668" cy="624122"/>
+        <a:off x="3496865" y="246841"/>
+        <a:ext cx="3064668" cy="556041"/>
       </dsp:txXfrm>
     </dsp:sp>
     <dsp:sp modelId="{8F869265-DE61-4935-9953-AB57C698016C}">
@@ -5006,8 +4024,8 @@
       </dsp:nvSpPr>
       <dsp:spPr>
         <a:xfrm>
-          <a:off x="3496865" y="717515"/>
-          <a:ext cx="3064668" cy="3038715"/>
+          <a:off x="3496865" y="802882"/>
+          <a:ext cx="3064668" cy="2799900"/>
         </a:xfrm>
         <a:prstGeom prst="rect">
           <a:avLst/>
@@ -5050,12 +4068,12 @@
         <a:fontRef idx="minor"/>
       </dsp:style>
       <dsp:txBody>
-        <a:bodyPr spcFirstLastPara="0" vert="horz" wrap="square" lIns="64008" tIns="64008" rIns="85344" bIns="96012" numCol="1" spcCol="1270" anchor="t" anchorCtr="0">
+        <a:bodyPr spcFirstLastPara="0" vert="horz" wrap="square" lIns="80010" tIns="80010" rIns="106680" bIns="120015" numCol="1" spcCol="1270" anchor="t" anchorCtr="0">
           <a:noAutofit/>
         </a:bodyPr>
         <a:lstStyle/>
         <a:p>
-          <a:pPr marL="114300" lvl="1" indent="-114300" algn="l" defTabSz="533400">
+          <a:pPr marL="114300" lvl="1" indent="-114300" algn="l" defTabSz="666750">
             <a:lnSpc>
               <a:spcPct val="90000"/>
             </a:lnSpc>
@@ -5068,14 +4086,32 @@
             <a:buChar char="•"/>
           </a:pPr>
           <a:r>
-            <a:rPr lang="en-US" sz="1200" kern="1200"/>
-            <a:t>This is the impact of lost opportunity costs. When there are too many dependencies, too many handoffs, and too many manual tasks, it causes delays between when code is written and when the business gets value from that code. In worst cases, code is written and the business never gets any value from it at all. Code can sit in limbo waiting for others to manually test it, and by the time it’s finally reviewed it’s already irrelevant. The opportunity cost essentially doubles: Engineers were paid to work on code that never deployed, and the business loses out on revenue the code could have generated.</a:t>
+            <a:rPr lang="en-US" sz="1500" kern="1200" dirty="0"/>
+            <a:t>When thee are too many dependencies across teams and manual tasks delays and mistakes inevitably come into play.</a:t>
+          </a:r>
+        </a:p>
+        <a:p>
+          <a:pPr marL="114300" lvl="1" indent="-114300" algn="l" defTabSz="666750">
+            <a:lnSpc>
+              <a:spcPct val="90000"/>
+            </a:lnSpc>
+            <a:spcBef>
+              <a:spcPct val="0"/>
+            </a:spcBef>
+            <a:spcAft>
+              <a:spcPct val="15000"/>
+            </a:spcAft>
+            <a:buChar char="•"/>
+          </a:pPr>
+          <a:r>
+            <a:rPr lang="en-US" sz="1500" kern="1200" dirty="0"/>
+            <a:t>This results is net new features for clients being delayed as well as any bug fixes being implemented asap. </a:t>
           </a:r>
         </a:p>
       </dsp:txBody>
       <dsp:txXfrm>
-        <a:off x="3496865" y="717515"/>
-        <a:ext cx="3064668" cy="3038715"/>
+        <a:off x="3496865" y="802882"/>
+        <a:ext cx="3064668" cy="2799900"/>
       </dsp:txXfrm>
     </dsp:sp>
     <dsp:sp modelId="{58195BF2-E3F4-44CD-9DBA-ABC83B227D94}">
@@ -5085,8 +4121,8 @@
       </dsp:nvSpPr>
       <dsp:spPr>
         <a:xfrm>
-          <a:off x="6990588" y="93393"/>
-          <a:ext cx="3064668" cy="624122"/>
+          <a:off x="6990588" y="246841"/>
+          <a:ext cx="3064668" cy="556041"/>
         </a:xfrm>
         <a:prstGeom prst="rect">
           <a:avLst/>
@@ -5127,12 +4163,12 @@
         </a:fontRef>
       </dsp:style>
       <dsp:txBody>
-        <a:bodyPr spcFirstLastPara="0" vert="horz" wrap="square" lIns="85344" tIns="48768" rIns="85344" bIns="48768" numCol="1" spcCol="1270" anchor="ctr" anchorCtr="0">
+        <a:bodyPr spcFirstLastPara="0" vert="horz" wrap="square" lIns="106680" tIns="60960" rIns="106680" bIns="60960" numCol="1" spcCol="1270" anchor="ctr" anchorCtr="0">
           <a:noAutofit/>
         </a:bodyPr>
         <a:lstStyle/>
         <a:p>
-          <a:pPr marL="0" lvl="0" indent="0" algn="ctr" defTabSz="533400">
+          <a:pPr marL="0" lvl="0" indent="0" algn="ctr" defTabSz="666750">
             <a:lnSpc>
               <a:spcPct val="90000"/>
             </a:lnSpc>
@@ -5145,14 +4181,14 @@
             <a:buNone/>
           </a:pPr>
           <a:r>
-            <a:rPr lang="en-US" sz="1200" kern="1200"/>
-            <a:t>3. Lower developer productivity, lower developer happiness, and less reliable software</a:t>
+            <a:rPr lang="en-US" sz="1500" kern="1200" dirty="0"/>
+            <a:t>3. Lower developer productivity &amp; retention</a:t>
           </a:r>
         </a:p>
       </dsp:txBody>
       <dsp:txXfrm>
-        <a:off x="6990588" y="93393"/>
-        <a:ext cx="3064668" cy="624122"/>
+        <a:off x="6990588" y="246841"/>
+        <a:ext cx="3064668" cy="556041"/>
       </dsp:txXfrm>
     </dsp:sp>
     <dsp:sp modelId="{925A07FE-1A42-4160-9A00-49E46FEA842C}">
@@ -5162,8 +4198,8 @@
       </dsp:nvSpPr>
       <dsp:spPr>
         <a:xfrm>
-          <a:off x="6990588" y="717515"/>
-          <a:ext cx="3064668" cy="3038715"/>
+          <a:off x="6990588" y="802882"/>
+          <a:ext cx="3064668" cy="2799900"/>
         </a:xfrm>
         <a:prstGeom prst="rect">
           <a:avLst/>
@@ -5206,12 +4242,12 @@
         <a:fontRef idx="minor"/>
       </dsp:style>
       <dsp:txBody>
-        <a:bodyPr spcFirstLastPara="0" vert="horz" wrap="square" lIns="64008" tIns="64008" rIns="85344" bIns="96012" numCol="1" spcCol="1270" anchor="t" anchorCtr="0">
+        <a:bodyPr spcFirstLastPara="0" vert="horz" wrap="square" lIns="80010" tIns="80010" rIns="106680" bIns="120015" numCol="1" spcCol="1270" anchor="t" anchorCtr="0">
           <a:noAutofit/>
         </a:bodyPr>
         <a:lstStyle/>
         <a:p>
-          <a:pPr marL="114300" lvl="1" indent="-114300" algn="l" defTabSz="533400">
+          <a:pPr marL="114300" lvl="1" indent="-114300" algn="l" defTabSz="666750">
             <a:lnSpc>
               <a:spcPct val="90000"/>
             </a:lnSpc>
@@ -5224,14 +4260,14 @@
             <a:buChar char="•"/>
           </a:pPr>
           <a:r>
-            <a:rPr lang="en-US" sz="1200" kern="1200"/>
-            <a:t>Downtime = lost revenue. To avoid that dreaded downtime, developers are spending time working on infrastructure and configuration, and they’re also not spending that time delivering business logic. In both cases, they’re being less productive and working outside of their core competencies. Developer hiring and retention will inevitably suffer. Uptime and resiliency are also affected because people who aren’t domain experts are put in charge of determining infrastructure. It’s a self-fulfilling prophecy.</a:t>
+            <a:rPr lang="en-US" sz="1500" kern="1200" dirty="0"/>
+            <a:t>Developer hiring and retention will inevitably suffer as a result of developers focus being away from code related to business logic. </a:t>
           </a:r>
         </a:p>
       </dsp:txBody>
       <dsp:txXfrm>
-        <a:off x="6990588" y="717515"/>
-        <a:ext cx="3064668" cy="3038715"/>
+        <a:off x="6990588" y="802882"/>
+        <a:ext cx="3064668" cy="2799900"/>
       </dsp:txXfrm>
     </dsp:sp>
   </dsp:spTree>
@@ -5246,486 +4282,6 @@
       <dsp:cNvGrpSpPr/>
     </dsp:nvGrpSpPr>
     <dsp:grpSpPr/>
-    <dsp:sp modelId="{BF31C0B9-4DD8-40DE-8EE1-86BAE96BEA54}">
-      <dsp:nvSpPr>
-        <dsp:cNvPr id="0" name=""/>
-        <dsp:cNvSpPr/>
-      </dsp:nvSpPr>
-      <dsp:spPr>
-        <a:xfrm>
-          <a:off x="3143" y="187883"/>
-          <a:ext cx="3064668" cy="711700"/>
-        </a:xfrm>
-        <a:prstGeom prst="rect">
-          <a:avLst/>
-        </a:prstGeom>
-        <a:solidFill>
-          <a:schemeClr val="accent1">
-            <a:hueOff val="0"/>
-            <a:satOff val="0"/>
-            <a:lumOff val="0"/>
-            <a:alphaOff val="0"/>
-          </a:schemeClr>
-        </a:solidFill>
-        <a:ln w="12700" cap="flat" cmpd="sng" algn="ctr">
-          <a:solidFill>
-            <a:schemeClr val="accent1">
-              <a:hueOff val="0"/>
-              <a:satOff val="0"/>
-              <a:lumOff val="0"/>
-              <a:alphaOff val="0"/>
-            </a:schemeClr>
-          </a:solidFill>
-          <a:prstDash val="solid"/>
-        </a:ln>
-        <a:effectLst/>
-      </dsp:spPr>
-      <dsp:style>
-        <a:lnRef idx="2">
-          <a:scrgbClr r="0" g="0" b="0"/>
-        </a:lnRef>
-        <a:fillRef idx="1">
-          <a:scrgbClr r="0" g="0" b="0"/>
-        </a:fillRef>
-        <a:effectRef idx="1">
-          <a:scrgbClr r="0" g="0" b="0"/>
-        </a:effectRef>
-        <a:fontRef idx="minor">
-          <a:schemeClr val="lt1"/>
-        </a:fontRef>
-      </dsp:style>
-      <dsp:txBody>
-        <a:bodyPr spcFirstLastPara="0" vert="horz" wrap="square" lIns="99568" tIns="56896" rIns="99568" bIns="56896" numCol="1" spcCol="1270" anchor="ctr" anchorCtr="0">
-          <a:noAutofit/>
-        </a:bodyPr>
-        <a:lstStyle/>
-        <a:p>
-          <a:pPr marL="0" lvl="0" indent="0" algn="ctr" defTabSz="622300">
-            <a:lnSpc>
-              <a:spcPct val="90000"/>
-            </a:lnSpc>
-            <a:spcBef>
-              <a:spcPct val="0"/>
-            </a:spcBef>
-            <a:spcAft>
-              <a:spcPct val="35000"/>
-            </a:spcAft>
-            <a:buNone/>
-          </a:pPr>
-          <a:r>
-            <a:rPr lang="en-US" sz="1400" kern="1200"/>
-            <a:t>1. More engineers are working on the app instead of maintenance</a:t>
-          </a:r>
-        </a:p>
-      </dsp:txBody>
-      <dsp:txXfrm>
-        <a:off x="3143" y="187883"/>
-        <a:ext cx="3064668" cy="711700"/>
-      </dsp:txXfrm>
-    </dsp:sp>
-    <dsp:sp modelId="{D6F57729-D55B-4C45-B89B-CAFADE459B92}">
-      <dsp:nvSpPr>
-        <dsp:cNvPr id="0" name=""/>
-        <dsp:cNvSpPr/>
-      </dsp:nvSpPr>
-      <dsp:spPr>
-        <a:xfrm>
-          <a:off x="3143" y="899584"/>
-          <a:ext cx="3064668" cy="2762156"/>
-        </a:xfrm>
-        <a:prstGeom prst="rect">
-          <a:avLst/>
-        </a:prstGeom>
-        <a:solidFill>
-          <a:schemeClr val="accent1">
-            <a:alpha val="90000"/>
-            <a:tint val="40000"/>
-            <a:hueOff val="0"/>
-            <a:satOff val="0"/>
-            <a:lumOff val="0"/>
-            <a:alphaOff val="0"/>
-          </a:schemeClr>
-        </a:solidFill>
-        <a:ln w="12700" cap="flat" cmpd="sng" algn="ctr">
-          <a:solidFill>
-            <a:schemeClr val="accent1">
-              <a:alpha val="90000"/>
-              <a:tint val="40000"/>
-              <a:hueOff val="0"/>
-              <a:satOff val="0"/>
-              <a:lumOff val="0"/>
-              <a:alphaOff val="0"/>
-            </a:schemeClr>
-          </a:solidFill>
-          <a:prstDash val="solid"/>
-        </a:ln>
-        <a:effectLst/>
-      </dsp:spPr>
-      <dsp:style>
-        <a:lnRef idx="2">
-          <a:scrgbClr r="0" g="0" b="0"/>
-        </a:lnRef>
-        <a:fillRef idx="1">
-          <a:scrgbClr r="0" g="0" b="0"/>
-        </a:fillRef>
-        <a:effectRef idx="0">
-          <a:scrgbClr r="0" g="0" b="0"/>
-        </a:effectRef>
-        <a:fontRef idx="minor"/>
-      </dsp:style>
-      <dsp:txBody>
-        <a:bodyPr spcFirstLastPara="0" vert="horz" wrap="square" lIns="74676" tIns="74676" rIns="99568" bIns="112014" numCol="1" spcCol="1270" anchor="t" anchorCtr="0">
-          <a:noAutofit/>
-        </a:bodyPr>
-        <a:lstStyle/>
-        <a:p>
-          <a:pPr marL="114300" lvl="1" indent="-114300" algn="l" defTabSz="622300">
-            <a:lnSpc>
-              <a:spcPct val="90000"/>
-            </a:lnSpc>
-            <a:spcBef>
-              <a:spcPct val="0"/>
-            </a:spcBef>
-            <a:spcAft>
-              <a:spcPct val="15000"/>
-            </a:spcAft>
-            <a:buChar char="•"/>
-          </a:pPr>
-          <a:r>
-            <a:rPr lang="en-US" sz="1400" kern="1200"/>
-            <a:t>The organization has the right amount of developers devoted to driving business value and spends more time on innovation instead of undifferentiated heavy lifting. Less of the budget is spent on activities that don’t generate revenue.</a:t>
-          </a:r>
-        </a:p>
-      </dsp:txBody>
-      <dsp:txXfrm>
-        <a:off x="3143" y="899584"/>
-        <a:ext cx="3064668" cy="2762156"/>
-      </dsp:txXfrm>
-    </dsp:sp>
-    <dsp:sp modelId="{B7E5C7E3-2644-49F2-89B3-BBEA14C1E88B}">
-      <dsp:nvSpPr>
-        <dsp:cNvPr id="0" name=""/>
-        <dsp:cNvSpPr/>
-      </dsp:nvSpPr>
-      <dsp:spPr>
-        <a:xfrm>
-          <a:off x="3496865" y="187883"/>
-          <a:ext cx="3064668" cy="711700"/>
-        </a:xfrm>
-        <a:prstGeom prst="rect">
-          <a:avLst/>
-        </a:prstGeom>
-        <a:solidFill>
-          <a:schemeClr val="accent1">
-            <a:hueOff val="0"/>
-            <a:satOff val="0"/>
-            <a:lumOff val="0"/>
-            <a:alphaOff val="0"/>
-          </a:schemeClr>
-        </a:solidFill>
-        <a:ln w="12700" cap="flat" cmpd="sng" algn="ctr">
-          <a:solidFill>
-            <a:schemeClr val="accent1">
-              <a:hueOff val="0"/>
-              <a:satOff val="0"/>
-              <a:lumOff val="0"/>
-              <a:alphaOff val="0"/>
-            </a:schemeClr>
-          </a:solidFill>
-          <a:prstDash val="solid"/>
-        </a:ln>
-        <a:effectLst/>
-      </dsp:spPr>
-      <dsp:style>
-        <a:lnRef idx="2">
-          <a:scrgbClr r="0" g="0" b="0"/>
-        </a:lnRef>
-        <a:fillRef idx="1">
-          <a:scrgbClr r="0" g="0" b="0"/>
-        </a:fillRef>
-        <a:effectRef idx="1">
-          <a:scrgbClr r="0" g="0" b="0"/>
-        </a:effectRef>
-        <a:fontRef idx="minor">
-          <a:schemeClr val="lt1"/>
-        </a:fontRef>
-      </dsp:style>
-      <dsp:txBody>
-        <a:bodyPr spcFirstLastPara="0" vert="horz" wrap="square" lIns="99568" tIns="56896" rIns="99568" bIns="56896" numCol="1" spcCol="1270" anchor="ctr" anchorCtr="0">
-          <a:noAutofit/>
-        </a:bodyPr>
-        <a:lstStyle/>
-        <a:p>
-          <a:pPr marL="0" lvl="0" indent="0" algn="ctr" defTabSz="622300">
-            <a:lnSpc>
-              <a:spcPct val="90000"/>
-            </a:lnSpc>
-            <a:spcBef>
-              <a:spcPct val="0"/>
-            </a:spcBef>
-            <a:spcAft>
-              <a:spcPct val="35000"/>
-            </a:spcAft>
-            <a:buNone/>
-          </a:pPr>
-          <a:r>
-            <a:rPr lang="en-US" sz="1400" kern="1200"/>
-            <a:t>2. Developers see their code in production quickly</a:t>
-          </a:r>
-        </a:p>
-      </dsp:txBody>
-      <dsp:txXfrm>
-        <a:off x="3496865" y="187883"/>
-        <a:ext cx="3064668" cy="711700"/>
-      </dsp:txXfrm>
-    </dsp:sp>
-    <dsp:sp modelId="{AC9DBCC6-702C-49C3-A82E-E9C1A83C6205}">
-      <dsp:nvSpPr>
-        <dsp:cNvPr id="0" name=""/>
-        <dsp:cNvSpPr/>
-      </dsp:nvSpPr>
-      <dsp:spPr>
-        <a:xfrm>
-          <a:off x="3496865" y="899584"/>
-          <a:ext cx="3064668" cy="2762156"/>
-        </a:xfrm>
-        <a:prstGeom prst="rect">
-          <a:avLst/>
-        </a:prstGeom>
-        <a:solidFill>
-          <a:schemeClr val="accent1">
-            <a:alpha val="90000"/>
-            <a:tint val="40000"/>
-            <a:hueOff val="0"/>
-            <a:satOff val="0"/>
-            <a:lumOff val="0"/>
-            <a:alphaOff val="0"/>
-          </a:schemeClr>
-        </a:solidFill>
-        <a:ln w="12700" cap="flat" cmpd="sng" algn="ctr">
-          <a:solidFill>
-            <a:schemeClr val="accent1">
-              <a:alpha val="90000"/>
-              <a:tint val="40000"/>
-              <a:hueOff val="0"/>
-              <a:satOff val="0"/>
-              <a:lumOff val="0"/>
-              <a:alphaOff val="0"/>
-            </a:schemeClr>
-          </a:solidFill>
-          <a:prstDash val="solid"/>
-        </a:ln>
-        <a:effectLst/>
-      </dsp:spPr>
-      <dsp:style>
-        <a:lnRef idx="2">
-          <a:scrgbClr r="0" g="0" b="0"/>
-        </a:lnRef>
-        <a:fillRef idx="1">
-          <a:scrgbClr r="0" g="0" b="0"/>
-        </a:fillRef>
-        <a:effectRef idx="0">
-          <a:scrgbClr r="0" g="0" b="0"/>
-        </a:effectRef>
-        <a:fontRef idx="minor"/>
-      </dsp:style>
-      <dsp:txBody>
-        <a:bodyPr spcFirstLastPara="0" vert="horz" wrap="square" lIns="74676" tIns="74676" rIns="99568" bIns="112014" numCol="1" spcCol="1270" anchor="t" anchorCtr="0">
-          <a:noAutofit/>
-        </a:bodyPr>
-        <a:lstStyle/>
-        <a:p>
-          <a:pPr marL="114300" lvl="1" indent="-114300" algn="l" defTabSz="622300">
-            <a:lnSpc>
-              <a:spcPct val="90000"/>
-            </a:lnSpc>
-            <a:spcBef>
-              <a:spcPct val="0"/>
-            </a:spcBef>
-            <a:spcAft>
-              <a:spcPct val="15000"/>
-            </a:spcAft>
-            <a:buChar char="•"/>
-          </a:pPr>
-          <a:r>
-            <a:rPr lang="en-US" sz="1400" kern="1200"/>
-            <a:t>Infrastructure and deployment are fully automated. Everyone loves to see the output of their work, developers especially, and the business gets to see the benefits of this code right away. Deploying smaller chunks of code is less risky when developers can take advantage of test automation, so they have less overhead and coordination with a QA team forced to test manually.</a:t>
-          </a:r>
-        </a:p>
-      </dsp:txBody>
-      <dsp:txXfrm>
-        <a:off x="3496865" y="899584"/>
-        <a:ext cx="3064668" cy="2762156"/>
-      </dsp:txXfrm>
-    </dsp:sp>
-    <dsp:sp modelId="{C7CB6F9D-69E3-46D5-BCE8-16F5286CA3BD}">
-      <dsp:nvSpPr>
-        <dsp:cNvPr id="0" name=""/>
-        <dsp:cNvSpPr/>
-      </dsp:nvSpPr>
-      <dsp:spPr>
-        <a:xfrm>
-          <a:off x="6990588" y="187883"/>
-          <a:ext cx="3064668" cy="711700"/>
-        </a:xfrm>
-        <a:prstGeom prst="rect">
-          <a:avLst/>
-        </a:prstGeom>
-        <a:solidFill>
-          <a:schemeClr val="accent1">
-            <a:hueOff val="0"/>
-            <a:satOff val="0"/>
-            <a:lumOff val="0"/>
-            <a:alphaOff val="0"/>
-          </a:schemeClr>
-        </a:solidFill>
-        <a:ln w="12700" cap="flat" cmpd="sng" algn="ctr">
-          <a:solidFill>
-            <a:schemeClr val="accent1">
-              <a:hueOff val="0"/>
-              <a:satOff val="0"/>
-              <a:lumOff val="0"/>
-              <a:alphaOff val="0"/>
-            </a:schemeClr>
-          </a:solidFill>
-          <a:prstDash val="solid"/>
-        </a:ln>
-        <a:effectLst/>
-      </dsp:spPr>
-      <dsp:style>
-        <a:lnRef idx="2">
-          <a:scrgbClr r="0" g="0" b="0"/>
-        </a:lnRef>
-        <a:fillRef idx="1">
-          <a:scrgbClr r="0" g="0" b="0"/>
-        </a:fillRef>
-        <a:effectRef idx="1">
-          <a:scrgbClr r="0" g="0" b="0"/>
-        </a:effectRef>
-        <a:fontRef idx="minor">
-          <a:schemeClr val="lt1"/>
-        </a:fontRef>
-      </dsp:style>
-      <dsp:txBody>
-        <a:bodyPr spcFirstLastPara="0" vert="horz" wrap="square" lIns="99568" tIns="56896" rIns="99568" bIns="56896" numCol="1" spcCol="1270" anchor="ctr" anchorCtr="0">
-          <a:noAutofit/>
-        </a:bodyPr>
-        <a:lstStyle/>
-        <a:p>
-          <a:pPr marL="0" lvl="0" indent="0" algn="ctr" defTabSz="622300">
-            <a:lnSpc>
-              <a:spcPct val="90000"/>
-            </a:lnSpc>
-            <a:spcBef>
-              <a:spcPct val="0"/>
-            </a:spcBef>
-            <a:spcAft>
-              <a:spcPct val="35000"/>
-            </a:spcAft>
-            <a:buNone/>
-          </a:pPr>
-          <a:r>
-            <a:rPr lang="en-US" sz="1400" kern="1200"/>
-            <a:t>3. Developers are focused on solving business problems </a:t>
-          </a:r>
-        </a:p>
-      </dsp:txBody>
-      <dsp:txXfrm>
-        <a:off x="6990588" y="187883"/>
-        <a:ext cx="3064668" cy="711700"/>
-      </dsp:txXfrm>
-    </dsp:sp>
-    <dsp:sp modelId="{4772AB2E-73F5-4866-91BD-76F7A317CECC}">
-      <dsp:nvSpPr>
-        <dsp:cNvPr id="0" name=""/>
-        <dsp:cNvSpPr/>
-      </dsp:nvSpPr>
-      <dsp:spPr>
-        <a:xfrm>
-          <a:off x="6990588" y="899584"/>
-          <a:ext cx="3064668" cy="2762156"/>
-        </a:xfrm>
-        <a:prstGeom prst="rect">
-          <a:avLst/>
-        </a:prstGeom>
-        <a:solidFill>
-          <a:schemeClr val="accent1">
-            <a:alpha val="90000"/>
-            <a:tint val="40000"/>
-            <a:hueOff val="0"/>
-            <a:satOff val="0"/>
-            <a:lumOff val="0"/>
-            <a:alphaOff val="0"/>
-          </a:schemeClr>
-        </a:solidFill>
-        <a:ln w="12700" cap="flat" cmpd="sng" algn="ctr">
-          <a:solidFill>
-            <a:schemeClr val="accent1">
-              <a:alpha val="90000"/>
-              <a:tint val="40000"/>
-              <a:hueOff val="0"/>
-              <a:satOff val="0"/>
-              <a:lumOff val="0"/>
-              <a:alphaOff val="0"/>
-            </a:schemeClr>
-          </a:solidFill>
-          <a:prstDash val="solid"/>
-        </a:ln>
-        <a:effectLst/>
-      </dsp:spPr>
-      <dsp:style>
-        <a:lnRef idx="2">
-          <a:scrgbClr r="0" g="0" b="0"/>
-        </a:lnRef>
-        <a:fillRef idx="1">
-          <a:scrgbClr r="0" g="0" b="0"/>
-        </a:fillRef>
-        <a:effectRef idx="0">
-          <a:scrgbClr r="0" g="0" b="0"/>
-        </a:effectRef>
-        <a:fontRef idx="minor"/>
-      </dsp:style>
-      <dsp:txBody>
-        <a:bodyPr spcFirstLastPara="0" vert="horz" wrap="square" lIns="74676" tIns="74676" rIns="99568" bIns="112014" numCol="1" spcCol="1270" anchor="t" anchorCtr="0">
-          <a:noAutofit/>
-        </a:bodyPr>
-        <a:lstStyle/>
-        <a:p>
-          <a:pPr marL="114300" lvl="1" indent="-114300" algn="l" defTabSz="622300">
-            <a:lnSpc>
-              <a:spcPct val="90000"/>
-            </a:lnSpc>
-            <a:spcBef>
-              <a:spcPct val="0"/>
-            </a:spcBef>
-            <a:spcAft>
-              <a:spcPct val="15000"/>
-            </a:spcAft>
-            <a:buChar char="•"/>
-          </a:pPr>
-          <a:r>
-            <a:rPr lang="en-US" sz="1400" kern="1200"/>
-            <a:t>Code is written to be environment and cloud agnostic. Development teams own the uptime of their own services, but they are fully supported by the ops team. Ops owns the infrastructure, dev owns the service, and both teams can work according to their strengths</a:t>
-          </a:r>
-        </a:p>
-      </dsp:txBody>
-      <dsp:txXfrm>
-        <a:off x="6990588" y="899584"/>
-        <a:ext cx="3064668" cy="2762156"/>
-      </dsp:txXfrm>
-    </dsp:sp>
-  </dsp:spTree>
-</dsp:drawing>
-</file>
-
-<file path=ppt/diagrams/drawing3.xml><?xml version="1.0" encoding="utf-8"?>
-<dsp:drawing xmlns:dgm="http://schemas.openxmlformats.org/drawingml/2006/diagram" xmlns:dsp="http://schemas.microsoft.com/office/drawing/2008/diagram" xmlns:a="http://schemas.openxmlformats.org/drawingml/2006/main">
-  <dsp:spTree>
-    <dsp:nvGrpSpPr>
-      <dsp:cNvPr id="0" name=""/>
-      <dsp:cNvGrpSpPr/>
-    </dsp:nvGrpSpPr>
-    <dsp:grpSpPr/>
     <dsp:sp modelId="{E41442AB-7BB6-4881-A512-53B62B08E427}">
       <dsp:nvSpPr>
         <dsp:cNvPr id="0" name=""/>
@@ -5733,8 +4289,8 @@
       </dsp:nvSpPr>
       <dsp:spPr>
         <a:xfrm>
-          <a:off x="3781" y="89457"/>
-          <a:ext cx="2273944" cy="711599"/>
+          <a:off x="3781" y="185320"/>
+          <a:ext cx="2273944" cy="557616"/>
         </a:xfrm>
         <a:prstGeom prst="rect">
           <a:avLst/>
@@ -5799,8 +4355,8 @@
         </a:p>
       </dsp:txBody>
       <dsp:txXfrm>
-        <a:off x="3781" y="89457"/>
-        <a:ext cx="2273944" cy="711599"/>
+        <a:off x="3781" y="185320"/>
+        <a:ext cx="2273944" cy="557616"/>
       </dsp:txXfrm>
     </dsp:sp>
     <dsp:sp modelId="{3BA0F720-FF2D-4C7D-B559-64C85E7E98A2}">
@@ -5810,8 +4366,8 @@
       </dsp:nvSpPr>
       <dsp:spPr>
         <a:xfrm>
-          <a:off x="3781" y="801056"/>
-          <a:ext cx="2273944" cy="2959110"/>
+          <a:off x="3781" y="742936"/>
+          <a:ext cx="2273944" cy="2921366"/>
         </a:xfrm>
         <a:prstGeom prst="rect">
           <a:avLst/>
@@ -5872,14 +4428,22 @@
             <a:buChar char="•"/>
           </a:pPr>
           <a:r>
-            <a:rPr lang="en-US" sz="1100" kern="1200"/>
-            <a:t>Two identical companies: One implements CI/CD technology and the other doesn’t. Who do you think deploys applications faster? While this seems like a silly comparison, because of course the company with more automation deploys faster, there are organizations out there still convinced they don’t need CI/CD because they’re not looking at their competition. Organizations that understand the importance of CI/CD are setting the pace of innovation for everyone else.</a:t>
+            <a:rPr lang="en-US" sz="1100" kern="1200" dirty="0"/>
+            <a:t>The  more automation involved in the </a:t>
+          </a:r>
+          <a:r>
+            <a:rPr lang="en-US" sz="1100" kern="1200" dirty="0" err="1"/>
+            <a:t>intgegration</a:t>
+          </a:r>
+          <a:r>
+            <a:rPr lang="en-US" sz="1100" kern="1200" dirty="0"/>
+            <a:t> and deployment of code means faster turnaround times to get new business ideas into the hands of client</a:t>
           </a:r>
         </a:p>
       </dsp:txBody>
       <dsp:txXfrm>
-        <a:off x="3781" y="801056"/>
-        <a:ext cx="2273944" cy="2959110"/>
+        <a:off x="3781" y="742936"/>
+        <a:ext cx="2273944" cy="2921366"/>
       </dsp:txXfrm>
     </dsp:sp>
     <dsp:sp modelId="{E22A33B8-B857-454B-BB6A-3D2B5861EF07}">
@@ -5889,8 +4453,8 @@
       </dsp:nvSpPr>
       <dsp:spPr>
         <a:xfrm>
-          <a:off x="2596078" y="89457"/>
-          <a:ext cx="2273944" cy="711599"/>
+          <a:off x="2596078" y="185320"/>
+          <a:ext cx="2273944" cy="557616"/>
         </a:xfrm>
         <a:prstGeom prst="rect">
           <a:avLst/>
@@ -5949,14 +4513,22 @@
             <a:buNone/>
           </a:pPr>
           <a:r>
-            <a:rPr lang="en-US" sz="1100" kern="1200"/>
-            <a:t>2. Code in production is making money instead of sitting in a queue waiting to be deployed</a:t>
+            <a:rPr lang="en-US" sz="1100" kern="1200" dirty="0"/>
+            <a:t>2. Separation </a:t>
+          </a:r>
+          <a:r>
+            <a:rPr lang="en-US" sz="1100" kern="1200" dirty="0" err="1"/>
+            <a:t>fo</a:t>
+          </a:r>
+          <a:r>
+            <a:rPr lang="en-US" sz="1100" kern="1200" dirty="0"/>
+            <a:t> deployments from releases</a:t>
           </a:r>
         </a:p>
       </dsp:txBody>
       <dsp:txXfrm>
-        <a:off x="2596078" y="89457"/>
-        <a:ext cx="2273944" cy="711599"/>
+        <a:off x="2596078" y="185320"/>
+        <a:ext cx="2273944" cy="557616"/>
       </dsp:txXfrm>
     </dsp:sp>
     <dsp:sp modelId="{1ADF95D5-B1B3-48C8-86CF-1AD2DEBF6F3B}">
@@ -5966,8 +4538,8 @@
       </dsp:nvSpPr>
       <dsp:spPr>
         <a:xfrm>
-          <a:off x="2596078" y="801056"/>
-          <a:ext cx="2273944" cy="2959110"/>
+          <a:off x="2596078" y="742936"/>
+          <a:ext cx="2273944" cy="2921366"/>
         </a:xfrm>
         <a:prstGeom prst="rect">
           <a:avLst/>
@@ -6028,14 +4600,22 @@
             <a:buChar char="•"/>
           </a:pPr>
           <a:r>
-            <a:rPr lang="en-US" sz="1100" kern="1200"/>
-            <a:t>Organizations that have implemented CI/CD are making revenue on the features they deploy, not waiting for a manual check to see if the code is up to par. They already know the code is good because they have tests that are automated, and continuous delivery means that code can be deployed at any time. They’ve removed human error and delays from the process.</a:t>
+            <a:rPr lang="en-US" sz="1100" kern="1200" dirty="0"/>
+            <a:t>With good automation we can facilitate business </a:t>
+          </a:r>
+          <a:r>
+            <a:rPr lang="en-US" sz="1100" kern="1200" dirty="0" err="1"/>
+            <a:t>stakeholderto</a:t>
+          </a:r>
+          <a:r>
+            <a:rPr lang="en-US" sz="1100" kern="1200" dirty="0"/>
+            <a:t> rollout features when they are ready and teston a group of users prior to rollout</a:t>
           </a:r>
         </a:p>
       </dsp:txBody>
       <dsp:txXfrm>
-        <a:off x="2596078" y="801056"/>
-        <a:ext cx="2273944" cy="2959110"/>
+        <a:off x="2596078" y="742936"/>
+        <a:ext cx="2273944" cy="2921366"/>
       </dsp:txXfrm>
     </dsp:sp>
     <dsp:sp modelId="{E2A44C9F-54D1-4FCA-BE1A-0DDAF2A0796C}">
@@ -6045,8 +4625,8 @@
       </dsp:nvSpPr>
       <dsp:spPr>
         <a:xfrm>
-          <a:off x="5188376" y="89457"/>
-          <a:ext cx="2273944" cy="711599"/>
+          <a:off x="5188376" y="185320"/>
+          <a:ext cx="2273944" cy="557616"/>
         </a:xfrm>
         <a:prstGeom prst="rect">
           <a:avLst/>
@@ -6111,8 +4691,8 @@
         </a:p>
       </dsp:txBody>
       <dsp:txXfrm>
-        <a:off x="5188376" y="89457"/>
-        <a:ext cx="2273944" cy="711599"/>
+        <a:off x="5188376" y="185320"/>
+        <a:ext cx="2273944" cy="557616"/>
       </dsp:txXfrm>
     </dsp:sp>
     <dsp:sp modelId="{28518D65-0EA7-4447-A562-EFA4781B38DE}">
@@ -6122,8 +4702,8 @@
       </dsp:nvSpPr>
       <dsp:spPr>
         <a:xfrm>
-          <a:off x="5188376" y="801056"/>
-          <a:ext cx="2273944" cy="2959110"/>
+          <a:off x="5188376" y="742936"/>
+          <a:ext cx="2273944" cy="2921366"/>
         </a:xfrm>
         <a:prstGeom prst="rect">
           <a:avLst/>
@@ -6184,14 +4764,14 @@
             <a:buChar char="•"/>
           </a:pPr>
           <a:r>
-            <a:rPr lang="en-US" sz="1100" kern="1200"/>
+            <a:rPr lang="en-US" sz="1100" kern="1200" dirty="0"/>
             <a:t>Engineers that can focus on what they’re best at will be happier and more productive, and that has a far-reaching impact. Turnover can be expensive and disruptive. A good CI/CD strategy means engineers can work on important projects and not worry about time-consuming manual tasks. They can also work confidently knowing that errors are caught automatically, not right before deployment. This kind of cooperative engineering culture inevitably attracts talent.</a:t>
           </a:r>
         </a:p>
       </dsp:txBody>
       <dsp:txXfrm>
-        <a:off x="5188376" y="801056"/>
-        <a:ext cx="2273944" cy="2959110"/>
+        <a:off x="5188376" y="742936"/>
+        <a:ext cx="2273944" cy="2921366"/>
       </dsp:txXfrm>
     </dsp:sp>
     <dsp:sp modelId="{19E9DEB2-6C1C-48E4-954D-45ED1D67A0B7}">
@@ -6201,8 +4781,8 @@
       </dsp:nvSpPr>
       <dsp:spPr>
         <a:xfrm>
-          <a:off x="7780673" y="89457"/>
-          <a:ext cx="2273944" cy="711599"/>
+          <a:off x="7780673" y="185320"/>
+          <a:ext cx="2273944" cy="557616"/>
         </a:xfrm>
         <a:prstGeom prst="rect">
           <a:avLst/>
@@ -6267,8 +4847,8 @@
         </a:p>
       </dsp:txBody>
       <dsp:txXfrm>
-        <a:off x="7780673" y="89457"/>
-        <a:ext cx="2273944" cy="711599"/>
+        <a:off x="7780673" y="185320"/>
+        <a:ext cx="2273944" cy="557616"/>
       </dsp:txXfrm>
     </dsp:sp>
     <dsp:sp modelId="{A085F9FE-6C4E-442E-93A1-79BD0C74C402}">
@@ -6278,8 +4858,8 @@
       </dsp:nvSpPr>
       <dsp:spPr>
         <a:xfrm>
-          <a:off x="7780673" y="801056"/>
-          <a:ext cx="2273944" cy="2959110"/>
+          <a:off x="7780673" y="742936"/>
+          <a:ext cx="2273944" cy="2921366"/>
         </a:xfrm>
         <a:prstGeom prst="rect">
           <a:avLst/>
@@ -6340,21 +4920,26 @@
             <a:buChar char="•"/>
           </a:pPr>
           <a:r>
-            <a:rPr lang="en-US" sz="1100" kern="1200"/>
-            <a:t>Dev can focus on dev. Ops can focus on ops. Bad code rarely makes it to production because testing is automated. Developers can focus on the code rather than the production environment, and operations doesn’t have to feel like a gatekeeper or a barrier. Both teams can work to their strengths, and automated handoffs make for seamless processes. This kind of cooperation makes DevOps possible.</a:t>
+            <a:rPr lang="en-US" sz="1100" kern="1200" dirty="0"/>
+            <a:t>Dev can focus on dev. Ops can focus on ops. Bad code rarely makes it to production because testing is automated. Developers can focus on the code rather than the production environment, and operations doesn’t have to feel like a gatekeeper or a </a:t>
           </a:r>
+          <a:r>
+            <a:rPr lang="en-US" sz="1100" kern="1200" dirty="0" err="1"/>
+            <a:t>barrie</a:t>
+          </a:r>
+          <a:endParaRPr lang="en-US" sz="1100" kern="1200" dirty="0"/>
         </a:p>
       </dsp:txBody>
       <dsp:txXfrm>
-        <a:off x="7780673" y="801056"/>
-        <a:ext cx="2273944" cy="2959110"/>
+        <a:off x="7780673" y="742936"/>
+        <a:ext cx="2273944" cy="2921366"/>
       </dsp:txXfrm>
     </dsp:sp>
   </dsp:spTree>
 </dsp:drawing>
 </file>
 
-<file path=ppt/diagrams/drawing4.xml><?xml version="1.0" encoding="utf-8"?>
+<file path=ppt/diagrams/drawing3.xml><?xml version="1.0" encoding="utf-8"?>
 <dsp:drawing xmlns:dgm="http://schemas.openxmlformats.org/drawingml/2006/diagram" xmlns:dsp="http://schemas.microsoft.com/office/drawing/2008/diagram" xmlns:a="http://schemas.openxmlformats.org/drawingml/2006/main">
   <dsp:spTree>
     <dsp:nvGrpSpPr>
@@ -6369,8 +4954,8 @@
       </dsp:nvSpPr>
       <dsp:spPr>
         <a:xfrm>
-          <a:off x="3781" y="242873"/>
-          <a:ext cx="2273944" cy="365697"/>
+          <a:off x="3781" y="225469"/>
+          <a:ext cx="2273944" cy="474745"/>
         </a:xfrm>
         <a:prstGeom prst="rect">
           <a:avLst/>
@@ -6457,12 +5042,12 @@
         </a:fontRef>
       </dsp:style>
       <dsp:txBody>
-        <a:bodyPr spcFirstLastPara="0" vert="horz" wrap="square" lIns="71120" tIns="40640" rIns="71120" bIns="40640" numCol="1" spcCol="1270" anchor="ctr" anchorCtr="0">
+        <a:bodyPr spcFirstLastPara="0" vert="horz" wrap="square" lIns="92456" tIns="52832" rIns="92456" bIns="52832" numCol="1" spcCol="1270" anchor="ctr" anchorCtr="0">
           <a:noAutofit/>
         </a:bodyPr>
         <a:lstStyle/>
         <a:p>
-          <a:pPr marL="0" lvl="0" indent="0" algn="ctr" defTabSz="444500">
+          <a:pPr marL="0" lvl="0" indent="0" algn="ctr" defTabSz="577850">
             <a:lnSpc>
               <a:spcPct val="90000"/>
             </a:lnSpc>
@@ -6475,14 +5060,14 @@
             <a:buNone/>
           </a:pPr>
           <a:r>
-            <a:rPr lang="en-US" sz="1000" kern="1200"/>
+            <a:rPr lang="en-US" sz="1300" kern="1200"/>
             <a:t>1. Cycle time</a:t>
           </a:r>
         </a:p>
       </dsp:txBody>
       <dsp:txXfrm>
-        <a:off x="3781" y="242873"/>
-        <a:ext cx="2273944" cy="365697"/>
+        <a:off x="3781" y="225469"/>
+        <a:ext cx="2273944" cy="474745"/>
       </dsp:txXfrm>
     </dsp:sp>
     <dsp:sp modelId="{7A19D3A2-EC14-4A74-8B0F-F96A29B6946B}">
@@ -6492,8 +5077,8 @@
       </dsp:nvSpPr>
       <dsp:spPr>
         <a:xfrm>
-          <a:off x="3781" y="608570"/>
-          <a:ext cx="2273944" cy="2998180"/>
+          <a:off x="3781" y="700215"/>
+          <a:ext cx="2273944" cy="2923939"/>
         </a:xfrm>
         <a:prstGeom prst="rect">
           <a:avLst/>
@@ -6542,12 +5127,12 @@
         <a:fontRef idx="minor"/>
       </dsp:style>
       <dsp:txBody>
-        <a:bodyPr spcFirstLastPara="0" vert="horz" wrap="square" lIns="53340" tIns="53340" rIns="71120" bIns="80010" numCol="1" spcCol="1270" anchor="t" anchorCtr="0">
+        <a:bodyPr spcFirstLastPara="0" vert="horz" wrap="square" lIns="69342" tIns="69342" rIns="92456" bIns="104013" numCol="1" spcCol="1270" anchor="t" anchorCtr="0">
           <a:noAutofit/>
         </a:bodyPr>
         <a:lstStyle/>
         <a:p>
-          <a:pPr marL="57150" lvl="1" indent="-57150" algn="l" defTabSz="444500">
+          <a:pPr marL="114300" lvl="1" indent="-114300" algn="l" defTabSz="577850">
             <a:lnSpc>
               <a:spcPct val="90000"/>
             </a:lnSpc>
@@ -6560,14 +5145,14 @@
             <a:buChar char="•"/>
           </a:pPr>
           <a:r>
-            <a:rPr lang="en-US" sz="1000" kern="1200"/>
-            <a:t>Cycle time is the speed at which a DevOps team can deliver a functional application, from the moment work begins to when it is providing value to an end user. See how the team at Axway was able to achieve a 26x faster DevOps cycle with GitLab.</a:t>
+            <a:rPr lang="en-US" sz="1300" kern="1200" dirty="0"/>
+            <a:t>Cycle time is the speed at which a DevOps team can deliver a functional application, from the moment work begins to when it is providing value to an end user. </a:t>
           </a:r>
         </a:p>
       </dsp:txBody>
       <dsp:txXfrm>
-        <a:off x="3781" y="608570"/>
-        <a:ext cx="2273944" cy="2998180"/>
+        <a:off x="3781" y="700215"/>
+        <a:ext cx="2273944" cy="2923939"/>
       </dsp:txXfrm>
     </dsp:sp>
     <dsp:sp modelId="{F51312B4-F4C6-42AA-876C-1DC0D6741447}">
@@ -6577,8 +5162,8 @@
       </dsp:nvSpPr>
       <dsp:spPr>
         <a:xfrm>
-          <a:off x="2596078" y="242873"/>
-          <a:ext cx="2273944" cy="365697"/>
+          <a:off x="2596078" y="225469"/>
+          <a:ext cx="2273944" cy="474745"/>
         </a:xfrm>
         <a:prstGeom prst="rect">
           <a:avLst/>
@@ -6665,12 +5250,12 @@
         </a:fontRef>
       </dsp:style>
       <dsp:txBody>
-        <a:bodyPr spcFirstLastPara="0" vert="horz" wrap="square" lIns="71120" tIns="40640" rIns="71120" bIns="40640" numCol="1" spcCol="1270" anchor="ctr" anchorCtr="0">
+        <a:bodyPr spcFirstLastPara="0" vert="horz" wrap="square" lIns="92456" tIns="52832" rIns="92456" bIns="52832" numCol="1" spcCol="1270" anchor="ctr" anchorCtr="0">
           <a:noAutofit/>
         </a:bodyPr>
         <a:lstStyle/>
         <a:p>
-          <a:pPr marL="0" lvl="0" indent="0" algn="ctr" defTabSz="444500">
+          <a:pPr marL="0" lvl="0" indent="0" algn="ctr" defTabSz="577850">
             <a:lnSpc>
               <a:spcPct val="90000"/>
             </a:lnSpc>
@@ -6683,14 +5268,14 @@
             <a:buNone/>
           </a:pPr>
           <a:r>
-            <a:rPr lang="en-US" sz="1000" kern="1200"/>
+            <a:rPr lang="en-US" sz="1300" kern="1200"/>
             <a:t>2. Time to value</a:t>
           </a:r>
         </a:p>
       </dsp:txBody>
       <dsp:txXfrm>
-        <a:off x="2596078" y="242873"/>
-        <a:ext cx="2273944" cy="365697"/>
+        <a:off x="2596078" y="225469"/>
+        <a:ext cx="2273944" cy="474745"/>
       </dsp:txXfrm>
     </dsp:sp>
     <dsp:sp modelId="{92BFDA70-A88E-4A27-B087-0188CF84B1AF}">
@@ -6700,8 +5285,8 @@
       </dsp:nvSpPr>
       <dsp:spPr>
         <a:xfrm>
-          <a:off x="2596078" y="608570"/>
-          <a:ext cx="2273944" cy="2998180"/>
+          <a:off x="2596078" y="700215"/>
+          <a:ext cx="2273944" cy="2923939"/>
         </a:xfrm>
         <a:prstGeom prst="rect">
           <a:avLst/>
@@ -6750,12 +5335,12 @@
         <a:fontRef idx="minor"/>
       </dsp:style>
       <dsp:txBody>
-        <a:bodyPr spcFirstLastPara="0" vert="horz" wrap="square" lIns="53340" tIns="53340" rIns="71120" bIns="80010" numCol="1" spcCol="1270" anchor="t" anchorCtr="0">
+        <a:bodyPr spcFirstLastPara="0" vert="horz" wrap="square" lIns="69342" tIns="69342" rIns="92456" bIns="104013" numCol="1" spcCol="1270" anchor="t" anchorCtr="0">
           <a:noAutofit/>
         </a:bodyPr>
         <a:lstStyle/>
         <a:p>
-          <a:pPr marL="57150" lvl="1" indent="-57150" algn="l" defTabSz="444500">
+          <a:pPr marL="114300" lvl="1" indent="-114300" algn="l" defTabSz="577850">
             <a:lnSpc>
               <a:spcPct val="90000"/>
             </a:lnSpc>
@@ -6768,14 +5353,14 @@
             <a:buChar char="•"/>
           </a:pPr>
           <a:r>
-            <a:rPr lang="en-US" sz="1000" kern="1200"/>
+            <a:rPr lang="en-US" sz="1300" kern="1200"/>
             <a:t>Once code is written, how long before it’s released? This delay from when code is written to running in production is the time to value, and is a bottleneck for many organizations. Continuous delivery as well as examining trends in the QA process can help to overcome this barrier to quick deployments.</a:t>
           </a:r>
         </a:p>
       </dsp:txBody>
       <dsp:txXfrm>
-        <a:off x="2596078" y="608570"/>
-        <a:ext cx="2273944" cy="2998180"/>
+        <a:off x="2596078" y="700215"/>
+        <a:ext cx="2273944" cy="2923939"/>
       </dsp:txXfrm>
     </dsp:sp>
     <dsp:sp modelId="{092A5867-F39B-48C3-81CE-2898F58B0AFD}">
@@ -6785,8 +5370,8 @@
       </dsp:nvSpPr>
       <dsp:spPr>
         <a:xfrm>
-          <a:off x="5188376" y="242873"/>
-          <a:ext cx="2273944" cy="365697"/>
+          <a:off x="5188376" y="225469"/>
+          <a:ext cx="2273944" cy="474745"/>
         </a:xfrm>
         <a:prstGeom prst="rect">
           <a:avLst/>
@@ -6873,12 +5458,12 @@
         </a:fontRef>
       </dsp:style>
       <dsp:txBody>
-        <a:bodyPr spcFirstLastPara="0" vert="horz" wrap="square" lIns="71120" tIns="40640" rIns="71120" bIns="40640" numCol="1" spcCol="1270" anchor="ctr" anchorCtr="0">
+        <a:bodyPr spcFirstLastPara="0" vert="horz" wrap="square" lIns="92456" tIns="52832" rIns="92456" bIns="52832" numCol="1" spcCol="1270" anchor="ctr" anchorCtr="0">
           <a:noAutofit/>
         </a:bodyPr>
         <a:lstStyle/>
         <a:p>
-          <a:pPr marL="0" lvl="0" indent="0" algn="ctr" defTabSz="444500">
+          <a:pPr marL="0" lvl="0" indent="0" algn="ctr" defTabSz="577850">
             <a:lnSpc>
               <a:spcPct val="90000"/>
             </a:lnSpc>
@@ -6891,14 +5476,14 @@
             <a:buNone/>
           </a:pPr>
           <a:r>
-            <a:rPr lang="en-US" sz="1000" kern="1200"/>
+            <a:rPr lang="en-US" sz="1300" kern="1200"/>
             <a:t>3. Uptime, error rate, infrastructure costs</a:t>
           </a:r>
         </a:p>
       </dsp:txBody>
       <dsp:txXfrm>
-        <a:off x="5188376" y="242873"/>
-        <a:ext cx="2273944" cy="365697"/>
+        <a:off x="5188376" y="225469"/>
+        <a:ext cx="2273944" cy="474745"/>
       </dsp:txXfrm>
     </dsp:sp>
     <dsp:sp modelId="{6EB0BE60-6433-422C-A021-BB7E49AC0861}">
@@ -6908,8 +5493,8 @@
       </dsp:nvSpPr>
       <dsp:spPr>
         <a:xfrm>
-          <a:off x="5188376" y="608570"/>
-          <a:ext cx="2273944" cy="2998180"/>
+          <a:off x="5188376" y="700215"/>
+          <a:ext cx="2273944" cy="2923939"/>
         </a:xfrm>
         <a:prstGeom prst="rect">
           <a:avLst/>
@@ -6958,12 +5543,12 @@
         <a:fontRef idx="minor"/>
       </dsp:style>
       <dsp:txBody>
-        <a:bodyPr spcFirstLastPara="0" vert="horz" wrap="square" lIns="53340" tIns="53340" rIns="71120" bIns="80010" numCol="1" spcCol="1270" anchor="t" anchorCtr="0">
+        <a:bodyPr spcFirstLastPara="0" vert="horz" wrap="square" lIns="69342" tIns="69342" rIns="92456" bIns="104013" numCol="1" spcCol="1270" anchor="t" anchorCtr="0">
           <a:noAutofit/>
         </a:bodyPr>
         <a:lstStyle/>
         <a:p>
-          <a:pPr marL="57150" lvl="1" indent="-57150" algn="l" defTabSz="444500">
+          <a:pPr marL="114300" lvl="1" indent="-114300" algn="l" defTabSz="577850">
             <a:lnSpc>
               <a:spcPct val="90000"/>
             </a:lnSpc>
@@ -6976,14 +5561,14 @@
             <a:buChar char="•"/>
           </a:pPr>
           <a:r>
-            <a:rPr lang="en-US" sz="1000" kern="1200"/>
+            <a:rPr lang="en-US" sz="1300" kern="1200" dirty="0"/>
             <a:t>Uptime is one of the biggest priorities for the ops team, and with a good CI/CD strategy that automates different processes, they should be able to focus more on that goal. Likewise, error rates and infrastructure costs can be easily measured once CI/CD is put in place. Operations goals are a key indicator of process success.</a:t>
           </a:r>
         </a:p>
       </dsp:txBody>
       <dsp:txXfrm>
-        <a:off x="5188376" y="608570"/>
-        <a:ext cx="2273944" cy="2998180"/>
+        <a:off x="5188376" y="700215"/>
+        <a:ext cx="2273944" cy="2923939"/>
       </dsp:txXfrm>
     </dsp:sp>
     <dsp:sp modelId="{9129F087-4D4B-4554-874C-BC34DA60F5DA}">
@@ -6993,8 +5578,8 @@
       </dsp:nvSpPr>
       <dsp:spPr>
         <a:xfrm>
-          <a:off x="7780673" y="242873"/>
-          <a:ext cx="2273944" cy="365697"/>
+          <a:off x="7780673" y="225469"/>
+          <a:ext cx="2273944" cy="474745"/>
         </a:xfrm>
         <a:prstGeom prst="rect">
           <a:avLst/>
@@ -7081,12 +5666,12 @@
         </a:fontRef>
       </dsp:style>
       <dsp:txBody>
-        <a:bodyPr spcFirstLastPara="0" vert="horz" wrap="square" lIns="71120" tIns="40640" rIns="71120" bIns="40640" numCol="1" spcCol="1270" anchor="ctr" anchorCtr="0">
+        <a:bodyPr spcFirstLastPara="0" vert="horz" wrap="square" lIns="92456" tIns="52832" rIns="92456" bIns="52832" numCol="1" spcCol="1270" anchor="ctr" anchorCtr="0">
           <a:noAutofit/>
         </a:bodyPr>
         <a:lstStyle/>
         <a:p>
-          <a:pPr marL="0" lvl="0" indent="0" algn="ctr" defTabSz="444500">
+          <a:pPr marL="0" lvl="0" indent="0" algn="ctr" defTabSz="577850">
             <a:lnSpc>
               <a:spcPct val="90000"/>
             </a:lnSpc>
@@ -7099,14 +5684,14 @@
             <a:buNone/>
           </a:pPr>
           <a:r>
-            <a:rPr lang="en-US" sz="1000" kern="1200"/>
+            <a:rPr lang="en-US" sz="1300" kern="1200"/>
             <a:t>4. Team retention rate</a:t>
           </a:r>
         </a:p>
       </dsp:txBody>
       <dsp:txXfrm>
-        <a:off x="7780673" y="242873"/>
-        <a:ext cx="2273944" cy="365697"/>
+        <a:off x="7780673" y="225469"/>
+        <a:ext cx="2273944" cy="474745"/>
       </dsp:txXfrm>
     </dsp:sp>
     <dsp:sp modelId="{1B8644D2-EA15-45CB-B632-29DC791EAF74}">
@@ -7116,8 +5701,8 @@
       </dsp:nvSpPr>
       <dsp:spPr>
         <a:xfrm>
-          <a:off x="7780673" y="608570"/>
-          <a:ext cx="2273944" cy="2998180"/>
+          <a:off x="7780673" y="700215"/>
+          <a:ext cx="2273944" cy="2923939"/>
         </a:xfrm>
         <a:prstGeom prst="rect">
           <a:avLst/>
@@ -7166,12 +5751,12 @@
         <a:fontRef idx="minor"/>
       </dsp:style>
       <dsp:txBody>
-        <a:bodyPr spcFirstLastPara="0" vert="horz" wrap="square" lIns="53340" tIns="53340" rIns="71120" bIns="80010" numCol="1" spcCol="1270" anchor="t" anchorCtr="0">
+        <a:bodyPr spcFirstLastPara="0" vert="horz" wrap="square" lIns="69342" tIns="69342" rIns="92456" bIns="104013" numCol="1" spcCol="1270" anchor="t" anchorCtr="0">
           <a:noAutofit/>
         </a:bodyPr>
         <a:lstStyle/>
         <a:p>
-          <a:pPr marL="57150" lvl="1" indent="-57150" algn="l" defTabSz="444500">
+          <a:pPr marL="114300" lvl="1" indent="-114300" algn="l" defTabSz="577850">
             <a:lnSpc>
               <a:spcPct val="90000"/>
             </a:lnSpc>
@@ -7184,12 +5769,12 @@
             <a:buChar char="•"/>
           </a:pPr>
           <a:r>
-            <a:rPr lang="en-US" sz="1000" kern="1200"/>
-            <a:t>Happy developers stick around, so looking at retention rates is a reliable way to gauge how well new </a:t>
+            <a:rPr lang="en-US" sz="1300" kern="1200" dirty="0"/>
+            <a:t>Developers who are able to focus on their primary role, writing code, are much more likely to stick around.</a:t>
           </a:r>
         </a:p>
         <a:p>
-          <a:pPr marL="57150" lvl="1" indent="-57150" algn="l" defTabSz="444500">
+          <a:pPr marL="114300" lvl="1" indent="-114300" algn="l" defTabSz="577850">
             <a:lnSpc>
               <a:spcPct val="90000"/>
             </a:lnSpc>
@@ -7202,14 +5787,22 @@
             <a:buChar char="•"/>
           </a:pPr>
           <a:r>
-            <a:rPr lang="en-US" sz="1000" kern="1200"/>
-            <a:t>processes and applications are working for the team. It might be tough for developers to speak up if they don’t like how things are going, but looking at retention rates can be one step in identifying potential problems.The benefits of a good CI/CD strategy are felt throughout an organization: From HR to operations, teams work better and achieve goals. In such a competitive development landscape, having the right CI/CD in place gives any company an edge.</a:t>
+            <a:rPr lang="en-US" sz="1300" kern="1200" dirty="0"/>
+            <a:t>Building a time with a high retention ate allows us to delivery bigger </a:t>
+          </a:r>
+          <a:r>
+            <a:rPr lang="en-US" sz="1300" kern="1200" dirty="0" err="1"/>
+            <a:t>andbetter</a:t>
+          </a:r>
+          <a:r>
+            <a:rPr lang="en-US" sz="1300" kern="1200" dirty="0"/>
+            <a:t> features as we have a team with years of experience in our product and product domain.</a:t>
           </a:r>
         </a:p>
       </dsp:txBody>
       <dsp:txXfrm>
-        <a:off x="7780673" y="608570"/>
-        <a:ext cx="2273944" cy="2998180"/>
+        <a:off x="7780673" y="700215"/>
+        <a:ext cx="2273944" cy="2923939"/>
       </dsp:txXfrm>
     </dsp:sp>
   </dsp:spTree>
@@ -7867,223 +6460,6 @@
 </dgm:layoutDef>
 </file>
 
-<file path=ppt/diagrams/layout4.xml><?xml version="1.0" encoding="utf-8"?>
-<dgm:layoutDef xmlns:dgm="http://schemas.openxmlformats.org/drawingml/2006/diagram" xmlns:a="http://schemas.openxmlformats.org/drawingml/2006/main" uniqueId="urn:microsoft.com/office/officeart/2005/8/layout/hList1">
-  <dgm:title val=""/>
-  <dgm:desc val=""/>
-  <dgm:catLst>
-    <dgm:cat type="list" pri="5000"/>
-    <dgm:cat type="convert" pri="5000"/>
-  </dgm:catLst>
-  <dgm:sampData>
-    <dgm:dataModel>
-      <dgm:ptLst>
-        <dgm:pt modelId="0" type="doc"/>
-        <dgm:pt modelId="1">
-          <dgm:prSet phldr="1"/>
-        </dgm:pt>
-        <dgm:pt modelId="11">
-          <dgm:prSet phldr="1"/>
-        </dgm:pt>
-        <dgm:pt modelId="12">
-          <dgm:prSet phldr="1"/>
-        </dgm:pt>
-        <dgm:pt modelId="2">
-          <dgm:prSet phldr="1"/>
-        </dgm:pt>
-        <dgm:pt modelId="21">
-          <dgm:prSet phldr="1"/>
-        </dgm:pt>
-        <dgm:pt modelId="22">
-          <dgm:prSet phldr="1"/>
-        </dgm:pt>
-        <dgm:pt modelId="3">
-          <dgm:prSet phldr="1"/>
-        </dgm:pt>
-        <dgm:pt modelId="31">
-          <dgm:prSet phldr="1"/>
-        </dgm:pt>
-        <dgm:pt modelId="32">
-          <dgm:prSet phldr="1"/>
-        </dgm:pt>
-      </dgm:ptLst>
-      <dgm:cxnLst>
-        <dgm:cxn modelId="4" srcId="0" destId="1" srcOrd="0" destOrd="0"/>
-        <dgm:cxn modelId="5" srcId="0" destId="2" srcOrd="1" destOrd="0"/>
-        <dgm:cxn modelId="6" srcId="0" destId="3" srcOrd="2" destOrd="0"/>
-        <dgm:cxn modelId="13" srcId="1" destId="11" srcOrd="0" destOrd="0"/>
-        <dgm:cxn modelId="14" srcId="1" destId="12" srcOrd="1" destOrd="0"/>
-        <dgm:cxn modelId="23" srcId="2" destId="21" srcOrd="0" destOrd="0"/>
-        <dgm:cxn modelId="24" srcId="2" destId="22" srcOrd="1" destOrd="0"/>
-        <dgm:cxn modelId="33" srcId="3" destId="31" srcOrd="0" destOrd="0"/>
-        <dgm:cxn modelId="34" srcId="3" destId="32" srcOrd="1" destOrd="0"/>
-      </dgm:cxnLst>
-      <dgm:bg/>
-      <dgm:whole/>
-    </dgm:dataModel>
-  </dgm:sampData>
-  <dgm:styleData>
-    <dgm:dataModel>
-      <dgm:ptLst>
-        <dgm:pt modelId="0" type="doc"/>
-        <dgm:pt modelId="1">
-          <dgm:prSet phldr="1"/>
-        </dgm:pt>
-        <dgm:pt modelId="2">
-          <dgm:prSet phldr="1"/>
-        </dgm:pt>
-      </dgm:ptLst>
-      <dgm:cxnLst>
-        <dgm:cxn modelId="3" srcId="0" destId="1" srcOrd="0" destOrd="0"/>
-        <dgm:cxn modelId="4" srcId="0" destId="2" srcOrd="1" destOrd="0"/>
-      </dgm:cxnLst>
-      <dgm:bg/>
-      <dgm:whole/>
-    </dgm:dataModel>
-  </dgm:styleData>
-  <dgm:clrData>
-    <dgm:dataModel>
-      <dgm:ptLst>
-        <dgm:pt modelId="0" type="doc"/>
-        <dgm:pt modelId="1">
-          <dgm:prSet phldr="1"/>
-        </dgm:pt>
-        <dgm:pt modelId="2">
-          <dgm:prSet phldr="1"/>
-        </dgm:pt>
-        <dgm:pt modelId="3">
-          <dgm:prSet phldr="1"/>
-        </dgm:pt>
-        <dgm:pt modelId="4">
-          <dgm:prSet phldr="1"/>
-        </dgm:pt>
-      </dgm:ptLst>
-      <dgm:cxnLst>
-        <dgm:cxn modelId="5" srcId="0" destId="1" srcOrd="0" destOrd="0"/>
-        <dgm:cxn modelId="6" srcId="0" destId="2" srcOrd="1" destOrd="0"/>
-        <dgm:cxn modelId="7" srcId="0" destId="3" srcOrd="2" destOrd="0"/>
-        <dgm:cxn modelId="8" srcId="0" destId="4" srcOrd="3" destOrd="0"/>
-      </dgm:cxnLst>
-      <dgm:bg/>
-      <dgm:whole/>
-    </dgm:dataModel>
-  </dgm:clrData>
-  <dgm:layoutNode name="Name0">
-    <dgm:varLst>
-      <dgm:dir/>
-      <dgm:animLvl val="lvl"/>
-      <dgm:resizeHandles val="exact"/>
-    </dgm:varLst>
-    <dgm:choose name="Name1">
-      <dgm:if name="Name2" func="var" arg="dir" op="equ" val="norm">
-        <dgm:alg type="lin"/>
-      </dgm:if>
-      <dgm:else name="Name3">
-        <dgm:alg type="lin">
-          <dgm:param type="linDir" val="fromR"/>
-        </dgm:alg>
-      </dgm:else>
-    </dgm:choose>
-    <dgm:shape xmlns:r="http://schemas.openxmlformats.org/officeDocument/2006/relationships" r:blip="">
-      <dgm:adjLst/>
-    </dgm:shape>
-    <dgm:presOf/>
-    <dgm:constrLst>
-      <dgm:constr type="h" for="ch" forName="composite" refType="h"/>
-      <dgm:constr type="w" for="ch" forName="composite" refType="w"/>
-      <dgm:constr type="w" for="des" forName="parTx"/>
-      <dgm:constr type="h" for="des" forName="parTx" op="equ"/>
-      <dgm:constr type="w" for="des" forName="desTx"/>
-      <dgm:constr type="h" for="des" forName="desTx" op="equ"/>
-      <dgm:constr type="primFontSz" for="des" forName="parTx" val="65"/>
-      <dgm:constr type="secFontSz" for="des" forName="desTx" refType="primFontSz" refFor="des" refForName="parTx" op="equ"/>
-      <dgm:constr type="h" for="des" forName="parTx" refType="primFontSz" refFor="des" refForName="parTx" fact="0.8"/>
-      <dgm:constr type="h" for="des" forName="desTx" refType="primFontSz" refFor="des" refForName="parTx" fact="1.22"/>
-      <dgm:constr type="w" for="ch" forName="space" refType="w" refFor="ch" refForName="composite" op="equ" fact="0.14"/>
-    </dgm:constrLst>
-    <dgm:ruleLst>
-      <dgm:rule type="w" for="ch" forName="composite" val="0" fact="NaN" max="NaN"/>
-      <dgm:rule type="primFontSz" for="des" forName="parTx" val="5" fact="NaN" max="NaN"/>
-    </dgm:ruleLst>
-    <dgm:forEach name="Name4" axis="ch" ptType="node">
-      <dgm:layoutNode name="composite">
-        <dgm:alg type="composite"/>
-        <dgm:shape xmlns:r="http://schemas.openxmlformats.org/officeDocument/2006/relationships" r:blip="">
-          <dgm:adjLst/>
-        </dgm:shape>
-        <dgm:presOf/>
-        <dgm:constrLst>
-          <dgm:constr type="l" for="ch" forName="parTx"/>
-          <dgm:constr type="w" for="ch" forName="parTx" refType="w"/>
-          <dgm:constr type="t" for="ch" forName="parTx"/>
-          <dgm:constr type="l" for="ch" forName="desTx"/>
-          <dgm:constr type="w" for="ch" forName="desTx" refType="w" refFor="ch" refForName="parTx"/>
-          <dgm:constr type="t" for="ch" forName="desTx" refType="h" refFor="ch" refForName="parTx"/>
-        </dgm:constrLst>
-        <dgm:ruleLst>
-          <dgm:rule type="h" val="INF" fact="NaN" max="NaN"/>
-        </dgm:ruleLst>
-        <dgm:layoutNode name="parTx" styleLbl="alignNode1">
-          <dgm:varLst>
-            <dgm:chMax val="0"/>
-            <dgm:chPref val="0"/>
-            <dgm:bulletEnabled val="1"/>
-          </dgm:varLst>
-          <dgm:alg type="tx"/>
-          <dgm:shape xmlns:r="http://schemas.openxmlformats.org/officeDocument/2006/relationships" type="rect" r:blip="">
-            <dgm:adjLst/>
-          </dgm:shape>
-          <dgm:presOf axis="self" ptType="node"/>
-          <dgm:constrLst>
-            <dgm:constr type="h" refType="w" op="lte" fact="0.4"/>
-            <dgm:constr type="h"/>
-            <dgm:constr type="tMarg" refType="primFontSz" fact="0.32"/>
-            <dgm:constr type="bMarg" refType="primFontSz" fact="0.32"/>
-          </dgm:constrLst>
-          <dgm:ruleLst>
-            <dgm:rule type="h" val="INF" fact="NaN" max="NaN"/>
-          </dgm:ruleLst>
-        </dgm:layoutNode>
-        <dgm:layoutNode name="desTx" styleLbl="alignAccFollowNode1">
-          <dgm:varLst>
-            <dgm:bulletEnabled val="1"/>
-          </dgm:varLst>
-          <dgm:alg type="tx">
-            <dgm:param type="stBulletLvl" val="1"/>
-          </dgm:alg>
-          <dgm:shape xmlns:r="http://schemas.openxmlformats.org/officeDocument/2006/relationships" type="rect" r:blip="">
-            <dgm:adjLst/>
-          </dgm:shape>
-          <dgm:presOf axis="des" ptType="node"/>
-          <dgm:constrLst>
-            <dgm:constr type="secFontSz" val="65"/>
-            <dgm:constr type="primFontSz" refType="secFontSz"/>
-            <dgm:constr type="h"/>
-            <dgm:constr type="lMarg" refType="primFontSz" fact="0.42"/>
-            <dgm:constr type="tMarg" refType="primFontSz" fact="0.42"/>
-            <dgm:constr type="bMarg" refType="primFontSz" fact="0.63"/>
-          </dgm:constrLst>
-          <dgm:ruleLst>
-            <dgm:rule type="h" val="INF" fact="NaN" max="NaN"/>
-          </dgm:ruleLst>
-        </dgm:layoutNode>
-      </dgm:layoutNode>
-      <dgm:forEach name="Name5" axis="followSib" ptType="sibTrans" cnt="1">
-        <dgm:layoutNode name="space">
-          <dgm:alg type="sp"/>
-          <dgm:shape xmlns:r="http://schemas.openxmlformats.org/officeDocument/2006/relationships" r:blip="">
-            <dgm:adjLst/>
-          </dgm:shape>
-          <dgm:presOf/>
-          <dgm:constrLst/>
-          <dgm:ruleLst/>
-        </dgm:layoutNode>
-      </dgm:forEach>
-    </dgm:forEach>
-  </dgm:layoutNode>
-</dgm:layoutDef>
-</file>
-
 <file path=ppt/diagrams/quickStyle1.xml><?xml version="1.0" encoding="utf-8"?>
 <dgm:styleDef xmlns:dgm="http://schemas.openxmlformats.org/drawingml/2006/diagram" xmlns:a="http://schemas.openxmlformats.org/drawingml/2006/main" uniqueId="urn:microsoft.com/office/officeart/2005/8/quickstyle/simple2">
   <dgm:title val=""/>
@@ -10153,1040 +8529,6 @@
 </file>
 
 <file path=ppt/diagrams/quickStyle3.xml><?xml version="1.0" encoding="utf-8"?>
-<dgm:styleDef xmlns:dgm="http://schemas.openxmlformats.org/drawingml/2006/diagram" xmlns:a="http://schemas.openxmlformats.org/drawingml/2006/main" uniqueId="urn:microsoft.com/office/officeart/2005/8/quickstyle/simple2">
-  <dgm:title val=""/>
-  <dgm:desc val=""/>
-  <dgm:catLst>
-    <dgm:cat type="simple" pri="10200"/>
-  </dgm:catLst>
-  <dgm:scene3d>
-    <a:camera prst="orthographicFront"/>
-    <a:lightRig rig="threePt" dir="t"/>
-  </dgm:scene3d>
-  <dgm:styleLbl name="node0">
-    <dgm:scene3d>
-      <a:camera prst="orthographicFront"/>
-      <a:lightRig rig="threePt" dir="t"/>
-    </dgm:scene3d>
-    <dgm:sp3d/>
-    <dgm:txPr/>
-    <dgm:style>
-      <a:lnRef idx="3">
-        <a:scrgbClr r="0" g="0" b="0"/>
-      </a:lnRef>
-      <a:fillRef idx="1">
-        <a:scrgbClr r="0" g="0" b="0"/>
-      </a:fillRef>
-      <a:effectRef idx="1">
-        <a:scrgbClr r="0" g="0" b="0"/>
-      </a:effectRef>
-      <a:fontRef idx="minor">
-        <a:schemeClr val="lt1"/>
-      </a:fontRef>
-    </dgm:style>
-  </dgm:styleLbl>
-  <dgm:styleLbl name="lnNode1">
-    <dgm:scene3d>
-      <a:camera prst="orthographicFront"/>
-      <a:lightRig rig="threePt" dir="t"/>
-    </dgm:scene3d>
-    <dgm:sp3d/>
-    <dgm:txPr/>
-    <dgm:style>
-      <a:lnRef idx="3">
-        <a:scrgbClr r="0" g="0" b="0"/>
-      </a:lnRef>
-      <a:fillRef idx="1">
-        <a:scrgbClr r="0" g="0" b="0"/>
-      </a:fillRef>
-      <a:effectRef idx="1">
-        <a:scrgbClr r="0" g="0" b="0"/>
-      </a:effectRef>
-      <a:fontRef idx="minor">
-        <a:schemeClr val="lt1"/>
-      </a:fontRef>
-    </dgm:style>
-  </dgm:styleLbl>
-  <dgm:styleLbl name="vennNode1">
-    <dgm:scene3d>
-      <a:camera prst="orthographicFront"/>
-      <a:lightRig rig="threePt" dir="t"/>
-    </dgm:scene3d>
-    <dgm:sp3d/>
-    <dgm:txPr/>
-    <dgm:style>
-      <a:lnRef idx="3">
-        <a:scrgbClr r="0" g="0" b="0"/>
-      </a:lnRef>
-      <a:fillRef idx="1">
-        <a:scrgbClr r="0" g="0" b="0"/>
-      </a:fillRef>
-      <a:effectRef idx="0">
-        <a:scrgbClr r="0" g="0" b="0"/>
-      </a:effectRef>
-      <a:fontRef idx="minor">
-        <a:schemeClr val="tx1"/>
-      </a:fontRef>
-    </dgm:style>
-  </dgm:styleLbl>
-  <dgm:styleLbl name="alignNode1">
-    <dgm:scene3d>
-      <a:camera prst="orthographicFront"/>
-      <a:lightRig rig="threePt" dir="t"/>
-    </dgm:scene3d>
-    <dgm:sp3d/>
-    <dgm:txPr/>
-    <dgm:style>
-      <a:lnRef idx="2">
-        <a:scrgbClr r="0" g="0" b="0"/>
-      </a:lnRef>
-      <a:fillRef idx="1">
-        <a:scrgbClr r="0" g="0" b="0"/>
-      </a:fillRef>
-      <a:effectRef idx="1">
-        <a:scrgbClr r="0" g="0" b="0"/>
-      </a:effectRef>
-      <a:fontRef idx="minor">
-        <a:schemeClr val="lt1"/>
-      </a:fontRef>
-    </dgm:style>
-  </dgm:styleLbl>
-  <dgm:styleLbl name="node1">
-    <dgm:scene3d>
-      <a:camera prst="orthographicFront"/>
-      <a:lightRig rig="threePt" dir="t"/>
-    </dgm:scene3d>
-    <dgm:sp3d/>
-    <dgm:txPr/>
-    <dgm:style>
-      <a:lnRef idx="3">
-        <a:scrgbClr r="0" g="0" b="0"/>
-      </a:lnRef>
-      <a:fillRef idx="1">
-        <a:scrgbClr r="0" g="0" b="0"/>
-      </a:fillRef>
-      <a:effectRef idx="1">
-        <a:scrgbClr r="0" g="0" b="0"/>
-      </a:effectRef>
-      <a:fontRef idx="minor">
-        <a:schemeClr val="lt1"/>
-      </a:fontRef>
-    </dgm:style>
-  </dgm:styleLbl>
-  <dgm:styleLbl name="node2">
-    <dgm:scene3d>
-      <a:camera prst="orthographicFront"/>
-      <a:lightRig rig="threePt" dir="t"/>
-    </dgm:scene3d>
-    <dgm:sp3d/>
-    <dgm:txPr/>
-    <dgm:style>
-      <a:lnRef idx="3">
-        <a:scrgbClr r="0" g="0" b="0"/>
-      </a:lnRef>
-      <a:fillRef idx="1">
-        <a:scrgbClr r="0" g="0" b="0"/>
-      </a:fillRef>
-      <a:effectRef idx="1">
-        <a:scrgbClr r="0" g="0" b="0"/>
-      </a:effectRef>
-      <a:fontRef idx="minor">
-        <a:schemeClr val="lt1"/>
-      </a:fontRef>
-    </dgm:style>
-  </dgm:styleLbl>
-  <dgm:styleLbl name="node3">
-    <dgm:scene3d>
-      <a:camera prst="orthographicFront"/>
-      <a:lightRig rig="threePt" dir="t"/>
-    </dgm:scene3d>
-    <dgm:sp3d/>
-    <dgm:txPr/>
-    <dgm:style>
-      <a:lnRef idx="3">
-        <a:scrgbClr r="0" g="0" b="0"/>
-      </a:lnRef>
-      <a:fillRef idx="1">
-        <a:scrgbClr r="0" g="0" b="0"/>
-      </a:fillRef>
-      <a:effectRef idx="1">
-        <a:scrgbClr r="0" g="0" b="0"/>
-      </a:effectRef>
-      <a:fontRef idx="minor">
-        <a:schemeClr val="lt1"/>
-      </a:fontRef>
-    </dgm:style>
-  </dgm:styleLbl>
-  <dgm:styleLbl name="node4">
-    <dgm:scene3d>
-      <a:camera prst="orthographicFront"/>
-      <a:lightRig rig="threePt" dir="t"/>
-    </dgm:scene3d>
-    <dgm:sp3d/>
-    <dgm:txPr/>
-    <dgm:style>
-      <a:lnRef idx="3">
-        <a:scrgbClr r="0" g="0" b="0"/>
-      </a:lnRef>
-      <a:fillRef idx="1">
-        <a:scrgbClr r="0" g="0" b="0"/>
-      </a:fillRef>
-      <a:effectRef idx="1">
-        <a:scrgbClr r="0" g="0" b="0"/>
-      </a:effectRef>
-      <a:fontRef idx="minor">
-        <a:schemeClr val="lt1"/>
-      </a:fontRef>
-    </dgm:style>
-  </dgm:styleLbl>
-  <dgm:styleLbl name="fgImgPlace1">
-    <dgm:scene3d>
-      <a:camera prst="orthographicFront"/>
-      <a:lightRig rig="threePt" dir="t"/>
-    </dgm:scene3d>
-    <dgm:sp3d/>
-    <dgm:txPr/>
-    <dgm:style>
-      <a:lnRef idx="3">
-        <a:scrgbClr r="0" g="0" b="0"/>
-      </a:lnRef>
-      <a:fillRef idx="1">
-        <a:scrgbClr r="0" g="0" b="0"/>
-      </a:fillRef>
-      <a:effectRef idx="1">
-        <a:scrgbClr r="0" g="0" b="0"/>
-      </a:effectRef>
-      <a:fontRef idx="minor"/>
-    </dgm:style>
-  </dgm:styleLbl>
-  <dgm:styleLbl name="alignImgPlace1">
-    <dgm:scene3d>
-      <a:camera prst="orthographicFront"/>
-      <a:lightRig rig="threePt" dir="t"/>
-    </dgm:scene3d>
-    <dgm:sp3d/>
-    <dgm:txPr/>
-    <dgm:style>
-      <a:lnRef idx="3">
-        <a:scrgbClr r="0" g="0" b="0"/>
-      </a:lnRef>
-      <a:fillRef idx="1">
-        <a:scrgbClr r="0" g="0" b="0"/>
-      </a:fillRef>
-      <a:effectRef idx="1">
-        <a:scrgbClr r="0" g="0" b="0"/>
-      </a:effectRef>
-      <a:fontRef idx="minor"/>
-    </dgm:style>
-  </dgm:styleLbl>
-  <dgm:styleLbl name="bgImgPlace1">
-    <dgm:scene3d>
-      <a:camera prst="orthographicFront"/>
-      <a:lightRig rig="threePt" dir="t"/>
-    </dgm:scene3d>
-    <dgm:sp3d/>
-    <dgm:txPr/>
-    <dgm:style>
-      <a:lnRef idx="3">
-        <a:scrgbClr r="0" g="0" b="0"/>
-      </a:lnRef>
-      <a:fillRef idx="1">
-        <a:scrgbClr r="0" g="0" b="0"/>
-      </a:fillRef>
-      <a:effectRef idx="1">
-        <a:scrgbClr r="0" g="0" b="0"/>
-      </a:effectRef>
-      <a:fontRef idx="minor"/>
-    </dgm:style>
-  </dgm:styleLbl>
-  <dgm:styleLbl name="sibTrans2D1">
-    <dgm:scene3d>
-      <a:camera prst="orthographicFront"/>
-      <a:lightRig rig="threePt" dir="t"/>
-    </dgm:scene3d>
-    <dgm:sp3d/>
-    <dgm:txPr/>
-    <dgm:style>
-      <a:lnRef idx="0">
-        <a:scrgbClr r="0" g="0" b="0"/>
-      </a:lnRef>
-      <a:fillRef idx="1">
-        <a:scrgbClr r="0" g="0" b="0"/>
-      </a:fillRef>
-      <a:effectRef idx="1">
-        <a:scrgbClr r="0" g="0" b="0"/>
-      </a:effectRef>
-      <a:fontRef idx="minor">
-        <a:schemeClr val="lt1"/>
-      </a:fontRef>
-    </dgm:style>
-  </dgm:styleLbl>
-  <dgm:styleLbl name="fgSibTrans2D1">
-    <dgm:scene3d>
-      <a:camera prst="orthographicFront"/>
-      <a:lightRig rig="threePt" dir="t"/>
-    </dgm:scene3d>
-    <dgm:sp3d/>
-    <dgm:txPr/>
-    <dgm:style>
-      <a:lnRef idx="0">
-        <a:scrgbClr r="0" g="0" b="0"/>
-      </a:lnRef>
-      <a:fillRef idx="1">
-        <a:scrgbClr r="0" g="0" b="0"/>
-      </a:fillRef>
-      <a:effectRef idx="1">
-        <a:scrgbClr r="0" g="0" b="0"/>
-      </a:effectRef>
-      <a:fontRef idx="minor">
-        <a:schemeClr val="lt1"/>
-      </a:fontRef>
-    </dgm:style>
-  </dgm:styleLbl>
-  <dgm:styleLbl name="bgSibTrans2D1">
-    <dgm:scene3d>
-      <a:camera prst="orthographicFront"/>
-      <a:lightRig rig="threePt" dir="t"/>
-    </dgm:scene3d>
-    <dgm:sp3d/>
-    <dgm:txPr/>
-    <dgm:style>
-      <a:lnRef idx="0">
-        <a:scrgbClr r="0" g="0" b="0"/>
-      </a:lnRef>
-      <a:fillRef idx="1">
-        <a:scrgbClr r="0" g="0" b="0"/>
-      </a:fillRef>
-      <a:effectRef idx="1">
-        <a:scrgbClr r="0" g="0" b="0"/>
-      </a:effectRef>
-      <a:fontRef idx="minor">
-        <a:schemeClr val="lt1"/>
-      </a:fontRef>
-    </dgm:style>
-  </dgm:styleLbl>
-  <dgm:styleLbl name="sibTrans1D1">
-    <dgm:scene3d>
-      <a:camera prst="orthographicFront"/>
-      <a:lightRig rig="threePt" dir="t"/>
-    </dgm:scene3d>
-    <dgm:sp3d/>
-    <dgm:txPr/>
-    <dgm:style>
-      <a:lnRef idx="1">
-        <a:scrgbClr r="0" g="0" b="0"/>
-      </a:lnRef>
-      <a:fillRef idx="0">
-        <a:scrgbClr r="0" g="0" b="0"/>
-      </a:fillRef>
-      <a:effectRef idx="0">
-        <a:scrgbClr r="0" g="0" b="0"/>
-      </a:effectRef>
-      <a:fontRef idx="minor"/>
-    </dgm:style>
-  </dgm:styleLbl>
-  <dgm:styleLbl name="callout">
-    <dgm:scene3d>
-      <a:camera prst="orthographicFront"/>
-      <a:lightRig rig="threePt" dir="t"/>
-    </dgm:scene3d>
-    <dgm:sp3d/>
-    <dgm:txPr/>
-    <dgm:style>
-      <a:lnRef idx="2">
-        <a:scrgbClr r="0" g="0" b="0"/>
-      </a:lnRef>
-      <a:fillRef idx="1">
-        <a:scrgbClr r="0" g="0" b="0"/>
-      </a:fillRef>
-      <a:effectRef idx="1">
-        <a:scrgbClr r="0" g="0" b="0"/>
-      </a:effectRef>
-      <a:fontRef idx="minor"/>
-    </dgm:style>
-  </dgm:styleLbl>
-  <dgm:styleLbl name="asst0">
-    <dgm:scene3d>
-      <a:camera prst="orthographicFront"/>
-      <a:lightRig rig="threePt" dir="t"/>
-    </dgm:scene3d>
-    <dgm:sp3d/>
-    <dgm:txPr/>
-    <dgm:style>
-      <a:lnRef idx="3">
-        <a:scrgbClr r="0" g="0" b="0"/>
-      </a:lnRef>
-      <a:fillRef idx="1">
-        <a:scrgbClr r="0" g="0" b="0"/>
-      </a:fillRef>
-      <a:effectRef idx="1">
-        <a:scrgbClr r="0" g="0" b="0"/>
-      </a:effectRef>
-      <a:fontRef idx="minor">
-        <a:schemeClr val="lt1"/>
-      </a:fontRef>
-    </dgm:style>
-  </dgm:styleLbl>
-  <dgm:styleLbl name="asst1">
-    <dgm:scene3d>
-      <a:camera prst="orthographicFront"/>
-      <a:lightRig rig="threePt" dir="t"/>
-    </dgm:scene3d>
-    <dgm:sp3d/>
-    <dgm:txPr/>
-    <dgm:style>
-      <a:lnRef idx="3">
-        <a:scrgbClr r="0" g="0" b="0"/>
-      </a:lnRef>
-      <a:fillRef idx="1">
-        <a:scrgbClr r="0" g="0" b="0"/>
-      </a:fillRef>
-      <a:effectRef idx="1">
-        <a:scrgbClr r="0" g="0" b="0"/>
-      </a:effectRef>
-      <a:fontRef idx="minor">
-        <a:schemeClr val="lt1"/>
-      </a:fontRef>
-    </dgm:style>
-  </dgm:styleLbl>
-  <dgm:styleLbl name="asst2">
-    <dgm:scene3d>
-      <a:camera prst="orthographicFront"/>
-      <a:lightRig rig="threePt" dir="t"/>
-    </dgm:scene3d>
-    <dgm:sp3d/>
-    <dgm:txPr/>
-    <dgm:style>
-      <a:lnRef idx="3">
-        <a:scrgbClr r="0" g="0" b="0"/>
-      </a:lnRef>
-      <a:fillRef idx="1">
-        <a:scrgbClr r="0" g="0" b="0"/>
-      </a:fillRef>
-      <a:effectRef idx="1">
-        <a:scrgbClr r="0" g="0" b="0"/>
-      </a:effectRef>
-      <a:fontRef idx="minor">
-        <a:schemeClr val="lt1"/>
-      </a:fontRef>
-    </dgm:style>
-  </dgm:styleLbl>
-  <dgm:styleLbl name="asst3">
-    <dgm:scene3d>
-      <a:camera prst="orthographicFront"/>
-      <a:lightRig rig="threePt" dir="t"/>
-    </dgm:scene3d>
-    <dgm:sp3d/>
-    <dgm:txPr/>
-    <dgm:style>
-      <a:lnRef idx="3">
-        <a:scrgbClr r="0" g="0" b="0"/>
-      </a:lnRef>
-      <a:fillRef idx="1">
-        <a:scrgbClr r="0" g="0" b="0"/>
-      </a:fillRef>
-      <a:effectRef idx="1">
-        <a:scrgbClr r="0" g="0" b="0"/>
-      </a:effectRef>
-      <a:fontRef idx="minor">
-        <a:schemeClr val="lt1"/>
-      </a:fontRef>
-    </dgm:style>
-  </dgm:styleLbl>
-  <dgm:styleLbl name="asst4">
-    <dgm:scene3d>
-      <a:camera prst="orthographicFront"/>
-      <a:lightRig rig="threePt" dir="t"/>
-    </dgm:scene3d>
-    <dgm:sp3d/>
-    <dgm:txPr/>
-    <dgm:style>
-      <a:lnRef idx="3">
-        <a:scrgbClr r="0" g="0" b="0"/>
-      </a:lnRef>
-      <a:fillRef idx="1">
-        <a:scrgbClr r="0" g="0" b="0"/>
-      </a:fillRef>
-      <a:effectRef idx="1">
-        <a:scrgbClr r="0" g="0" b="0"/>
-      </a:effectRef>
-      <a:fontRef idx="minor">
-        <a:schemeClr val="lt1"/>
-      </a:fontRef>
-    </dgm:style>
-  </dgm:styleLbl>
-  <dgm:styleLbl name="parChTrans2D1">
-    <dgm:scene3d>
-      <a:camera prst="orthographicFront"/>
-      <a:lightRig rig="threePt" dir="t"/>
-    </dgm:scene3d>
-    <dgm:sp3d/>
-    <dgm:txPr/>
-    <dgm:style>
-      <a:lnRef idx="3">
-        <a:scrgbClr r="0" g="0" b="0"/>
-      </a:lnRef>
-      <a:fillRef idx="1">
-        <a:scrgbClr r="0" g="0" b="0"/>
-      </a:fillRef>
-      <a:effectRef idx="1">
-        <a:scrgbClr r="0" g="0" b="0"/>
-      </a:effectRef>
-      <a:fontRef idx="minor">
-        <a:schemeClr val="lt1"/>
-      </a:fontRef>
-    </dgm:style>
-  </dgm:styleLbl>
-  <dgm:styleLbl name="parChTrans2D2">
-    <dgm:scene3d>
-      <a:camera prst="orthographicFront"/>
-      <a:lightRig rig="threePt" dir="t"/>
-    </dgm:scene3d>
-    <dgm:sp3d/>
-    <dgm:txPr/>
-    <dgm:style>
-      <a:lnRef idx="3">
-        <a:scrgbClr r="0" g="0" b="0"/>
-      </a:lnRef>
-      <a:fillRef idx="1">
-        <a:scrgbClr r="0" g="0" b="0"/>
-      </a:fillRef>
-      <a:effectRef idx="1">
-        <a:scrgbClr r="0" g="0" b="0"/>
-      </a:effectRef>
-      <a:fontRef idx="minor">
-        <a:schemeClr val="lt1"/>
-      </a:fontRef>
-    </dgm:style>
-  </dgm:styleLbl>
-  <dgm:styleLbl name="parChTrans2D3">
-    <dgm:scene3d>
-      <a:camera prst="orthographicFront"/>
-      <a:lightRig rig="threePt" dir="t"/>
-    </dgm:scene3d>
-    <dgm:sp3d/>
-    <dgm:txPr/>
-    <dgm:style>
-      <a:lnRef idx="3">
-        <a:scrgbClr r="0" g="0" b="0"/>
-      </a:lnRef>
-      <a:fillRef idx="1">
-        <a:scrgbClr r="0" g="0" b="0"/>
-      </a:fillRef>
-      <a:effectRef idx="1">
-        <a:scrgbClr r="0" g="0" b="0"/>
-      </a:effectRef>
-      <a:fontRef idx="minor">
-        <a:schemeClr val="lt1"/>
-      </a:fontRef>
-    </dgm:style>
-  </dgm:styleLbl>
-  <dgm:styleLbl name="parChTrans2D4">
-    <dgm:scene3d>
-      <a:camera prst="orthographicFront"/>
-      <a:lightRig rig="threePt" dir="t"/>
-    </dgm:scene3d>
-    <dgm:sp3d/>
-    <dgm:txPr/>
-    <dgm:style>
-      <a:lnRef idx="3">
-        <a:scrgbClr r="0" g="0" b="0"/>
-      </a:lnRef>
-      <a:fillRef idx="1">
-        <a:scrgbClr r="0" g="0" b="0"/>
-      </a:fillRef>
-      <a:effectRef idx="1">
-        <a:scrgbClr r="0" g="0" b="0"/>
-      </a:effectRef>
-      <a:fontRef idx="minor">
-        <a:schemeClr val="lt1"/>
-      </a:fontRef>
-    </dgm:style>
-  </dgm:styleLbl>
-  <dgm:styleLbl name="parChTrans1D1">
-    <dgm:scene3d>
-      <a:camera prst="orthographicFront"/>
-      <a:lightRig rig="threePt" dir="t"/>
-    </dgm:scene3d>
-    <dgm:sp3d/>
-    <dgm:txPr/>
-    <dgm:style>
-      <a:lnRef idx="2">
-        <a:scrgbClr r="0" g="0" b="0"/>
-      </a:lnRef>
-      <a:fillRef idx="0">
-        <a:scrgbClr r="0" g="0" b="0"/>
-      </a:fillRef>
-      <a:effectRef idx="0">
-        <a:scrgbClr r="0" g="0" b="0"/>
-      </a:effectRef>
-      <a:fontRef idx="minor"/>
-    </dgm:style>
-  </dgm:styleLbl>
-  <dgm:styleLbl name="parChTrans1D2">
-    <dgm:scene3d>
-      <a:camera prst="orthographicFront"/>
-      <a:lightRig rig="threePt" dir="t"/>
-    </dgm:scene3d>
-    <dgm:sp3d/>
-    <dgm:txPr/>
-    <dgm:style>
-      <a:lnRef idx="2">
-        <a:scrgbClr r="0" g="0" b="0"/>
-      </a:lnRef>
-      <a:fillRef idx="0">
-        <a:scrgbClr r="0" g="0" b="0"/>
-      </a:fillRef>
-      <a:effectRef idx="0">
-        <a:scrgbClr r="0" g="0" b="0"/>
-      </a:effectRef>
-      <a:fontRef idx="minor"/>
-    </dgm:style>
-  </dgm:styleLbl>
-  <dgm:styleLbl name="parChTrans1D3">
-    <dgm:scene3d>
-      <a:camera prst="orthographicFront"/>
-      <a:lightRig rig="threePt" dir="t"/>
-    </dgm:scene3d>
-    <dgm:sp3d/>
-    <dgm:txPr/>
-    <dgm:style>
-      <a:lnRef idx="2">
-        <a:scrgbClr r="0" g="0" b="0"/>
-      </a:lnRef>
-      <a:fillRef idx="0">
-        <a:scrgbClr r="0" g="0" b="0"/>
-      </a:fillRef>
-      <a:effectRef idx="0">
-        <a:scrgbClr r="0" g="0" b="0"/>
-      </a:effectRef>
-      <a:fontRef idx="minor"/>
-    </dgm:style>
-  </dgm:styleLbl>
-  <dgm:styleLbl name="parChTrans1D4">
-    <dgm:scene3d>
-      <a:camera prst="orthographicFront"/>
-      <a:lightRig rig="threePt" dir="t"/>
-    </dgm:scene3d>
-    <dgm:sp3d/>
-    <dgm:txPr/>
-    <dgm:style>
-      <a:lnRef idx="2">
-        <a:scrgbClr r="0" g="0" b="0"/>
-      </a:lnRef>
-      <a:fillRef idx="0">
-        <a:scrgbClr r="0" g="0" b="0"/>
-      </a:fillRef>
-      <a:effectRef idx="0">
-        <a:scrgbClr r="0" g="0" b="0"/>
-      </a:effectRef>
-      <a:fontRef idx="minor"/>
-    </dgm:style>
-  </dgm:styleLbl>
-  <dgm:styleLbl name="fgAcc1">
-    <dgm:scene3d>
-      <a:camera prst="orthographicFront"/>
-      <a:lightRig rig="threePt" dir="t"/>
-    </dgm:scene3d>
-    <dgm:sp3d/>
-    <dgm:txPr/>
-    <dgm:style>
-      <a:lnRef idx="2">
-        <a:scrgbClr r="0" g="0" b="0"/>
-      </a:lnRef>
-      <a:fillRef idx="1">
-        <a:scrgbClr r="0" g="0" b="0"/>
-      </a:fillRef>
-      <a:effectRef idx="0">
-        <a:scrgbClr r="0" g="0" b="0"/>
-      </a:effectRef>
-      <a:fontRef idx="minor"/>
-    </dgm:style>
-  </dgm:styleLbl>
-  <dgm:styleLbl name="conFgAcc1">
-    <dgm:scene3d>
-      <a:camera prst="orthographicFront"/>
-      <a:lightRig rig="threePt" dir="t"/>
-    </dgm:scene3d>
-    <dgm:sp3d/>
-    <dgm:txPr/>
-    <dgm:style>
-      <a:lnRef idx="2">
-        <a:scrgbClr r="0" g="0" b="0"/>
-      </a:lnRef>
-      <a:fillRef idx="1">
-        <a:scrgbClr r="0" g="0" b="0"/>
-      </a:fillRef>
-      <a:effectRef idx="0">
-        <a:scrgbClr r="0" g="0" b="0"/>
-      </a:effectRef>
-      <a:fontRef idx="minor"/>
-    </dgm:style>
-  </dgm:styleLbl>
-  <dgm:styleLbl name="alignAcc1">
-    <dgm:scene3d>
-      <a:camera prst="orthographicFront"/>
-      <a:lightRig rig="threePt" dir="t"/>
-    </dgm:scene3d>
-    <dgm:sp3d/>
-    <dgm:txPr/>
-    <dgm:style>
-      <a:lnRef idx="2">
-        <a:scrgbClr r="0" g="0" b="0"/>
-      </a:lnRef>
-      <a:fillRef idx="1">
-        <a:scrgbClr r="0" g="0" b="0"/>
-      </a:fillRef>
-      <a:effectRef idx="0">
-        <a:scrgbClr r="0" g="0" b="0"/>
-      </a:effectRef>
-      <a:fontRef idx="minor"/>
-    </dgm:style>
-  </dgm:styleLbl>
-  <dgm:styleLbl name="trAlignAcc1">
-    <dgm:scene3d>
-      <a:camera prst="orthographicFront"/>
-      <a:lightRig rig="threePt" dir="t"/>
-    </dgm:scene3d>
-    <dgm:sp3d/>
-    <dgm:txPr/>
-    <dgm:style>
-      <a:lnRef idx="1">
-        <a:scrgbClr r="0" g="0" b="0"/>
-      </a:lnRef>
-      <a:fillRef idx="1">
-        <a:scrgbClr r="0" g="0" b="0"/>
-      </a:fillRef>
-      <a:effectRef idx="0">
-        <a:scrgbClr r="0" g="0" b="0"/>
-      </a:effectRef>
-      <a:fontRef idx="minor"/>
-    </dgm:style>
-  </dgm:styleLbl>
-  <dgm:styleLbl name="bgAcc1">
-    <dgm:scene3d>
-      <a:camera prst="orthographicFront"/>
-      <a:lightRig rig="threePt" dir="t"/>
-    </dgm:scene3d>
-    <dgm:sp3d/>
-    <dgm:txPr/>
-    <dgm:style>
-      <a:lnRef idx="2">
-        <a:scrgbClr r="0" g="0" b="0"/>
-      </a:lnRef>
-      <a:fillRef idx="1">
-        <a:scrgbClr r="0" g="0" b="0"/>
-      </a:fillRef>
-      <a:effectRef idx="0">
-        <a:scrgbClr r="0" g="0" b="0"/>
-      </a:effectRef>
-      <a:fontRef idx="minor"/>
-    </dgm:style>
-  </dgm:styleLbl>
-  <dgm:styleLbl name="solidFgAcc1">
-    <dgm:scene3d>
-      <a:camera prst="orthographicFront"/>
-      <a:lightRig rig="threePt" dir="t"/>
-    </dgm:scene3d>
-    <dgm:sp3d/>
-    <dgm:txPr/>
-    <dgm:style>
-      <a:lnRef idx="2">
-        <a:scrgbClr r="0" g="0" b="0"/>
-      </a:lnRef>
-      <a:fillRef idx="1">
-        <a:scrgbClr r="0" g="0" b="0"/>
-      </a:fillRef>
-      <a:effectRef idx="0">
-        <a:scrgbClr r="0" g="0" b="0"/>
-      </a:effectRef>
-      <a:fontRef idx="minor"/>
-    </dgm:style>
-  </dgm:styleLbl>
-  <dgm:styleLbl name="solidAlignAcc1">
-    <dgm:scene3d>
-      <a:camera prst="orthographicFront"/>
-      <a:lightRig rig="threePt" dir="t"/>
-    </dgm:scene3d>
-    <dgm:sp3d/>
-    <dgm:txPr/>
-    <dgm:style>
-      <a:lnRef idx="2">
-        <a:scrgbClr r="0" g="0" b="0"/>
-      </a:lnRef>
-      <a:fillRef idx="1">
-        <a:scrgbClr r="0" g="0" b="0"/>
-      </a:fillRef>
-      <a:effectRef idx="0">
-        <a:scrgbClr r="0" g="0" b="0"/>
-      </a:effectRef>
-      <a:fontRef idx="minor"/>
-    </dgm:style>
-  </dgm:styleLbl>
-  <dgm:styleLbl name="solidBgAcc1">
-    <dgm:scene3d>
-      <a:camera prst="orthographicFront"/>
-      <a:lightRig rig="threePt" dir="t"/>
-    </dgm:scene3d>
-    <dgm:sp3d/>
-    <dgm:txPr/>
-    <dgm:style>
-      <a:lnRef idx="2">
-        <a:scrgbClr r="0" g="0" b="0"/>
-      </a:lnRef>
-      <a:fillRef idx="1">
-        <a:scrgbClr r="0" g="0" b="0"/>
-      </a:fillRef>
-      <a:effectRef idx="0">
-        <a:scrgbClr r="0" g="0" b="0"/>
-      </a:effectRef>
-      <a:fontRef idx="minor"/>
-    </dgm:style>
-  </dgm:styleLbl>
-  <dgm:styleLbl name="fgAccFollowNode1">
-    <dgm:scene3d>
-      <a:camera prst="orthographicFront"/>
-      <a:lightRig rig="threePt" dir="t"/>
-    </dgm:scene3d>
-    <dgm:sp3d/>
-    <dgm:txPr/>
-    <dgm:style>
-      <a:lnRef idx="2">
-        <a:scrgbClr r="0" g="0" b="0"/>
-      </a:lnRef>
-      <a:fillRef idx="1">
-        <a:scrgbClr r="0" g="0" b="0"/>
-      </a:fillRef>
-      <a:effectRef idx="0">
-        <a:scrgbClr r="0" g="0" b="0"/>
-      </a:effectRef>
-      <a:fontRef idx="minor"/>
-    </dgm:style>
-  </dgm:styleLbl>
-  <dgm:styleLbl name="alignAccFollowNode1">
-    <dgm:scene3d>
-      <a:camera prst="orthographicFront"/>
-      <a:lightRig rig="threePt" dir="t"/>
-    </dgm:scene3d>
-    <dgm:sp3d/>
-    <dgm:txPr/>
-    <dgm:style>
-      <a:lnRef idx="2">
-        <a:scrgbClr r="0" g="0" b="0"/>
-      </a:lnRef>
-      <a:fillRef idx="1">
-        <a:scrgbClr r="0" g="0" b="0"/>
-      </a:fillRef>
-      <a:effectRef idx="0">
-        <a:scrgbClr r="0" g="0" b="0"/>
-      </a:effectRef>
-      <a:fontRef idx="minor"/>
-    </dgm:style>
-  </dgm:styleLbl>
-  <dgm:styleLbl name="bgAccFollowNode1">
-    <dgm:scene3d>
-      <a:camera prst="orthographicFront"/>
-      <a:lightRig rig="threePt" dir="t"/>
-    </dgm:scene3d>
-    <dgm:sp3d/>
-    <dgm:txPr/>
-    <dgm:style>
-      <a:lnRef idx="2">
-        <a:scrgbClr r="0" g="0" b="0"/>
-      </a:lnRef>
-      <a:fillRef idx="1">
-        <a:scrgbClr r="0" g="0" b="0"/>
-      </a:fillRef>
-      <a:effectRef idx="0">
-        <a:scrgbClr r="0" g="0" b="0"/>
-      </a:effectRef>
-      <a:fontRef idx="minor"/>
-    </dgm:style>
-  </dgm:styleLbl>
-  <dgm:styleLbl name="fgAcc0">
-    <dgm:scene3d>
-      <a:camera prst="orthographicFront"/>
-      <a:lightRig rig="threePt" dir="t"/>
-    </dgm:scene3d>
-    <dgm:sp3d/>
-    <dgm:txPr/>
-    <dgm:style>
-      <a:lnRef idx="2">
-        <a:scrgbClr r="0" g="0" b="0"/>
-      </a:lnRef>
-      <a:fillRef idx="1">
-        <a:scrgbClr r="0" g="0" b="0"/>
-      </a:fillRef>
-      <a:effectRef idx="0">
-        <a:scrgbClr r="0" g="0" b="0"/>
-      </a:effectRef>
-      <a:fontRef idx="minor"/>
-    </dgm:style>
-  </dgm:styleLbl>
-  <dgm:styleLbl name="fgAcc2">
-    <dgm:scene3d>
-      <a:camera prst="orthographicFront"/>
-      <a:lightRig rig="threePt" dir="t"/>
-    </dgm:scene3d>
-    <dgm:sp3d/>
-    <dgm:txPr/>
-    <dgm:style>
-      <a:lnRef idx="2">
-        <a:scrgbClr r="0" g="0" b="0"/>
-      </a:lnRef>
-      <a:fillRef idx="1">
-        <a:scrgbClr r="0" g="0" b="0"/>
-      </a:fillRef>
-      <a:effectRef idx="0">
-        <a:scrgbClr r="0" g="0" b="0"/>
-      </a:effectRef>
-      <a:fontRef idx="minor"/>
-    </dgm:style>
-  </dgm:styleLbl>
-  <dgm:styleLbl name="fgAcc3">
-    <dgm:scene3d>
-      <a:camera prst="orthographicFront"/>
-      <a:lightRig rig="threePt" dir="t"/>
-    </dgm:scene3d>
-    <dgm:sp3d/>
-    <dgm:txPr/>
-    <dgm:style>
-      <a:lnRef idx="2">
-        <a:scrgbClr r="0" g="0" b="0"/>
-      </a:lnRef>
-      <a:fillRef idx="1">
-        <a:scrgbClr r="0" g="0" b="0"/>
-      </a:fillRef>
-      <a:effectRef idx="0">
-        <a:scrgbClr r="0" g="0" b="0"/>
-      </a:effectRef>
-      <a:fontRef idx="minor"/>
-    </dgm:style>
-  </dgm:styleLbl>
-  <dgm:styleLbl name="fgAcc4">
-    <dgm:scene3d>
-      <a:camera prst="orthographicFront"/>
-      <a:lightRig rig="threePt" dir="t"/>
-    </dgm:scene3d>
-    <dgm:sp3d/>
-    <dgm:txPr/>
-    <dgm:style>
-      <a:lnRef idx="2">
-        <a:scrgbClr r="0" g="0" b="0"/>
-      </a:lnRef>
-      <a:fillRef idx="1">
-        <a:scrgbClr r="0" g="0" b="0"/>
-      </a:fillRef>
-      <a:effectRef idx="0">
-        <a:scrgbClr r="0" g="0" b="0"/>
-      </a:effectRef>
-      <a:fontRef idx="minor"/>
-    </dgm:style>
-  </dgm:styleLbl>
-  <dgm:styleLbl name="bgShp">
-    <dgm:scene3d>
-      <a:camera prst="orthographicFront"/>
-      <a:lightRig rig="threePt" dir="t"/>
-    </dgm:scene3d>
-    <dgm:sp3d/>
-    <dgm:txPr/>
-    <dgm:style>
-      <a:lnRef idx="0">
-        <a:scrgbClr r="0" g="0" b="0"/>
-      </a:lnRef>
-      <a:fillRef idx="1">
-        <a:scrgbClr r="0" g="0" b="0"/>
-      </a:fillRef>
-      <a:effectRef idx="0">
-        <a:scrgbClr r="0" g="0" b="0"/>
-      </a:effectRef>
-      <a:fontRef idx="minor"/>
-    </dgm:style>
-  </dgm:styleLbl>
-  <dgm:styleLbl name="dkBgShp">
-    <dgm:scene3d>
-      <a:camera prst="orthographicFront"/>
-      <a:lightRig rig="threePt" dir="t"/>
-    </dgm:scene3d>
-    <dgm:sp3d/>
-    <dgm:txPr/>
-    <dgm:style>
-      <a:lnRef idx="0">
-        <a:scrgbClr r="0" g="0" b="0"/>
-      </a:lnRef>
-      <a:fillRef idx="1">
-        <a:scrgbClr r="0" g="0" b="0"/>
-      </a:fillRef>
-      <a:effectRef idx="0">
-        <a:scrgbClr r="0" g="0" b="0"/>
-      </a:effectRef>
-      <a:fontRef idx="minor"/>
-    </dgm:style>
-  </dgm:styleLbl>
-  <dgm:styleLbl name="trBgShp">
-    <dgm:scene3d>
-      <a:camera prst="orthographicFront"/>
-      <a:lightRig rig="threePt" dir="t"/>
-    </dgm:scene3d>
-    <dgm:sp3d/>
-    <dgm:txPr/>
-    <dgm:style>
-      <a:lnRef idx="0">
-        <a:scrgbClr r="0" g="0" b="0"/>
-      </a:lnRef>
-      <a:fillRef idx="1">
-        <a:scrgbClr r="0" g="0" b="0"/>
-      </a:fillRef>
-      <a:effectRef idx="0">
-        <a:scrgbClr r="0" g="0" b="0"/>
-      </a:effectRef>
-      <a:fontRef idx="minor"/>
-    </dgm:style>
-  </dgm:styleLbl>
-  <dgm:styleLbl name="fgShp">
-    <dgm:scene3d>
-      <a:camera prst="orthographicFront"/>
-      <a:lightRig rig="threePt" dir="t"/>
-    </dgm:scene3d>
-    <dgm:sp3d/>
-    <dgm:txPr/>
-    <dgm:style>
-      <a:lnRef idx="3">
-        <a:scrgbClr r="0" g="0" b="0"/>
-      </a:lnRef>
-      <a:fillRef idx="1">
-        <a:scrgbClr r="0" g="0" b="0"/>
-      </a:fillRef>
-      <a:effectRef idx="1">
-        <a:scrgbClr r="0" g="0" b="0"/>
-      </a:effectRef>
-      <a:fontRef idx="minor"/>
-    </dgm:style>
-  </dgm:styleLbl>
-  <dgm:styleLbl name="revTx">
-    <dgm:scene3d>
-      <a:camera prst="orthographicFront"/>
-      <a:lightRig rig="threePt" dir="t"/>
-    </dgm:scene3d>
-    <dgm:sp3d/>
-    <dgm:txPr/>
-    <dgm:style>
-      <a:lnRef idx="0">
-        <a:scrgbClr r="0" g="0" b="0"/>
-      </a:lnRef>
-      <a:fillRef idx="0">
-        <a:scrgbClr r="0" g="0" b="0"/>
-      </a:fillRef>
-      <a:effectRef idx="0">
-        <a:scrgbClr r="0" g="0" b="0"/>
-      </a:effectRef>
-      <a:fontRef idx="minor"/>
-    </dgm:style>
-  </dgm:styleLbl>
-</dgm:styleDef>
-</file>
-
-<file path=ppt/diagrams/quickStyle4.xml><?xml version="1.0" encoding="utf-8"?>
 <dgm:styleDef xmlns:dgm="http://schemas.openxmlformats.org/drawingml/2006/diagram" xmlns:a="http://schemas.openxmlformats.org/drawingml/2006/main" uniqueId="urn:microsoft.com/office/officeart/2005/8/quickstyle/simple5">
   <dgm:title val=""/>
   <dgm:desc val=""/>
@@ -16352,10 +13694,10 @@
           <a:lstStyle/>
           <a:p>
             <a:r>
-              <a:rPr lang="en-US">
+              <a:rPr lang="en-US" dirty="0">
                 <a:effectLst/>
               </a:rPr>
-              <a:t>What are the business impacts of poor CI/CD?</a:t>
+              <a:t>What is happening now without CI/CD?</a:t>
             </a:r>
           </a:p>
         </p:txBody>
@@ -16376,7 +13718,7 @@
             <p:ph idx="1"/>
             <p:extLst>
               <p:ext uri="{D42A27DB-BD31-4B8C-83A1-F6EECF244321}">
-                <p14:modId xmlns:p14="http://schemas.microsoft.com/office/powerpoint/2010/main" val="1756929851"/>
+                <p14:modId xmlns:p14="http://schemas.microsoft.com/office/powerpoint/2010/main" val="1163613164"/>
               </p:ext>
             </p:extLst>
           </p:nvPr>
@@ -16450,108 +13792,10 @@
           <a:lstStyle/>
           <a:p>
             <a:r>
-              <a:rPr lang="en-US">
+              <a:rPr lang="en-US" dirty="0">
                 <a:effectLst/>
               </a:rPr>
-              <a:t>What does it look like if a magic wand were to solve it today?</a:t>
-            </a:r>
-          </a:p>
-        </p:txBody>
-      </p:sp>
-      <p:graphicFrame>
-        <p:nvGraphicFramePr>
-          <p:cNvPr id="6" name="Content Placeholder 3">
-            <a:extLst>
-              <a:ext uri="{FF2B5EF4-FFF2-40B4-BE49-F238E27FC236}">
-                <a16:creationId xmlns:a16="http://schemas.microsoft.com/office/drawing/2014/main" id="{CF95604E-51ED-4F6F-AE29-6D2B66B64C48}"/>
-              </a:ext>
-            </a:extLst>
-          </p:cNvPr>
-          <p:cNvGraphicFramePr>
-            <a:graphicFrameLocks noGrp="1"/>
-          </p:cNvGraphicFramePr>
-          <p:nvPr>
-            <p:ph idx="1"/>
-            <p:extLst>
-              <p:ext uri="{D42A27DB-BD31-4B8C-83A1-F6EECF244321}">
-                <p14:modId xmlns:p14="http://schemas.microsoft.com/office/powerpoint/2010/main" val="4040841045"/>
-              </p:ext>
-            </p:extLst>
-          </p:nvPr>
-        </p:nvGraphicFramePr>
-        <p:xfrm>
-          <a:off x="1066800" y="2103120"/>
-          <a:ext cx="10058400" cy="3849624"/>
-        </p:xfrm>
-        <a:graphic>
-          <a:graphicData uri="http://schemas.openxmlformats.org/drawingml/2006/diagram">
-            <dgm:relIds xmlns:dgm="http://schemas.openxmlformats.org/drawingml/2006/diagram" xmlns:r="http://schemas.openxmlformats.org/officeDocument/2006/relationships" r:dm="rId2" r:lo="rId3" r:qs="rId4" r:cs="rId5"/>
-          </a:graphicData>
-        </a:graphic>
-      </p:graphicFrame>
-    </p:spTree>
-    <p:extLst>
-      <p:ext uri="{BB962C8B-B14F-4D97-AF65-F5344CB8AC3E}">
-        <p14:creationId xmlns:p14="http://schemas.microsoft.com/office/powerpoint/2010/main" val="2867014997"/>
-      </p:ext>
-    </p:extLst>
-  </p:cSld>
-  <p:clrMapOvr>
-    <a:masterClrMapping/>
-  </p:clrMapOvr>
-</p:sld>
-</file>
-
-<file path=ppt/slides/slide4.xml><?xml version="1.0" encoding="utf-8"?>
-<p:sld xmlns:a="http://schemas.openxmlformats.org/drawingml/2006/main" xmlns:r="http://schemas.openxmlformats.org/officeDocument/2006/relationships" xmlns:p="http://schemas.openxmlformats.org/presentationml/2006/main">
-  <p:cSld>
-    <p:spTree>
-      <p:nvGrpSpPr>
-        <p:cNvPr id="1" name=""/>
-        <p:cNvGrpSpPr/>
-        <p:nvPr/>
-      </p:nvGrpSpPr>
-      <p:grpSpPr>
-        <a:xfrm>
-          <a:off x="0" y="0"/>
-          <a:ext cx="0" cy="0"/>
-          <a:chOff x="0" y="0"/>
-          <a:chExt cx="0" cy="0"/>
-        </a:xfrm>
-      </p:grpSpPr>
-      <p:sp>
-        <p:nvSpPr>
-          <p:cNvPr id="2" name="Title 1">
-            <a:extLst>
-              <a:ext uri="{FF2B5EF4-FFF2-40B4-BE49-F238E27FC236}">
-                <a16:creationId xmlns:a16="http://schemas.microsoft.com/office/drawing/2014/main" id="{7A4919D0-F177-4BBA-9A0B-DBA69E2ED764}"/>
-              </a:ext>
-            </a:extLst>
-          </p:cNvPr>
-          <p:cNvSpPr>
-            <a:spLocks noGrp="1"/>
-          </p:cNvSpPr>
-          <p:nvPr>
-            <p:ph type="title"/>
-          </p:nvPr>
-        </p:nvSpPr>
-        <p:spPr>
-          <a:xfrm>
-            <a:off x="1066800" y="642594"/>
-            <a:ext cx="10058400" cy="1371600"/>
-          </a:xfrm>
-        </p:spPr>
-        <p:txBody>
-          <a:bodyPr anchor="ctr">
-            <a:normAutofit/>
-          </a:bodyPr>
-          <a:lstStyle/>
-          <a:p>
-            <a:r>
-              <a:rPr lang="en-US">
-                <a:effectLst/>
-              </a:rPr>
-              <a:t>What are some of the benefits of a good CI/CD strategy?</a:t>
+              <a:t>What are the benefits of good CI/CD?</a:t>
             </a:r>
           </a:p>
         </p:txBody>
@@ -16572,7 +13816,7 @@
             <p:ph idx="1"/>
             <p:extLst>
               <p:ext uri="{D42A27DB-BD31-4B8C-83A1-F6EECF244321}">
-                <p14:modId xmlns:p14="http://schemas.microsoft.com/office/powerpoint/2010/main" val="1175939410"/>
+                <p14:modId xmlns:p14="http://schemas.microsoft.com/office/powerpoint/2010/main" val="2703896215"/>
               </p:ext>
             </p:extLst>
           </p:nvPr>
@@ -16600,7 +13844,7 @@
 </p:sld>
 </file>
 
-<file path=ppt/slides/slide5.xml><?xml version="1.0" encoding="utf-8"?>
+<file path=ppt/slides/slide4.xml><?xml version="1.0" encoding="utf-8"?>
 <p:sld xmlns:a="http://schemas.openxmlformats.org/drawingml/2006/main" xmlns:r="http://schemas.openxmlformats.org/officeDocument/2006/relationships" xmlns:p="http://schemas.openxmlformats.org/presentationml/2006/main">
   <p:cSld>
     <p:spTree>
@@ -16671,7 +13915,7 @@
             <p:ph idx="1"/>
             <p:extLst>
               <p:ext uri="{D42A27DB-BD31-4B8C-83A1-F6EECF244321}">
-                <p14:modId xmlns:p14="http://schemas.microsoft.com/office/powerpoint/2010/main" val="1004089728"/>
+                <p14:modId xmlns:p14="http://schemas.microsoft.com/office/powerpoint/2010/main" val="2456420024"/>
               </p:ext>
             </p:extLst>
           </p:nvPr>
